--- a/DiamondGraphicsEngine/OptimizationReport.pptx
+++ b/DiamondGraphicsEngine/OptimizationReport.pptx
@@ -10550,7 +10550,10 @@
             </a:r>
           </a:p>
           <a:p>
-            <a:pPr lvl="1"/>
+            <a:pPr marL="708660" lvl="1" indent="-342900">
+              <a:buFont typeface="+mj-lt"/>
+              <a:buAutoNum type="arabicPeriod"/>
+            </a:pPr>
             <a:r>
               <a:rPr lang="en-US" altLang="zh-CN" dirty="0" smtClean="0"/>
               <a:t>Changed 3</a:t>
@@ -10573,7 +10576,10 @@
             </a:r>
           </a:p>
           <a:p>
-            <a:pPr lvl="1"/>
+            <a:pPr marL="708660" lvl="1" indent="-342900">
+              <a:buFont typeface="+mj-lt"/>
+              <a:buAutoNum type="arabicPeriod"/>
+            </a:pPr>
             <a:r>
               <a:rPr lang="en-US" altLang="zh-CN" dirty="0" smtClean="0"/>
               <a:t>Changed SSAO-generation pass from 1 </a:t>
@@ -10586,18 +10592,74 @@
               <a:rPr lang="en-US" altLang="zh-CN" dirty="0" smtClean="0"/>
               <a:t>attachment to depth only using GL_DEPTH_COMPONENT24</a:t>
             </a:r>
+            <a:endParaRPr lang="en-US" altLang="zh-CN" dirty="0"/>
+          </a:p>
+          <a:p>
+            <a:pPr marL="708660" lvl="1" indent="-342900">
+              <a:buFont typeface="+mj-lt"/>
+              <a:buAutoNum type="arabicPeriod"/>
+            </a:pPr>
+            <a:r>
+              <a:rPr lang="en-US" altLang="zh-CN" dirty="0"/>
+              <a:t>Combined 2-pass SSAO blur process to one shader and reduced state changes</a:t>
+            </a:r>
+            <a:r>
+              <a:rPr lang="en-US" altLang="zh-CN" dirty="0" smtClean="0"/>
+              <a:t>.</a:t>
+            </a:r>
+            <a:endParaRPr lang="en-US" altLang="zh-CN" dirty="0"/>
+          </a:p>
+          <a:p>
+            <a:pPr marL="708660" lvl="1" indent="-342900">
+              <a:buFont typeface="+mj-lt"/>
+              <a:buAutoNum type="arabicPeriod"/>
+            </a:pPr>
+            <a:r>
+              <a:rPr lang="en-US" altLang="zh-CN" dirty="0"/>
+              <a:t>Combined 2-pass </a:t>
+            </a:r>
+            <a:r>
+              <a:rPr lang="en-US" altLang="zh-CN" dirty="0" smtClean="0"/>
+              <a:t>ESM </a:t>
+            </a:r>
+            <a:r>
+              <a:rPr lang="en-US" altLang="zh-CN" dirty="0"/>
+              <a:t>blur process to one shader and reduced state changes</a:t>
+            </a:r>
+            <a:r>
+              <a:rPr lang="en-US" altLang="zh-CN" dirty="0" smtClean="0"/>
+              <a:t>.</a:t>
+            </a:r>
+          </a:p>
+          <a:p>
+            <a:pPr marL="708660" lvl="1" indent="-342900">
+              <a:buFont typeface="+mj-lt"/>
+              <a:buAutoNum type="arabicPeriod"/>
+            </a:pPr>
+            <a:r>
+              <a:rPr lang="en-US" altLang="zh-CN" dirty="0" smtClean="0"/>
+              <a:t>Moved Gaussian Distribution calculation to CPU side.</a:t>
+            </a:r>
+          </a:p>
+          <a:p>
+            <a:pPr marL="708660" lvl="1" indent="-342900">
+              <a:buFont typeface="+mj-lt"/>
+              <a:buAutoNum type="arabicPeriod"/>
+            </a:pPr>
+            <a:r>
+              <a:rPr lang="en-US" altLang="zh-CN" dirty="0" smtClean="0"/>
+              <a:t>Combined 2 blur shaders in 1 shader.</a:t>
+            </a:r>
+          </a:p>
+          <a:p>
+            <a:r>
+              <a:rPr lang="en-US" altLang="zh-CN" smtClean="0"/>
+              <a:t>Result</a:t>
+            </a:r>
           </a:p>
           <a:p>
             <a:pPr lvl="1"/>
-            <a:r>
-              <a:rPr lang="en-US" altLang="zh-CN" dirty="0" smtClean="0"/>
-              <a:t>Combined 2-pass SSAO blur process to one shader and reduced </a:t>
-            </a:r>
-            <a:r>
-              <a:rPr lang="en-US" altLang="zh-CN" smtClean="0"/>
-              <a:t>state changes.</a:t>
-            </a:r>
-            <a:endParaRPr lang="en-US" altLang="zh-CN" dirty="0" smtClean="0"/>
+            <a:endParaRPr lang="en-US" altLang="zh-CN" dirty="0"/>
           </a:p>
           <a:p>
             <a:pPr lvl="1"/>

--- a/DiamondGraphicsEngine/OptimizationReport.pptx
+++ b/DiamondGraphicsEngine/OptimizationReport.pptx
@@ -10539,9 +10539,16 @@
             <p:ph idx="1"/>
           </p:nvPr>
         </p:nvSpPr>
-        <p:spPr/>
-        <p:txBody>
-          <a:bodyPr rtlCol="0"/>
+        <p:spPr>
+          <a:xfrm>
+            <a:off x="1295400" y="1828799"/>
+            <a:ext cx="9601200" cy="4316627"/>
+          </a:xfrm>
+        </p:spPr>
+        <p:txBody>
+          <a:bodyPr rtlCol="0">
+            <a:normAutofit lnSpcReduction="10000"/>
+          </a:bodyPr>
           <a:lstStyle/>
           <a:p>
             <a:r>
@@ -10653,8 +10660,22 @@
           </a:p>
           <a:p>
             <a:r>
-              <a:rPr lang="en-US" altLang="zh-CN" smtClean="0"/>
+              <a:rPr lang="en-US" altLang="zh-CN" dirty="0" smtClean="0"/>
               <a:t>Result</a:t>
+            </a:r>
+          </a:p>
+          <a:p>
+            <a:pPr lvl="1"/>
+            <a:r>
+              <a:rPr lang="en-US" altLang="zh-CN" dirty="0" smtClean="0"/>
+              <a:t>Combining 2 blur shaders actually slowed the application down due to different FBO sizes. Revert changes.</a:t>
+            </a:r>
+          </a:p>
+          <a:p>
+            <a:pPr lvl="1"/>
+            <a:r>
+              <a:rPr lang="en-US" altLang="zh-CN" dirty="0" smtClean="0"/>
+              <a:t>FPS has NOT improved significantly. - </a:t>
             </a:r>
           </a:p>
           <a:p>

--- a/DiamondGraphicsEngine/OptimizationReport.pptx
+++ b/DiamondGraphicsEngine/OptimizationReport.pptx
@@ -5,10 +5,10 @@
     <p:sldMasterId id="2147483648" r:id="rId1"/>
   </p:sldMasterIdLst>
   <p:notesMasterIdLst>
-    <p:notesMasterId r:id="rId17"/>
+    <p:notesMasterId r:id="rId18"/>
   </p:notesMasterIdLst>
   <p:handoutMasterIdLst>
-    <p:handoutMasterId r:id="rId18"/>
+    <p:handoutMasterId r:id="rId19"/>
   </p:handoutMasterIdLst>
   <p:sldIdLst>
     <p:sldId id="277" r:id="rId2"/>
@@ -17,15 +17,16 @@
     <p:sldId id="278" r:id="rId5"/>
     <p:sldId id="279" r:id="rId6"/>
     <p:sldId id="282" r:id="rId7"/>
-    <p:sldId id="268" r:id="rId8"/>
-    <p:sldId id="270" r:id="rId9"/>
-    <p:sldId id="269" r:id="rId10"/>
-    <p:sldId id="271" r:id="rId11"/>
-    <p:sldId id="272" r:id="rId12"/>
-    <p:sldId id="273" r:id="rId13"/>
-    <p:sldId id="274" r:id="rId14"/>
-    <p:sldId id="275" r:id="rId15"/>
-    <p:sldId id="276" r:id="rId16"/>
+    <p:sldId id="283" r:id="rId8"/>
+    <p:sldId id="268" r:id="rId9"/>
+    <p:sldId id="270" r:id="rId10"/>
+    <p:sldId id="269" r:id="rId11"/>
+    <p:sldId id="271" r:id="rId12"/>
+    <p:sldId id="272" r:id="rId13"/>
+    <p:sldId id="273" r:id="rId14"/>
+    <p:sldId id="274" r:id="rId15"/>
+    <p:sldId id="275" r:id="rId16"/>
+    <p:sldId id="276" r:id="rId17"/>
   </p:sldIdLst>
   <p:sldSz cx="12192000" cy="6858000"/>
   <p:notesSz cx="6858000" cy="9144000"/>
@@ -459,11 +460,11 @@
         </c:dLbls>
         <c:gapWidth val="100"/>
         <c:overlap val="-24"/>
-        <c:axId val="-1337182256"/>
-        <c:axId val="-1337180624"/>
+        <c:axId val="-1561396672"/>
+        <c:axId val="-1561390688"/>
       </c:barChart>
       <c:catAx>
-        <c:axId val="-1337182256"/>
+        <c:axId val="-1561396672"/>
         <c:scaling>
           <c:orientation val="minMax"/>
         </c:scaling>
@@ -503,7 +504,7 @@
             <a:endParaRPr lang="zh-CN"/>
           </a:p>
         </c:txPr>
-        <c:crossAx val="-1337180624"/>
+        <c:crossAx val="-1561390688"/>
         <c:crosses val="autoZero"/>
         <c:auto val="1"/>
         <c:lblAlgn val="ctr"/>
@@ -511,7 +512,7 @@
         <c:noMultiLvlLbl val="0"/>
       </c:catAx>
       <c:valAx>
-        <c:axId val="-1337180624"/>
+        <c:axId val="-1561390688"/>
         <c:scaling>
           <c:orientation val="minMax"/>
         </c:scaling>
@@ -559,7 +560,7 @@
             <a:endParaRPr lang="zh-CN"/>
           </a:p>
         </c:txPr>
-        <c:crossAx val="-1337182256"/>
+        <c:crossAx val="-1561396672"/>
         <c:crosses val="autoZero"/>
         <c:crossBetween val="between"/>
       </c:valAx>
@@ -2171,8 +2172,8 @@
   </dgm:ptLst>
   <dgm:cxnLst>
     <dgm:cxn modelId="{52D03CF9-CE53-4002-AAED-817FBB395399}" type="presOf" srcId="{6D62B7E6-A7B7-474F-B145-0ABFE7C798BD}" destId="{8A34865A-29F3-4612-BD60-25517D3937BB}" srcOrd="0" destOrd="0" presId="urn:microsoft.com/office/officeart/2005/8/layout/pyramid4"/>
+    <dgm:cxn modelId="{35C3B619-E840-4AFF-B602-C4F3A3844CC0}" srcId="{C7791974-9F08-42C6-B4F2-02B9136A72C7}" destId="{E94ADD85-26B8-44AF-BE89-A44A734EC3B8}" srcOrd="1" destOrd="0" parTransId="{80CC2F95-912D-4EB2-A7A7-15A75A534300}" sibTransId="{BD64D4FA-33E1-4A93-8ABA-E777D7BBB411}"/>
     <dgm:cxn modelId="{66525AC0-026F-4425-88AE-E23ED4309766}" type="presOf" srcId="{BC6FFA61-6A5E-4A07-B0CD-657A6016A538}" destId="{E9D1B414-4301-4553-9DAF-ACE9902D6950}" srcOrd="0" destOrd="0" presId="urn:microsoft.com/office/officeart/2005/8/layout/pyramid4"/>
-    <dgm:cxn modelId="{35C3B619-E840-4AFF-B602-C4F3A3844CC0}" srcId="{C7791974-9F08-42C6-B4F2-02B9136A72C7}" destId="{E94ADD85-26B8-44AF-BE89-A44A734EC3B8}" srcOrd="1" destOrd="0" parTransId="{80CC2F95-912D-4EB2-A7A7-15A75A534300}" sibTransId="{BD64D4FA-33E1-4A93-8ABA-E777D7BBB411}"/>
     <dgm:cxn modelId="{AC459E9A-72C9-4B2D-BD11-0C2A00A7B9B1}" type="presOf" srcId="{52C59E2E-30E9-45A1-A2DB-B56219AA5D23}" destId="{5CE8AFD8-8F11-477A-AD8A-938650EC8062}" srcOrd="0" destOrd="0" presId="urn:microsoft.com/office/officeart/2005/8/layout/pyramid4"/>
     <dgm:cxn modelId="{144421FE-CAF2-4745-BAE1-6B88FC778DDF}" srcId="{C7791974-9F08-42C6-B4F2-02B9136A72C7}" destId="{BC6FFA61-6A5E-4A07-B0CD-657A6016A538}" srcOrd="0" destOrd="0" parTransId="{BE5D8AB6-D1DC-4693-9520-9749A9B2666C}" sibTransId="{716E4D6C-03E8-4365-AF21-1602BE3722FD}"/>
     <dgm:cxn modelId="{6CF9C0DB-996D-40CB-A9CF-8BA6E74C1E3F}" srcId="{C7791974-9F08-42C6-B4F2-02B9136A72C7}" destId="{6D62B7E6-A7B7-474F-B145-0ABFE7C798BD}" srcOrd="3" destOrd="0" parTransId="{7F511E78-494F-4CB3-BAFB-7289787ECC3D}" sibTransId="{8BF8ECB4-4667-4B36-A63D-886D2F45FE49}"/>
@@ -2202,6 +2203,434 @@
       <dsp:cNvGrpSpPr/>
     </dsp:nvGrpSpPr>
     <dsp:grpSpPr/>
+    <dsp:sp modelId="{E9D1B414-4301-4553-9DAF-ACE9902D6950}">
+      <dsp:nvSpPr>
+        <dsp:cNvPr id="0" name=""/>
+        <dsp:cNvSpPr/>
+      </dsp:nvSpPr>
+      <dsp:spPr>
+        <a:xfrm>
+          <a:off x="1332706" y="0"/>
+          <a:ext cx="2058987" cy="2058987"/>
+        </a:xfrm>
+        <a:prstGeom prst="triangle">
+          <a:avLst/>
+        </a:prstGeom>
+        <a:gradFill rotWithShape="0">
+          <a:gsLst>
+            <a:gs pos="0">
+              <a:schemeClr val="accent1">
+                <a:hueOff val="0"/>
+                <a:satOff val="0"/>
+                <a:lumOff val="0"/>
+                <a:alphaOff val="0"/>
+                <a:satMod val="103000"/>
+                <a:lumMod val="102000"/>
+                <a:tint val="94000"/>
+              </a:schemeClr>
+            </a:gs>
+            <a:gs pos="50000">
+              <a:schemeClr val="accent1">
+                <a:hueOff val="0"/>
+                <a:satOff val="0"/>
+                <a:lumOff val="0"/>
+                <a:alphaOff val="0"/>
+                <a:satMod val="110000"/>
+                <a:lumMod val="100000"/>
+                <a:shade val="100000"/>
+              </a:schemeClr>
+            </a:gs>
+            <a:gs pos="100000">
+              <a:schemeClr val="accent1">
+                <a:hueOff val="0"/>
+                <a:satOff val="0"/>
+                <a:lumOff val="0"/>
+                <a:alphaOff val="0"/>
+                <a:lumMod val="99000"/>
+                <a:satMod val="120000"/>
+                <a:shade val="78000"/>
+              </a:schemeClr>
+            </a:gs>
+          </a:gsLst>
+          <a:lin ang="5400000" scaled="0"/>
+        </a:gradFill>
+        <a:ln>
+          <a:noFill/>
+        </a:ln>
+        <a:effectLst>
+          <a:outerShdw blurRad="57150" dist="19050" dir="5400000" algn="ctr" rotWithShape="0">
+            <a:srgbClr val="000000">
+              <a:alpha val="63000"/>
+            </a:srgbClr>
+          </a:outerShdw>
+        </a:effectLst>
+      </dsp:spPr>
+      <dsp:style>
+        <a:lnRef idx="0">
+          <a:scrgbClr r="0" g="0" b="0"/>
+        </a:lnRef>
+        <a:fillRef idx="3">
+          <a:scrgbClr r="0" g="0" b="0"/>
+        </a:fillRef>
+        <a:effectRef idx="3">
+          <a:scrgbClr r="0" g="0" b="0"/>
+        </a:effectRef>
+        <a:fontRef idx="minor">
+          <a:schemeClr val="lt1"/>
+        </a:fontRef>
+      </dsp:style>
+      <dsp:txBody>
+        <a:bodyPr spcFirstLastPara="0" vert="horz" wrap="square" lIns="118110" tIns="118110" rIns="118110" bIns="118110" numCol="1" spcCol="1270" rtlCol="0" anchor="ctr" anchorCtr="0">
+          <a:noAutofit/>
+        </a:bodyPr>
+        <a:lstStyle/>
+        <a:p>
+          <a:pPr lvl="0" algn="ctr" defTabSz="1377950" rtl="0">
+            <a:lnSpc>
+              <a:spcPct val="90000"/>
+            </a:lnSpc>
+            <a:spcBef>
+              <a:spcPct val="0"/>
+            </a:spcBef>
+            <a:spcAft>
+              <a:spcPct val="35000"/>
+            </a:spcAft>
+          </a:pPr>
+          <a:r>
+            <a:rPr lang="zh-CN" sz="3100" kern="1200" dirty="0">
+              <a:latin typeface="宋体" panose="02010600030101010101" pitchFamily="2" charset="-122"/>
+              <a:ea typeface="宋体" panose="02010600030101010101" pitchFamily="2" charset="-122"/>
+            </a:rPr>
+            <a:t>组 A</a:t>
+          </a:r>
+        </a:p>
+      </dsp:txBody>
+      <dsp:txXfrm>
+        <a:off x="1847453" y="1029494"/>
+        <a:ext cx="1029493" cy="1029493"/>
+      </dsp:txXfrm>
+    </dsp:sp>
+    <dsp:sp modelId="{45B33EA1-8640-46B4-88FF-887F47189AD6}">
+      <dsp:nvSpPr>
+        <dsp:cNvPr id="0" name=""/>
+        <dsp:cNvSpPr/>
+      </dsp:nvSpPr>
+      <dsp:spPr>
+        <a:xfrm>
+          <a:off x="303212" y="2058987"/>
+          <a:ext cx="2058987" cy="2058987"/>
+        </a:xfrm>
+        <a:prstGeom prst="triangle">
+          <a:avLst/>
+        </a:prstGeom>
+        <a:gradFill rotWithShape="0">
+          <a:gsLst>
+            <a:gs pos="0">
+              <a:schemeClr val="accent1">
+                <a:hueOff val="0"/>
+                <a:satOff val="0"/>
+                <a:lumOff val="0"/>
+                <a:alphaOff val="0"/>
+                <a:satMod val="103000"/>
+                <a:lumMod val="102000"/>
+                <a:tint val="94000"/>
+              </a:schemeClr>
+            </a:gs>
+            <a:gs pos="50000">
+              <a:schemeClr val="accent1">
+                <a:hueOff val="0"/>
+                <a:satOff val="0"/>
+                <a:lumOff val="0"/>
+                <a:alphaOff val="0"/>
+                <a:satMod val="110000"/>
+                <a:lumMod val="100000"/>
+                <a:shade val="100000"/>
+              </a:schemeClr>
+            </a:gs>
+            <a:gs pos="100000">
+              <a:schemeClr val="accent1">
+                <a:hueOff val="0"/>
+                <a:satOff val="0"/>
+                <a:lumOff val="0"/>
+                <a:alphaOff val="0"/>
+                <a:lumMod val="99000"/>
+                <a:satMod val="120000"/>
+                <a:shade val="78000"/>
+              </a:schemeClr>
+            </a:gs>
+          </a:gsLst>
+          <a:lin ang="5400000" scaled="0"/>
+        </a:gradFill>
+        <a:ln>
+          <a:noFill/>
+        </a:ln>
+        <a:effectLst>
+          <a:outerShdw blurRad="57150" dist="19050" dir="5400000" algn="ctr" rotWithShape="0">
+            <a:srgbClr val="000000">
+              <a:alpha val="63000"/>
+            </a:srgbClr>
+          </a:outerShdw>
+        </a:effectLst>
+      </dsp:spPr>
+      <dsp:style>
+        <a:lnRef idx="0">
+          <a:scrgbClr r="0" g="0" b="0"/>
+        </a:lnRef>
+        <a:fillRef idx="3">
+          <a:scrgbClr r="0" g="0" b="0"/>
+        </a:fillRef>
+        <a:effectRef idx="3">
+          <a:scrgbClr r="0" g="0" b="0"/>
+        </a:effectRef>
+        <a:fontRef idx="minor">
+          <a:schemeClr val="lt1"/>
+        </a:fontRef>
+      </dsp:style>
+      <dsp:txBody>
+        <a:bodyPr spcFirstLastPara="0" vert="horz" wrap="square" lIns="118110" tIns="118110" rIns="118110" bIns="118110" numCol="1" spcCol="1270" rtlCol="0" anchor="ctr" anchorCtr="0">
+          <a:noAutofit/>
+        </a:bodyPr>
+        <a:lstStyle/>
+        <a:p>
+          <a:pPr lvl="0" algn="ctr" defTabSz="1377950" rtl="0">
+            <a:lnSpc>
+              <a:spcPct val="90000"/>
+            </a:lnSpc>
+            <a:spcBef>
+              <a:spcPct val="0"/>
+            </a:spcBef>
+            <a:spcAft>
+              <a:spcPct val="35000"/>
+            </a:spcAft>
+          </a:pPr>
+          <a:r>
+            <a:rPr lang="zh-CN" sz="3100" kern="1200">
+              <a:latin typeface="宋体" panose="02010600030101010101" pitchFamily="2" charset="-122"/>
+              <a:ea typeface="宋体" panose="02010600030101010101" pitchFamily="2" charset="-122"/>
+            </a:rPr>
+            <a:t>组 B</a:t>
+          </a:r>
+        </a:p>
+      </dsp:txBody>
+      <dsp:txXfrm>
+        <a:off x="817959" y="3088481"/>
+        <a:ext cx="1029493" cy="1029493"/>
+      </dsp:txXfrm>
+    </dsp:sp>
+    <dsp:sp modelId="{5CE8AFD8-8F11-477A-AD8A-938650EC8062}">
+      <dsp:nvSpPr>
+        <dsp:cNvPr id="0" name=""/>
+        <dsp:cNvSpPr/>
+      </dsp:nvSpPr>
+      <dsp:spPr>
+        <a:xfrm rot="10800000">
+          <a:off x="1332706" y="2058987"/>
+          <a:ext cx="2058987" cy="2058987"/>
+        </a:xfrm>
+        <a:prstGeom prst="triangle">
+          <a:avLst/>
+        </a:prstGeom>
+        <a:gradFill rotWithShape="0">
+          <a:gsLst>
+            <a:gs pos="0">
+              <a:schemeClr val="accent1">
+                <a:hueOff val="0"/>
+                <a:satOff val="0"/>
+                <a:lumOff val="0"/>
+                <a:alphaOff val="0"/>
+                <a:satMod val="103000"/>
+                <a:lumMod val="102000"/>
+                <a:tint val="94000"/>
+              </a:schemeClr>
+            </a:gs>
+            <a:gs pos="50000">
+              <a:schemeClr val="accent1">
+                <a:hueOff val="0"/>
+                <a:satOff val="0"/>
+                <a:lumOff val="0"/>
+                <a:alphaOff val="0"/>
+                <a:satMod val="110000"/>
+                <a:lumMod val="100000"/>
+                <a:shade val="100000"/>
+              </a:schemeClr>
+            </a:gs>
+            <a:gs pos="100000">
+              <a:schemeClr val="accent1">
+                <a:hueOff val="0"/>
+                <a:satOff val="0"/>
+                <a:lumOff val="0"/>
+                <a:alphaOff val="0"/>
+                <a:lumMod val="99000"/>
+                <a:satMod val="120000"/>
+                <a:shade val="78000"/>
+              </a:schemeClr>
+            </a:gs>
+          </a:gsLst>
+          <a:lin ang="5400000" scaled="0"/>
+        </a:gradFill>
+        <a:ln>
+          <a:noFill/>
+        </a:ln>
+        <a:effectLst>
+          <a:outerShdw blurRad="57150" dist="19050" dir="5400000" algn="ctr" rotWithShape="0">
+            <a:srgbClr val="000000">
+              <a:alpha val="63000"/>
+            </a:srgbClr>
+          </a:outerShdw>
+        </a:effectLst>
+      </dsp:spPr>
+      <dsp:style>
+        <a:lnRef idx="0">
+          <a:scrgbClr r="0" g="0" b="0"/>
+        </a:lnRef>
+        <a:fillRef idx="3">
+          <a:scrgbClr r="0" g="0" b="0"/>
+        </a:fillRef>
+        <a:effectRef idx="3">
+          <a:scrgbClr r="0" g="0" b="0"/>
+        </a:effectRef>
+        <a:fontRef idx="minor">
+          <a:schemeClr val="lt1"/>
+        </a:fontRef>
+      </dsp:style>
+      <dsp:txBody>
+        <a:bodyPr spcFirstLastPara="0" vert="horz" wrap="square" lIns="118110" tIns="118110" rIns="118110" bIns="118110" numCol="1" spcCol="1270" rtlCol="0" anchor="ctr" anchorCtr="0">
+          <a:noAutofit/>
+        </a:bodyPr>
+        <a:lstStyle/>
+        <a:p>
+          <a:pPr lvl="0" algn="ctr" defTabSz="1377950" rtl="0">
+            <a:lnSpc>
+              <a:spcPct val="90000"/>
+            </a:lnSpc>
+            <a:spcBef>
+              <a:spcPct val="0"/>
+            </a:spcBef>
+            <a:spcAft>
+              <a:spcPct val="35000"/>
+            </a:spcAft>
+          </a:pPr>
+          <a:r>
+            <a:rPr lang="zh-CN" sz="3100" kern="1200">
+              <a:latin typeface="宋体" panose="02010600030101010101" pitchFamily="2" charset="-122"/>
+              <a:ea typeface="宋体" panose="02010600030101010101" pitchFamily="2" charset="-122"/>
+            </a:rPr>
+            <a:t>组 C</a:t>
+          </a:r>
+        </a:p>
+      </dsp:txBody>
+      <dsp:txXfrm rot="10800000">
+        <a:off x="1847453" y="2058987"/>
+        <a:ext cx="1029493" cy="1029493"/>
+      </dsp:txXfrm>
+    </dsp:sp>
+    <dsp:sp modelId="{8A34865A-29F3-4612-BD60-25517D3937BB}">
+      <dsp:nvSpPr>
+        <dsp:cNvPr id="0" name=""/>
+        <dsp:cNvSpPr/>
+      </dsp:nvSpPr>
+      <dsp:spPr>
+        <a:xfrm>
+          <a:off x="2362199" y="2058987"/>
+          <a:ext cx="2058987" cy="2058987"/>
+        </a:xfrm>
+        <a:prstGeom prst="triangle">
+          <a:avLst/>
+        </a:prstGeom>
+        <a:gradFill rotWithShape="0">
+          <a:gsLst>
+            <a:gs pos="0">
+              <a:schemeClr val="accent1">
+                <a:hueOff val="0"/>
+                <a:satOff val="0"/>
+                <a:lumOff val="0"/>
+                <a:alphaOff val="0"/>
+                <a:satMod val="103000"/>
+                <a:lumMod val="102000"/>
+                <a:tint val="94000"/>
+              </a:schemeClr>
+            </a:gs>
+            <a:gs pos="50000">
+              <a:schemeClr val="accent1">
+                <a:hueOff val="0"/>
+                <a:satOff val="0"/>
+                <a:lumOff val="0"/>
+                <a:alphaOff val="0"/>
+                <a:satMod val="110000"/>
+                <a:lumMod val="100000"/>
+                <a:shade val="100000"/>
+              </a:schemeClr>
+            </a:gs>
+            <a:gs pos="100000">
+              <a:schemeClr val="accent1">
+                <a:hueOff val="0"/>
+                <a:satOff val="0"/>
+                <a:lumOff val="0"/>
+                <a:alphaOff val="0"/>
+                <a:lumMod val="99000"/>
+                <a:satMod val="120000"/>
+                <a:shade val="78000"/>
+              </a:schemeClr>
+            </a:gs>
+          </a:gsLst>
+          <a:lin ang="5400000" scaled="0"/>
+        </a:gradFill>
+        <a:ln>
+          <a:noFill/>
+        </a:ln>
+        <a:effectLst>
+          <a:outerShdw blurRad="57150" dist="19050" dir="5400000" algn="ctr" rotWithShape="0">
+            <a:srgbClr val="000000">
+              <a:alpha val="63000"/>
+            </a:srgbClr>
+          </a:outerShdw>
+        </a:effectLst>
+      </dsp:spPr>
+      <dsp:style>
+        <a:lnRef idx="0">
+          <a:scrgbClr r="0" g="0" b="0"/>
+        </a:lnRef>
+        <a:fillRef idx="3">
+          <a:scrgbClr r="0" g="0" b="0"/>
+        </a:fillRef>
+        <a:effectRef idx="3">
+          <a:scrgbClr r="0" g="0" b="0"/>
+        </a:effectRef>
+        <a:fontRef idx="minor">
+          <a:schemeClr val="lt1"/>
+        </a:fontRef>
+      </dsp:style>
+      <dsp:txBody>
+        <a:bodyPr spcFirstLastPara="0" vert="horz" wrap="square" lIns="118110" tIns="118110" rIns="118110" bIns="118110" numCol="1" spcCol="1270" rtlCol="0" anchor="ctr" anchorCtr="0">
+          <a:noAutofit/>
+        </a:bodyPr>
+        <a:lstStyle/>
+        <a:p>
+          <a:pPr lvl="0" algn="ctr" defTabSz="1377950" rtl="0">
+            <a:lnSpc>
+              <a:spcPct val="90000"/>
+            </a:lnSpc>
+            <a:spcBef>
+              <a:spcPct val="0"/>
+            </a:spcBef>
+            <a:spcAft>
+              <a:spcPct val="35000"/>
+            </a:spcAft>
+          </a:pPr>
+          <a:r>
+            <a:rPr lang="zh-CN" sz="3100" kern="1200">
+              <a:latin typeface="宋体" panose="02010600030101010101" pitchFamily="2" charset="-122"/>
+              <a:ea typeface="宋体" panose="02010600030101010101" pitchFamily="2" charset="-122"/>
+            </a:rPr>
+            <a:t>组 D</a:t>
+          </a:r>
+        </a:p>
+      </dsp:txBody>
+      <dsp:txXfrm>
+        <a:off x="2876946" y="3088481"/>
+        <a:ext cx="1029493" cy="1029493"/>
+      </dsp:txXfrm>
+    </dsp:sp>
   </dsp:spTree>
 </dsp:drawing>
 </file>
@@ -4343,7 +4772,7 @@
     </p:spTree>
     <p:extLst>
       <p:ext uri="{BB962C8B-B14F-4D97-AF65-F5344CB8AC3E}">
-        <p14:creationId xmlns:p14="http://schemas.microsoft.com/office/powerpoint/2010/main" val="1547871027"/>
+        <p14:creationId xmlns:p14="http://schemas.microsoft.com/office/powerpoint/2010/main" val="813541416"/>
       </p:ext>
     </p:extLst>
   </p:cSld>
@@ -4428,7 +4857,7 @@
     </p:spTree>
     <p:extLst>
       <p:ext uri="{BB962C8B-B14F-4D97-AF65-F5344CB8AC3E}">
-        <p14:creationId xmlns:p14="http://schemas.microsoft.com/office/powerpoint/2010/main" val="3909087885"/>
+        <p14:creationId xmlns:p14="http://schemas.microsoft.com/office/powerpoint/2010/main" val="1547871027"/>
       </p:ext>
     </p:extLst>
   </p:cSld>
@@ -4513,7 +4942,7 @@
     </p:spTree>
     <p:extLst>
       <p:ext uri="{BB962C8B-B14F-4D97-AF65-F5344CB8AC3E}">
-        <p14:creationId xmlns:p14="http://schemas.microsoft.com/office/powerpoint/2010/main" val="3944742829"/>
+        <p14:creationId xmlns:p14="http://schemas.microsoft.com/office/powerpoint/2010/main" val="3909087885"/>
       </p:ext>
     </p:extLst>
   </p:cSld>
@@ -4598,7 +5027,7 @@
     </p:spTree>
     <p:extLst>
       <p:ext uri="{BB962C8B-B14F-4D97-AF65-F5344CB8AC3E}">
-        <p14:creationId xmlns:p14="http://schemas.microsoft.com/office/powerpoint/2010/main" val="3762332169"/>
+        <p14:creationId xmlns:p14="http://schemas.microsoft.com/office/powerpoint/2010/main" val="3944742829"/>
       </p:ext>
     </p:extLst>
   </p:cSld>
@@ -4683,7 +5112,7 @@
     </p:spTree>
     <p:extLst>
       <p:ext uri="{BB962C8B-B14F-4D97-AF65-F5344CB8AC3E}">
-        <p14:creationId xmlns:p14="http://schemas.microsoft.com/office/powerpoint/2010/main" val="2267059253"/>
+        <p14:creationId xmlns:p14="http://schemas.microsoft.com/office/powerpoint/2010/main" val="3762332169"/>
       </p:ext>
     </p:extLst>
   </p:cSld>
@@ -4760,6 +5189,91 @@
               <a:rPr lang="en-US" smtClean="0"/>
               <a:pPr/>
               <a:t>15</a:t>
+            </a:fld>
+            <a:endParaRPr lang="en-US"/>
+          </a:p>
+        </p:txBody>
+      </p:sp>
+    </p:spTree>
+    <p:extLst>
+      <p:ext uri="{BB962C8B-B14F-4D97-AF65-F5344CB8AC3E}">
+        <p14:creationId xmlns:p14="http://schemas.microsoft.com/office/powerpoint/2010/main" val="2267059253"/>
+      </p:ext>
+    </p:extLst>
+  </p:cSld>
+  <p:clrMapOvr>
+    <a:masterClrMapping/>
+  </p:clrMapOvr>
+</p:notes>
+</file>
+
+<file path=ppt/notesSlides/notesSlide16.xml><?xml version="1.0" encoding="utf-8"?>
+<p:notes xmlns:a="http://schemas.openxmlformats.org/drawingml/2006/main" xmlns:r="http://schemas.openxmlformats.org/officeDocument/2006/relationships" xmlns:p="http://schemas.openxmlformats.org/presentationml/2006/main">
+  <p:cSld>
+    <p:spTree>
+      <p:nvGrpSpPr>
+        <p:cNvPr id="1" name=""/>
+        <p:cNvGrpSpPr/>
+        <p:nvPr/>
+      </p:nvGrpSpPr>
+      <p:grpSpPr>
+        <a:xfrm>
+          <a:off x="0" y="0"/>
+          <a:ext cx="0" cy="0"/>
+          <a:chOff x="0" y="0"/>
+          <a:chExt cx="0" cy="0"/>
+        </a:xfrm>
+      </p:grpSpPr>
+      <p:sp>
+        <p:nvSpPr>
+          <p:cNvPr id="2" name="幻灯片图像占位符 1"/>
+          <p:cNvSpPr>
+            <a:spLocks noGrp="1" noRot="1" noChangeAspect="1"/>
+          </p:cNvSpPr>
+          <p:nvPr>
+            <p:ph type="sldImg"/>
+          </p:nvPr>
+        </p:nvSpPr>
+        <p:spPr/>
+      </p:sp>
+      <p:sp>
+        <p:nvSpPr>
+          <p:cNvPr id="3" name="备注占位符 2"/>
+          <p:cNvSpPr>
+            <a:spLocks noGrp="1"/>
+          </p:cNvSpPr>
+          <p:nvPr>
+            <p:ph type="body" idx="1"/>
+          </p:nvPr>
+        </p:nvSpPr>
+        <p:spPr/>
+        <p:txBody>
+          <a:bodyPr/>
+          <a:lstStyle/>
+          <a:p>
+            <a:endParaRPr lang="zh-CN" altLang="en-US"/>
+          </a:p>
+        </p:txBody>
+      </p:sp>
+      <p:sp>
+        <p:nvSpPr>
+          <p:cNvPr id="4" name="幻灯片编号占位符 3"/>
+          <p:cNvSpPr>
+            <a:spLocks noGrp="1"/>
+          </p:cNvSpPr>
+          <p:nvPr>
+            <p:ph type="sldNum" sz="quarter" idx="10"/>
+          </p:nvPr>
+        </p:nvSpPr>
+        <p:spPr/>
+        <p:txBody>
+          <a:bodyPr/>
+          <a:lstStyle/>
+          <a:p>
+            <a:fld id="{68322CDD-9D6C-4F63-9EC2-648226624108}" type="slidenum">
+              <a:rPr lang="en-US" smtClean="0"/>
+              <a:pPr/>
+              <a:t>16</a:t>
             </a:fld>
             <a:endParaRPr lang="en-US"/>
           </a:p>
@@ -5278,7 +5792,7 @@
     </p:spTree>
     <p:extLst>
       <p:ext uri="{BB962C8B-B14F-4D97-AF65-F5344CB8AC3E}">
-        <p14:creationId xmlns:p14="http://schemas.microsoft.com/office/powerpoint/2010/main" val="2323755011"/>
+        <p14:creationId xmlns:p14="http://schemas.microsoft.com/office/powerpoint/2010/main" val="482600329"/>
       </p:ext>
     </p:extLst>
   </p:cSld>
@@ -5363,7 +5877,7 @@
     </p:spTree>
     <p:extLst>
       <p:ext uri="{BB962C8B-B14F-4D97-AF65-F5344CB8AC3E}">
-        <p14:creationId xmlns:p14="http://schemas.microsoft.com/office/powerpoint/2010/main" val="3043402611"/>
+        <p14:creationId xmlns:p14="http://schemas.microsoft.com/office/powerpoint/2010/main" val="2323755011"/>
       </p:ext>
     </p:extLst>
   </p:cSld>
@@ -5448,7 +5962,7 @@
     </p:spTree>
     <p:extLst>
       <p:ext uri="{BB962C8B-B14F-4D97-AF65-F5344CB8AC3E}">
-        <p14:creationId xmlns:p14="http://schemas.microsoft.com/office/powerpoint/2010/main" val="813541416"/>
+        <p14:creationId xmlns:p14="http://schemas.microsoft.com/office/powerpoint/2010/main" val="3043402611"/>
       </p:ext>
     </p:extLst>
   </p:cSld>
@@ -9241,20 +9755,28 @@
           <a:p>
             <a:pPr rtl="0"/>
             <a:r>
-              <a:rPr lang="zh-CN" dirty="0"/>
-              <a:t>添加幻灯片标题 - 1</a:t>
-            </a:r>
-          </a:p>
-        </p:txBody>
-      </p:sp>
-      <p:sp>
-        <p:nvSpPr>
-          <p:cNvPr id="3" name="文本占位符 2"/>
-          <p:cNvSpPr>
-            <a:spLocks noGrp="1"/>
-          </p:cNvSpPr>
-          <p:nvPr>
-            <p:ph type="body" idx="1"/>
+              <a:rPr lang="zh-CN" altLang="en-US" dirty="0"/>
+              <a:t>包含 </a:t>
+            </a:r>
+            <a:r>
+              <a:rPr lang="en-US" altLang="zh-CN" dirty="0"/>
+              <a:t>SmartArt </a:t>
+            </a:r>
+            <a:r>
+              <a:rPr lang="zh-CN" altLang="en-US" dirty="0"/>
+              <a:t>的两栏内容布局</a:t>
+            </a:r>
+          </a:p>
+        </p:txBody>
+      </p:sp>
+      <p:sp>
+        <p:nvSpPr>
+          <p:cNvPr id="3" name="内容占位符 2"/>
+          <p:cNvSpPr>
+            <a:spLocks noGrp="1"/>
+          </p:cNvSpPr>
+          <p:nvPr>
+            <p:ph sz="half" idx="1"/>
           </p:nvPr>
         </p:nvSpPr>
         <p:spPr/>
@@ -9263,14 +9785,56 @@
           <a:lstStyle/>
           <a:p>
             <a:pPr rtl="0"/>
-            <a:endParaRPr lang="zh-CN" altLang="en-US" dirty="0"/>
-          </a:p>
-        </p:txBody>
-      </p:sp>
+            <a:r>
+              <a:rPr lang="zh-CN" altLang="en-US" dirty="0"/>
+              <a:t>此处是第一个项目要点</a:t>
+            </a:r>
+          </a:p>
+          <a:p>
+            <a:pPr rtl="0"/>
+            <a:r>
+              <a:rPr lang="zh-CN" altLang="en-US" dirty="0"/>
+              <a:t>此处是第二个项目要点</a:t>
+            </a:r>
+          </a:p>
+          <a:p>
+            <a:pPr rtl="0"/>
+            <a:r>
+              <a:rPr lang="zh-CN" altLang="en-US" dirty="0"/>
+              <a:t>此处是第三个项目要点</a:t>
+            </a:r>
+          </a:p>
+        </p:txBody>
+      </p:sp>
+      <p:graphicFrame>
+        <p:nvGraphicFramePr>
+          <p:cNvPr id="5" name="内容占位符 4" descr="分段棱锥显示&#10;4 个组之间相互关联的关系。组 A、组 2、组 3 和组 4 文字将显示在三角形中"/>
+          <p:cNvGraphicFramePr>
+            <a:graphicFrameLocks noGrp="1"/>
+          </p:cNvGraphicFramePr>
+          <p:nvPr>
+            <p:ph sz="half" idx="2"/>
+            <p:extLst>
+              <p:ext uri="{D42A27DB-BD31-4B8C-83A1-F6EECF244321}">
+                <p14:modId xmlns:p14="http://schemas.microsoft.com/office/powerpoint/2010/main" val="1598013441"/>
+              </p:ext>
+            </p:extLst>
+          </p:nvPr>
+        </p:nvGraphicFramePr>
+        <p:xfrm>
+          <a:off x="6172200" y="1825625"/>
+          <a:ext cx="4724400" cy="4117975"/>
+        </p:xfrm>
+        <a:graphic>
+          <a:graphicData uri="http://schemas.openxmlformats.org/drawingml/2006/diagram">
+            <dgm:relIds xmlns:dgm="http://schemas.openxmlformats.org/drawingml/2006/diagram" xmlns:r="http://schemas.openxmlformats.org/officeDocument/2006/relationships" r:dm="rId3" r:lo="rId4" r:qs="rId5" r:cs="rId6"/>
+          </a:graphicData>
+        </a:graphic>
+      </p:graphicFrame>
     </p:spTree>
     <p:extLst>
       <p:ext uri="{BB962C8B-B14F-4D97-AF65-F5344CB8AC3E}">
-        <p14:creationId xmlns:p14="http://schemas.microsoft.com/office/powerpoint/2010/main" val="3963179634"/>
+        <p14:creationId xmlns:p14="http://schemas.microsoft.com/office/powerpoint/2010/main" val="2557302982"/>
       </p:ext>
     </p:extLst>
   </p:cSld>
@@ -9327,7 +9891,7 @@
             <a:pPr rtl="0"/>
             <a:r>
               <a:rPr lang="zh-CN" dirty="0"/>
-              <a:t>添加幻灯片标题 - 2</a:t>
+              <a:t>添加幻灯片标题 - 1</a:t>
             </a:r>
           </a:p>
         </p:txBody>
@@ -9340,66 +9904,6 @@
           </p:cNvSpPr>
           <p:nvPr>
             <p:ph type="body" idx="1"/>
-          </p:nvPr>
-        </p:nvSpPr>
-        <p:spPr/>
-        <p:txBody>
-          <a:bodyPr rtlCol="0"/>
-          <a:lstStyle/>
-          <a:p>
-            <a:pPr rtl="0"/>
-            <a:endParaRPr lang="zh-CN" altLang="en-US" dirty="0"/>
-          </a:p>
-        </p:txBody>
-      </p:sp>
-      <p:sp>
-        <p:nvSpPr>
-          <p:cNvPr id="4" name="内容占位符 3"/>
-          <p:cNvSpPr>
-            <a:spLocks noGrp="1"/>
-          </p:cNvSpPr>
-          <p:nvPr>
-            <p:ph sz="half" idx="2"/>
-          </p:nvPr>
-        </p:nvSpPr>
-        <p:spPr/>
-        <p:txBody>
-          <a:bodyPr rtlCol="0"/>
-          <a:lstStyle/>
-          <a:p>
-            <a:pPr rtl="0"/>
-            <a:endParaRPr lang="zh-CN" altLang="en-US" dirty="0"/>
-          </a:p>
-        </p:txBody>
-      </p:sp>
-      <p:sp>
-        <p:nvSpPr>
-          <p:cNvPr id="5" name="文本占位符 4"/>
-          <p:cNvSpPr>
-            <a:spLocks noGrp="1"/>
-          </p:cNvSpPr>
-          <p:nvPr>
-            <p:ph type="body" sz="quarter" idx="3"/>
-          </p:nvPr>
-        </p:nvSpPr>
-        <p:spPr/>
-        <p:txBody>
-          <a:bodyPr rtlCol="0"/>
-          <a:lstStyle/>
-          <a:p>
-            <a:pPr rtl="0"/>
-            <a:endParaRPr lang="zh-CN" altLang="en-US" dirty="0"/>
-          </a:p>
-        </p:txBody>
-      </p:sp>
-      <p:sp>
-        <p:nvSpPr>
-          <p:cNvPr id="6" name="内容占位符 5"/>
-          <p:cNvSpPr>
-            <a:spLocks noGrp="1"/>
-          </p:cNvSpPr>
-          <p:nvPr>
-            <p:ph sz="quarter" idx="4"/>
           </p:nvPr>
         </p:nvSpPr>
         <p:spPr/>
@@ -9415,7 +9919,7 @@
     </p:spTree>
     <p:extLst>
       <p:ext uri="{BB962C8B-B14F-4D97-AF65-F5344CB8AC3E}">
-        <p14:creationId xmlns:p14="http://schemas.microsoft.com/office/powerpoint/2010/main" val="114670211"/>
+        <p14:creationId xmlns:p14="http://schemas.microsoft.com/office/powerpoint/2010/main" val="3963179634"/>
       </p:ext>
     </p:extLst>
   </p:cSld>
@@ -9471,6 +9975,151 @@
           <a:p>
             <a:pPr rtl="0"/>
             <a:r>
+              <a:rPr lang="zh-CN" dirty="0"/>
+              <a:t>添加幻灯片标题 - 2</a:t>
+            </a:r>
+          </a:p>
+        </p:txBody>
+      </p:sp>
+      <p:sp>
+        <p:nvSpPr>
+          <p:cNvPr id="3" name="文本占位符 2"/>
+          <p:cNvSpPr>
+            <a:spLocks noGrp="1"/>
+          </p:cNvSpPr>
+          <p:nvPr>
+            <p:ph type="body" idx="1"/>
+          </p:nvPr>
+        </p:nvSpPr>
+        <p:spPr/>
+        <p:txBody>
+          <a:bodyPr rtlCol="0"/>
+          <a:lstStyle/>
+          <a:p>
+            <a:pPr rtl="0"/>
+            <a:endParaRPr lang="zh-CN" altLang="en-US" dirty="0"/>
+          </a:p>
+        </p:txBody>
+      </p:sp>
+      <p:sp>
+        <p:nvSpPr>
+          <p:cNvPr id="4" name="内容占位符 3"/>
+          <p:cNvSpPr>
+            <a:spLocks noGrp="1"/>
+          </p:cNvSpPr>
+          <p:nvPr>
+            <p:ph sz="half" idx="2"/>
+          </p:nvPr>
+        </p:nvSpPr>
+        <p:spPr/>
+        <p:txBody>
+          <a:bodyPr rtlCol="0"/>
+          <a:lstStyle/>
+          <a:p>
+            <a:pPr rtl="0"/>
+            <a:endParaRPr lang="zh-CN" altLang="en-US" dirty="0"/>
+          </a:p>
+        </p:txBody>
+      </p:sp>
+      <p:sp>
+        <p:nvSpPr>
+          <p:cNvPr id="5" name="文本占位符 4"/>
+          <p:cNvSpPr>
+            <a:spLocks noGrp="1"/>
+          </p:cNvSpPr>
+          <p:nvPr>
+            <p:ph type="body" sz="quarter" idx="3"/>
+          </p:nvPr>
+        </p:nvSpPr>
+        <p:spPr/>
+        <p:txBody>
+          <a:bodyPr rtlCol="0"/>
+          <a:lstStyle/>
+          <a:p>
+            <a:pPr rtl="0"/>
+            <a:endParaRPr lang="zh-CN" altLang="en-US" dirty="0"/>
+          </a:p>
+        </p:txBody>
+      </p:sp>
+      <p:sp>
+        <p:nvSpPr>
+          <p:cNvPr id="6" name="内容占位符 5"/>
+          <p:cNvSpPr>
+            <a:spLocks noGrp="1"/>
+          </p:cNvSpPr>
+          <p:nvPr>
+            <p:ph sz="quarter" idx="4"/>
+          </p:nvPr>
+        </p:nvSpPr>
+        <p:spPr/>
+        <p:txBody>
+          <a:bodyPr rtlCol="0"/>
+          <a:lstStyle/>
+          <a:p>
+            <a:pPr rtl="0"/>
+            <a:endParaRPr lang="zh-CN" altLang="en-US" dirty="0"/>
+          </a:p>
+        </p:txBody>
+      </p:sp>
+    </p:spTree>
+    <p:extLst>
+      <p:ext uri="{BB962C8B-B14F-4D97-AF65-F5344CB8AC3E}">
+        <p14:creationId xmlns:p14="http://schemas.microsoft.com/office/powerpoint/2010/main" val="114670211"/>
+      </p:ext>
+    </p:extLst>
+  </p:cSld>
+  <p:clrMapOvr>
+    <a:masterClrMapping/>
+  </p:clrMapOvr>
+  <mc:AlternateContent xmlns:mc="http://schemas.openxmlformats.org/markup-compatibility/2006" xmlns:p14="http://schemas.microsoft.com/office/powerpoint/2010/main">
+    <mc:Choice Requires="p14">
+      <p:transition spd="med" p14:dur="700">
+        <p:fade/>
+      </p:transition>
+    </mc:Choice>
+    <mc:Fallback xmlns="">
+      <p:transition spd="med">
+        <p:fade/>
+      </p:transition>
+    </mc:Fallback>
+  </mc:AlternateContent>
+</p:sld>
+</file>
+
+<file path=ppt/slides/slide13.xml><?xml version="1.0" encoding="utf-8"?>
+<p:sld xmlns:a="http://schemas.openxmlformats.org/drawingml/2006/main" xmlns:r="http://schemas.openxmlformats.org/officeDocument/2006/relationships" xmlns:p="http://schemas.openxmlformats.org/presentationml/2006/main">
+  <p:cSld>
+    <p:spTree>
+      <p:nvGrpSpPr>
+        <p:cNvPr id="1" name=""/>
+        <p:cNvGrpSpPr/>
+        <p:nvPr/>
+      </p:nvGrpSpPr>
+      <p:grpSpPr>
+        <a:xfrm>
+          <a:off x="0" y="0"/>
+          <a:ext cx="0" cy="0"/>
+          <a:chOff x="0" y="0"/>
+          <a:chExt cx="0" cy="0"/>
+        </a:xfrm>
+      </p:grpSpPr>
+      <p:sp>
+        <p:nvSpPr>
+          <p:cNvPr id="2" name="标题 1"/>
+          <p:cNvSpPr>
+            <a:spLocks noGrp="1"/>
+          </p:cNvSpPr>
+          <p:nvPr>
+            <p:ph type="title"/>
+          </p:nvPr>
+        </p:nvSpPr>
+        <p:spPr/>
+        <p:txBody>
+          <a:bodyPr rtlCol="0"/>
+          <a:lstStyle/>
+          <a:p>
+            <a:pPr rtl="0"/>
+            <a:r>
               <a:rPr lang="zh-CN"/>
               <a:t>添加幻灯片标题 - 3</a:t>
             </a:r>
@@ -9502,7 +10151,7 @@
 </p:sld>
 </file>
 
-<file path=ppt/slides/slide13.xml><?xml version="1.0" encoding="utf-8"?>
+<file path=ppt/slides/slide14.xml><?xml version="1.0" encoding="utf-8"?>
 <p:sld xmlns:a="http://schemas.openxmlformats.org/drawingml/2006/main" xmlns:r="http://schemas.openxmlformats.org/officeDocument/2006/relationships" xmlns:p="http://schemas.openxmlformats.org/presentationml/2006/main">
   <p:cSld>
     <p:spTree>
@@ -9544,7 +10193,7 @@
 </p:sld>
 </file>
 
-<file path=ppt/slides/slide14.xml><?xml version="1.0" encoding="utf-8"?>
+<file path=ppt/slides/slide15.xml><?xml version="1.0" encoding="utf-8"?>
 <p:sld xmlns:a="http://schemas.openxmlformats.org/drawingml/2006/main" xmlns:r="http://schemas.openxmlformats.org/officeDocument/2006/relationships" xmlns:p="http://schemas.openxmlformats.org/presentationml/2006/main">
   <p:cSld>
     <p:spTree>
@@ -9649,7 +10298,7 @@
 </p:sld>
 </file>
 
-<file path=ppt/slides/slide15.xml><?xml version="1.0" encoding="utf-8"?>
+<file path=ppt/slides/slide16.xml><?xml version="1.0" encoding="utf-8"?>
 <p:sld xmlns:a="http://schemas.openxmlformats.org/drawingml/2006/main" xmlns:r="http://schemas.openxmlformats.org/officeDocument/2006/relationships" xmlns:p="http://schemas.openxmlformats.org/presentationml/2006/main">
   <p:cSld>
     <p:spTree>
@@ -9853,11 +10502,7 @@
             <a:pPr lvl="1"/>
             <a:r>
               <a:rPr lang="en-US" altLang="zh-CN" dirty="0" smtClean="0"/>
-              <a:t>25</a:t>
-            </a:r>
-            <a:r>
-              <a:rPr lang="en-US" altLang="zh-CN" dirty="0" smtClean="0"/>
-              <a:t> fps on </a:t>
+              <a:t>25 fps on </a:t>
             </a:r>
             <a:r>
               <a:rPr lang="pt-BR" altLang="zh-CN" dirty="0" smtClean="0"/>
@@ -9978,22 +10623,7 @@
                 <a:ea typeface="Arial Unicode MS" panose="020B0604020202020204" pitchFamily="34" charset="-122"/>
                 <a:cs typeface="Arial Unicode MS" panose="020B0604020202020204" pitchFamily="34" charset="-122"/>
               </a:rPr>
-              <a:t>in</a:t>
-            </a:r>
-            <a:r>
-              <a:rPr lang="en-US" altLang="zh-CN" dirty="0" smtClean="0">
-                <a:effectLst>
-                  <a:outerShdw blurRad="38100" dist="38100" dir="2700000" algn="tl">
-                    <a:srgbClr val="000000">
-                      <a:alpha val="43137"/>
-                    </a:srgbClr>
-                  </a:outerShdw>
-                </a:effectLst>
-                <a:latin typeface="Arial Unicode MS" panose="020B0604020202020204" pitchFamily="34" charset="-122"/>
-                <a:ea typeface="Arial Unicode MS" panose="020B0604020202020204" pitchFamily="34" charset="-122"/>
-                <a:cs typeface="Arial Unicode MS" panose="020B0604020202020204" pitchFamily="34" charset="-122"/>
-              </a:rPr>
-              <a:t>tensive graphics features</a:t>
+              <a:t>intensive graphics features</a:t>
             </a:r>
             <a:endParaRPr lang="zh-CN" altLang="en-US" dirty="0">
               <a:effectLst>
@@ -10399,7 +11029,6 @@
               <a:rPr lang="en-US" altLang="zh-CN" b="1" dirty="0" smtClean="0"/>
               <a:t>Combine passes</a:t>
             </a:r>
-            <a:endParaRPr lang="en-US" altLang="zh-CN" b="1" dirty="0" smtClean="0"/>
           </a:p>
           <a:p>
             <a:r>
@@ -10668,15 +11297,32 @@
             <a:pPr lvl="1"/>
             <a:r>
               <a:rPr lang="en-US" altLang="zh-CN" dirty="0" smtClean="0"/>
-              <a:t>Combining 2 blur shaders actually slowed the application down due to different FBO sizes. Revert changes.</a:t>
+              <a:t>Combining 2 blur shaders actually slowed </a:t>
+            </a:r>
+            <a:r>
+              <a:rPr lang="en-US" altLang="zh-CN" dirty="0" smtClean="0"/>
+              <a:t>FPS </a:t>
+            </a:r>
+            <a:r>
+              <a:rPr lang="en-US" altLang="zh-CN" dirty="0" smtClean="0"/>
+              <a:t>down </a:t>
+            </a:r>
+            <a:r>
+              <a:rPr lang="en-US" altLang="zh-CN" dirty="0" smtClean="0"/>
+              <a:t>due to different FBO sizes. Revert changes.</a:t>
             </a:r>
           </a:p>
           <a:p>
             <a:pPr lvl="1"/>
             <a:r>
               <a:rPr lang="en-US" altLang="zh-CN" dirty="0" smtClean="0"/>
-              <a:t>FPS has NOT improved significantly. - </a:t>
-            </a:r>
+              <a:t>FPS has NOT improved significantly</a:t>
+            </a:r>
+            <a:r>
+              <a:rPr lang="en-US" altLang="zh-CN" dirty="0" smtClean="0"/>
+              <a:t>.</a:t>
+            </a:r>
+            <a:endParaRPr lang="en-US" altLang="zh-CN" dirty="0" smtClean="0"/>
           </a:p>
           <a:p>
             <a:pPr lvl="1"/>
@@ -10757,41 +11403,157 @@
           <a:p>
             <a:pPr rtl="0"/>
             <a:r>
-              <a:rPr lang="zh-CN" dirty="0"/>
-              <a:t>标题和包含图表的内容布局</a:t>
-            </a:r>
-          </a:p>
-        </p:txBody>
-      </p:sp>
-      <p:graphicFrame>
-        <p:nvGraphicFramePr>
-          <p:cNvPr id="6" name="内容占位符 5" descr="簇状柱形图表示&#10;4 种类别的 3 系列组合图表"/>
-          <p:cNvGraphicFramePr>
-            <a:graphicFrameLocks noGrp="1"/>
-          </p:cNvGraphicFramePr>
+              <a:rPr lang="en-US" altLang="zh-CN" dirty="0" smtClean="0">
+                <a:effectLst>
+                  <a:outerShdw blurRad="38100" dist="38100" dir="2700000" algn="tl">
+                    <a:srgbClr val="000000">
+                      <a:alpha val="43137"/>
+                    </a:srgbClr>
+                  </a:outerShdw>
+                </a:effectLst>
+                <a:latin typeface="Arial Unicode MS" panose="020B0604020202020204" pitchFamily="34" charset="-122"/>
+                <a:ea typeface="Arial Unicode MS" panose="020B0604020202020204" pitchFamily="34" charset="-122"/>
+                <a:cs typeface="Arial Unicode MS" panose="020B0604020202020204" pitchFamily="34" charset="-122"/>
+              </a:rPr>
+              <a:t>Second attempt using profiler</a:t>
+            </a:r>
+            <a:endParaRPr lang="zh-CN" altLang="en-US" dirty="0">
+              <a:effectLst>
+                <a:outerShdw blurRad="38100" dist="38100" dir="2700000" algn="tl">
+                  <a:srgbClr val="000000">
+                    <a:alpha val="43137"/>
+                  </a:srgbClr>
+                </a:outerShdw>
+              </a:effectLst>
+              <a:latin typeface="Arial Unicode MS" panose="020B0604020202020204" pitchFamily="34" charset="-122"/>
+              <a:ea typeface="Arial Unicode MS" panose="020B0604020202020204" pitchFamily="34" charset="-122"/>
+              <a:cs typeface="Arial Unicode MS" panose="020B0604020202020204" pitchFamily="34" charset="-122"/>
+            </a:endParaRPr>
+          </a:p>
+        </p:txBody>
+      </p:sp>
+      <p:sp>
+        <p:nvSpPr>
+          <p:cNvPr id="3" name="内容占位符 2"/>
+          <p:cNvSpPr>
+            <a:spLocks noGrp="1"/>
+          </p:cNvSpPr>
           <p:nvPr>
             <p:ph idx="1"/>
-            <p:extLst>
-              <p:ext uri="{D42A27DB-BD31-4B8C-83A1-F6EECF244321}">
-                <p14:modId xmlns:p14="http://schemas.microsoft.com/office/powerpoint/2010/main" val="266160330"/>
-              </p:ext>
-            </p:extLst>
-          </p:nvPr>
-        </p:nvGraphicFramePr>
-        <p:xfrm>
-          <a:off x="1295400" y="1828800"/>
-          <a:ext cx="9601200" cy="4114800"/>
-        </p:xfrm>
-        <a:graphic>
-          <a:graphicData uri="http://schemas.openxmlformats.org/drawingml/2006/chart">
-            <c:chart xmlns:c="http://schemas.openxmlformats.org/drawingml/2006/chart" xmlns:r="http://schemas.openxmlformats.org/officeDocument/2006/relationships" r:id="rId3"/>
-          </a:graphicData>
-        </a:graphic>
-      </p:graphicFrame>
+          </p:nvPr>
+        </p:nvSpPr>
+        <p:spPr>
+          <a:xfrm>
+            <a:off x="1295400" y="1828799"/>
+            <a:ext cx="9601200" cy="4316627"/>
+          </a:xfrm>
+        </p:spPr>
+        <p:txBody>
+          <a:bodyPr rtlCol="0">
+            <a:normAutofit/>
+          </a:bodyPr>
+          <a:lstStyle/>
+          <a:p>
+            <a:r>
+              <a:rPr lang="en-US" altLang="zh-CN" dirty="0" smtClean="0"/>
+              <a:t>Progress</a:t>
+            </a:r>
+          </a:p>
+          <a:p>
+            <a:pPr lvl="1"/>
+            <a:r>
+              <a:rPr lang="en-US" altLang="zh-CN" dirty="0" smtClean="0"/>
+              <a:t>Profiling with </a:t>
+            </a:r>
+            <a:r>
+              <a:rPr lang="en-US" altLang="zh-CN" dirty="0" err="1" smtClean="0"/>
+              <a:t>Nvidia</a:t>
+            </a:r>
+            <a:r>
+              <a:rPr lang="en-US" altLang="zh-CN" dirty="0" smtClean="0"/>
+              <a:t> </a:t>
+            </a:r>
+            <a:r>
+              <a:rPr lang="en-US" altLang="zh-CN" dirty="0" err="1" smtClean="0"/>
+              <a:t>Nsight</a:t>
+            </a:r>
+            <a:r>
+              <a:rPr lang="en-US" altLang="zh-CN" dirty="0" smtClean="0"/>
+              <a:t>.</a:t>
+            </a:r>
+          </a:p>
+          <a:p>
+            <a:pPr lvl="1"/>
+            <a:r>
+              <a:rPr lang="en-US" altLang="zh-CN" dirty="0" smtClean="0"/>
+              <a:t> The slowest shader is to generate SSAO factor.</a:t>
+            </a:r>
+          </a:p>
+          <a:p>
+            <a:pPr lvl="2"/>
+            <a:r>
+              <a:rPr lang="en-US" altLang="zh-CN" dirty="0" smtClean="0"/>
+              <a:t>The </a:t>
+            </a:r>
+            <a:r>
+              <a:rPr lang="en-US" altLang="zh-CN" dirty="0"/>
+              <a:t>a</a:t>
+            </a:r>
+            <a:r>
+              <a:rPr lang="en-US" altLang="zh-CN" dirty="0" smtClean="0"/>
+              <a:t>lgorithm to randomly select sample points seems to be too complex.</a:t>
+            </a:r>
+          </a:p>
+          <a:p>
+            <a:pPr lvl="2"/>
+            <a:r>
+              <a:rPr lang="en-US" altLang="zh-CN" dirty="0" smtClean="0"/>
+              <a:t>The most expensive call seems to be trigonometry calculations inside a for loop for each pixel to select random points in the hemisphere of SSAO.</a:t>
+            </a:r>
+          </a:p>
+          <a:p>
+            <a:pPr lvl="2"/>
+            <a:r>
+              <a:rPr lang="en-US" altLang="zh-CN" dirty="0" smtClean="0"/>
+              <a:t>An easy fix is to reduce FBO size. A 512x512 FBO works fine.</a:t>
+            </a:r>
+          </a:p>
+          <a:p>
+            <a:pPr lvl="2"/>
+            <a:r>
+              <a:rPr lang="en-US" altLang="zh-CN" dirty="0"/>
+              <a:t>s</a:t>
+            </a:r>
+            <a:r>
+              <a:rPr lang="en-US" altLang="zh-CN" dirty="0" smtClean="0"/>
+              <a:t>piral algorithm to select points is costly, we could change that to pure random.</a:t>
+            </a:r>
+            <a:endParaRPr lang="en-US" altLang="zh-CN" dirty="0" smtClean="0"/>
+          </a:p>
+          <a:p>
+            <a:pPr lvl="1"/>
+            <a:endParaRPr lang="en-US" altLang="zh-CN" dirty="0"/>
+          </a:p>
+          <a:p>
+            <a:pPr lvl="1"/>
+            <a:endParaRPr lang="en-US" altLang="zh-CN" dirty="0"/>
+          </a:p>
+          <a:p>
+            <a:pPr lvl="1">
+              <a:buFont typeface="Wingdings" panose="05000000000000000000" pitchFamily="2" charset="2"/>
+              <a:buChar char="ü"/>
+            </a:pPr>
+            <a:endParaRPr lang="en-US" altLang="zh-CN" b="1" dirty="0" smtClean="0"/>
+          </a:p>
+          <a:p>
+            <a:endParaRPr lang="en-US" altLang="zh-CN" b="1" dirty="0" smtClean="0"/>
+          </a:p>
+        </p:txBody>
+      </p:sp>
     </p:spTree>
     <p:extLst>
       <p:ext uri="{BB962C8B-B14F-4D97-AF65-F5344CB8AC3E}">
-        <p14:creationId xmlns:p14="http://schemas.microsoft.com/office/powerpoint/2010/main" val="579920876"/>
+        <p14:creationId xmlns:p14="http://schemas.microsoft.com/office/powerpoint/2010/main" val="1404232260"/>
       </p:ext>
     </p:extLst>
   </p:cSld>
@@ -10847,6 +11609,96 @@
           <a:p>
             <a:pPr rtl="0"/>
             <a:r>
+              <a:rPr lang="zh-CN" dirty="0"/>
+              <a:t>标题和包含图表的内容布局</a:t>
+            </a:r>
+          </a:p>
+        </p:txBody>
+      </p:sp>
+      <p:graphicFrame>
+        <p:nvGraphicFramePr>
+          <p:cNvPr id="6" name="内容占位符 5" descr="簇状柱形图表示&#10;4 种类别的 3 系列组合图表"/>
+          <p:cNvGraphicFramePr>
+            <a:graphicFrameLocks noGrp="1"/>
+          </p:cNvGraphicFramePr>
+          <p:nvPr>
+            <p:ph idx="1"/>
+            <p:extLst>
+              <p:ext uri="{D42A27DB-BD31-4B8C-83A1-F6EECF244321}">
+                <p14:modId xmlns:p14="http://schemas.microsoft.com/office/powerpoint/2010/main" val="266160330"/>
+              </p:ext>
+            </p:extLst>
+          </p:nvPr>
+        </p:nvGraphicFramePr>
+        <p:xfrm>
+          <a:off x="1295400" y="1828800"/>
+          <a:ext cx="9601200" cy="4114800"/>
+        </p:xfrm>
+        <a:graphic>
+          <a:graphicData uri="http://schemas.openxmlformats.org/drawingml/2006/chart">
+            <c:chart xmlns:c="http://schemas.openxmlformats.org/drawingml/2006/chart" xmlns:r="http://schemas.openxmlformats.org/officeDocument/2006/relationships" r:id="rId3"/>
+          </a:graphicData>
+        </a:graphic>
+      </p:graphicFrame>
+    </p:spTree>
+    <p:extLst>
+      <p:ext uri="{BB962C8B-B14F-4D97-AF65-F5344CB8AC3E}">
+        <p14:creationId xmlns:p14="http://schemas.microsoft.com/office/powerpoint/2010/main" val="579920876"/>
+      </p:ext>
+    </p:extLst>
+  </p:cSld>
+  <p:clrMapOvr>
+    <a:masterClrMapping/>
+  </p:clrMapOvr>
+  <mc:AlternateContent xmlns:mc="http://schemas.openxmlformats.org/markup-compatibility/2006" xmlns:p14="http://schemas.microsoft.com/office/powerpoint/2010/main">
+    <mc:Choice Requires="p14">
+      <p:transition spd="med" p14:dur="700">
+        <p:fade/>
+      </p:transition>
+    </mc:Choice>
+    <mc:Fallback xmlns="">
+      <p:transition spd="med">
+        <p:fade/>
+      </p:transition>
+    </mc:Fallback>
+  </mc:AlternateContent>
+</p:sld>
+</file>
+
+<file path=ppt/slides/slide9.xml><?xml version="1.0" encoding="utf-8"?>
+<p:sld xmlns:a="http://schemas.openxmlformats.org/drawingml/2006/main" xmlns:r="http://schemas.openxmlformats.org/officeDocument/2006/relationships" xmlns:p="http://schemas.openxmlformats.org/presentationml/2006/main">
+  <p:cSld>
+    <p:spTree>
+      <p:nvGrpSpPr>
+        <p:cNvPr id="1" name=""/>
+        <p:cNvGrpSpPr/>
+        <p:nvPr/>
+      </p:nvGrpSpPr>
+      <p:grpSpPr>
+        <a:xfrm>
+          <a:off x="0" y="0"/>
+          <a:ext cx="0" cy="0"/>
+          <a:chOff x="0" y="0"/>
+          <a:chExt cx="0" cy="0"/>
+        </a:xfrm>
+      </p:grpSpPr>
+      <p:sp>
+        <p:nvSpPr>
+          <p:cNvPr id="2" name="标题 1"/>
+          <p:cNvSpPr>
+            <a:spLocks noGrp="1"/>
+          </p:cNvSpPr>
+          <p:nvPr>
+            <p:ph type="title"/>
+          </p:nvPr>
+        </p:nvSpPr>
+        <p:spPr/>
+        <p:txBody>
+          <a:bodyPr rtlCol="0"/>
+          <a:lstStyle/>
+          <a:p>
+            <a:pPr rtl="0"/>
+            <a:r>
               <a:rPr lang="zh-CN" altLang="en-US" dirty="0"/>
               <a:t>包含表格的两栏内容布局</a:t>
             </a:r>
@@ -10919,21 +11771,21 @@
                 <a:gridCol w="1574800">
                   <a:extLst>
                     <a:ext uri="{9D8B030D-6E8A-4147-A177-3AD203B41FA5}">
-                      <a16:colId xmlns:a16="http://schemas.microsoft.com/office/drawing/2014/main" xmlns="" val="20000"/>
+                      <a16:colId xmlns="" xmlns:a16="http://schemas.microsoft.com/office/drawing/2014/main" val="20000"/>
                     </a:ext>
                   </a:extLst>
                 </a:gridCol>
                 <a:gridCol w="1574800">
                   <a:extLst>
                     <a:ext uri="{9D8B030D-6E8A-4147-A177-3AD203B41FA5}">
-                      <a16:colId xmlns:a16="http://schemas.microsoft.com/office/drawing/2014/main" xmlns="" val="20001"/>
+                      <a16:colId xmlns="" xmlns:a16="http://schemas.microsoft.com/office/drawing/2014/main" val="20001"/>
                     </a:ext>
                   </a:extLst>
                 </a:gridCol>
                 <a:gridCol w="1574800">
                   <a:extLst>
                     <a:ext uri="{9D8B030D-6E8A-4147-A177-3AD203B41FA5}">
-                      <a16:colId xmlns:a16="http://schemas.microsoft.com/office/drawing/2014/main" xmlns="" val="20002"/>
+                      <a16:colId xmlns="" xmlns:a16="http://schemas.microsoft.com/office/drawing/2014/main" val="20002"/>
                     </a:ext>
                   </a:extLst>
                 </a:gridCol>
@@ -10992,7 +11844,7 @@
                 </a:tc>
                 <a:extLst>
                   <a:ext uri="{0D108BD9-81ED-4DB2-BD59-A6C34878D82A}">
-                    <a16:rowId xmlns:a16="http://schemas.microsoft.com/office/drawing/2014/main" xmlns="" val="10000"/>
+                    <a16:rowId xmlns="" xmlns:a16="http://schemas.microsoft.com/office/drawing/2014/main" val="10000"/>
                   </a:ext>
                 </a:extLst>
               </a:tr>
@@ -11050,7 +11902,7 @@
                 </a:tc>
                 <a:extLst>
                   <a:ext uri="{0D108BD9-81ED-4DB2-BD59-A6C34878D82A}">
-                    <a16:rowId xmlns:a16="http://schemas.microsoft.com/office/drawing/2014/main" xmlns="" val="10001"/>
+                    <a16:rowId xmlns="" xmlns:a16="http://schemas.microsoft.com/office/drawing/2014/main" val="10001"/>
                   </a:ext>
                 </a:extLst>
               </a:tr>
@@ -11108,7 +11960,7 @@
                 </a:tc>
                 <a:extLst>
                   <a:ext uri="{0D108BD9-81ED-4DB2-BD59-A6C34878D82A}">
-                    <a16:rowId xmlns:a16="http://schemas.microsoft.com/office/drawing/2014/main" xmlns="" val="10002"/>
+                    <a16:rowId xmlns="" xmlns:a16="http://schemas.microsoft.com/office/drawing/2014/main" val="10002"/>
                   </a:ext>
                 </a:extLst>
               </a:tr>
@@ -11166,7 +12018,7 @@
                 </a:tc>
                 <a:extLst>
                   <a:ext uri="{0D108BD9-81ED-4DB2-BD59-A6C34878D82A}">
-                    <a16:rowId xmlns:a16="http://schemas.microsoft.com/office/drawing/2014/main" xmlns="" val="10003"/>
+                    <a16:rowId xmlns="" xmlns:a16="http://schemas.microsoft.com/office/drawing/2014/main" val="10003"/>
                   </a:ext>
                 </a:extLst>
               </a:tr>
@@ -11178,141 +12030,6 @@
     <p:extLst>
       <p:ext uri="{BB962C8B-B14F-4D97-AF65-F5344CB8AC3E}">
         <p14:creationId xmlns:p14="http://schemas.microsoft.com/office/powerpoint/2010/main" val="1181435729"/>
-      </p:ext>
-    </p:extLst>
-  </p:cSld>
-  <p:clrMapOvr>
-    <a:masterClrMapping/>
-  </p:clrMapOvr>
-  <mc:AlternateContent xmlns:mc="http://schemas.openxmlformats.org/markup-compatibility/2006" xmlns:p14="http://schemas.microsoft.com/office/powerpoint/2010/main">
-    <mc:Choice Requires="p14">
-      <p:transition spd="med" p14:dur="700">
-        <p:fade/>
-      </p:transition>
-    </mc:Choice>
-    <mc:Fallback xmlns="">
-      <p:transition spd="med">
-        <p:fade/>
-      </p:transition>
-    </mc:Fallback>
-  </mc:AlternateContent>
-</p:sld>
-</file>
-
-<file path=ppt/slides/slide9.xml><?xml version="1.0" encoding="utf-8"?>
-<p:sld xmlns:a="http://schemas.openxmlformats.org/drawingml/2006/main" xmlns:r="http://schemas.openxmlformats.org/officeDocument/2006/relationships" xmlns:p="http://schemas.openxmlformats.org/presentationml/2006/main">
-  <p:cSld>
-    <p:spTree>
-      <p:nvGrpSpPr>
-        <p:cNvPr id="1" name=""/>
-        <p:cNvGrpSpPr/>
-        <p:nvPr/>
-      </p:nvGrpSpPr>
-      <p:grpSpPr>
-        <a:xfrm>
-          <a:off x="0" y="0"/>
-          <a:ext cx="0" cy="0"/>
-          <a:chOff x="0" y="0"/>
-          <a:chExt cx="0" cy="0"/>
-        </a:xfrm>
-      </p:grpSpPr>
-      <p:sp>
-        <p:nvSpPr>
-          <p:cNvPr id="2" name="标题 1"/>
-          <p:cNvSpPr>
-            <a:spLocks noGrp="1"/>
-          </p:cNvSpPr>
-          <p:nvPr>
-            <p:ph type="title"/>
-          </p:nvPr>
-        </p:nvSpPr>
-        <p:spPr/>
-        <p:txBody>
-          <a:bodyPr rtlCol="0"/>
-          <a:lstStyle/>
-          <a:p>
-            <a:pPr rtl="0"/>
-            <a:r>
-              <a:rPr lang="zh-CN" altLang="en-US" dirty="0"/>
-              <a:t>包含 </a:t>
-            </a:r>
-            <a:r>
-              <a:rPr lang="en-US" altLang="zh-CN" dirty="0"/>
-              <a:t>SmartArt </a:t>
-            </a:r>
-            <a:r>
-              <a:rPr lang="zh-CN" altLang="en-US" dirty="0"/>
-              <a:t>的两栏内容布局</a:t>
-            </a:r>
-          </a:p>
-        </p:txBody>
-      </p:sp>
-      <p:sp>
-        <p:nvSpPr>
-          <p:cNvPr id="3" name="内容占位符 2"/>
-          <p:cNvSpPr>
-            <a:spLocks noGrp="1"/>
-          </p:cNvSpPr>
-          <p:nvPr>
-            <p:ph sz="half" idx="1"/>
-          </p:nvPr>
-        </p:nvSpPr>
-        <p:spPr/>
-        <p:txBody>
-          <a:bodyPr rtlCol="0"/>
-          <a:lstStyle/>
-          <a:p>
-            <a:pPr rtl="0"/>
-            <a:r>
-              <a:rPr lang="zh-CN" altLang="en-US" dirty="0"/>
-              <a:t>此处是第一个项目要点</a:t>
-            </a:r>
-          </a:p>
-          <a:p>
-            <a:pPr rtl="0"/>
-            <a:r>
-              <a:rPr lang="zh-CN" altLang="en-US" dirty="0"/>
-              <a:t>此处是第二个项目要点</a:t>
-            </a:r>
-          </a:p>
-          <a:p>
-            <a:pPr rtl="0"/>
-            <a:r>
-              <a:rPr lang="zh-CN" altLang="en-US" dirty="0"/>
-              <a:t>此处是第三个项目要点</a:t>
-            </a:r>
-          </a:p>
-        </p:txBody>
-      </p:sp>
-      <p:graphicFrame>
-        <p:nvGraphicFramePr>
-          <p:cNvPr id="5" name="内容占位符 4" descr="分段棱锥显示&#10;4 个组之间相互关联的关系。组 A、组 2、组 3 和组 4 文字将显示在三角形中"/>
-          <p:cNvGraphicFramePr>
-            <a:graphicFrameLocks noGrp="1"/>
-          </p:cNvGraphicFramePr>
-          <p:nvPr>
-            <p:ph sz="half" idx="2"/>
-            <p:extLst>
-              <p:ext uri="{D42A27DB-BD31-4B8C-83A1-F6EECF244321}">
-                <p14:modId xmlns:p14="http://schemas.microsoft.com/office/powerpoint/2010/main" val="1598013441"/>
-              </p:ext>
-            </p:extLst>
-          </p:nvPr>
-        </p:nvGraphicFramePr>
-        <p:xfrm>
-          <a:off x="6172200" y="1825625"/>
-          <a:ext cx="4724400" cy="4117975"/>
-        </p:xfrm>
-        <a:graphic>
-          <a:graphicData uri="http://schemas.openxmlformats.org/drawingml/2006/diagram">
-            <dgm:relIds xmlns:dgm="http://schemas.openxmlformats.org/drawingml/2006/diagram" xmlns:r="http://schemas.openxmlformats.org/officeDocument/2006/relationships" r:dm="rId3" r:lo="rId4" r:qs="rId5" r:cs="rId6"/>
-          </a:graphicData>
-        </a:graphic>
-      </p:graphicFrame>
-    </p:spTree>
-    <p:extLst>
-      <p:ext uri="{BB962C8B-B14F-4D97-AF65-F5344CB8AC3E}">
-        <p14:creationId xmlns:p14="http://schemas.microsoft.com/office/powerpoint/2010/main" val="2557302982"/>
       </p:ext>
     </p:extLst>
   </p:cSld>

--- a/DiamondGraphicsEngine/OptimizationReport.pptx
+++ b/DiamondGraphicsEngine/OptimizationReport.pptx
@@ -5,10 +5,10 @@
     <p:sldMasterId id="2147483648" r:id="rId1"/>
   </p:sldMasterIdLst>
   <p:notesMasterIdLst>
-    <p:notesMasterId r:id="rId18"/>
+    <p:notesMasterId r:id="rId9"/>
   </p:notesMasterIdLst>
   <p:handoutMasterIdLst>
-    <p:handoutMasterId r:id="rId19"/>
+    <p:handoutMasterId r:id="rId10"/>
   </p:handoutMasterIdLst>
   <p:sldIdLst>
     <p:sldId id="277" r:id="rId2"/>
@@ -18,15 +18,6 @@
     <p:sldId id="279" r:id="rId6"/>
     <p:sldId id="282" r:id="rId7"/>
     <p:sldId id="283" r:id="rId8"/>
-    <p:sldId id="268" r:id="rId9"/>
-    <p:sldId id="270" r:id="rId10"/>
-    <p:sldId id="269" r:id="rId11"/>
-    <p:sldId id="271" r:id="rId12"/>
-    <p:sldId id="272" r:id="rId13"/>
-    <p:sldId id="273" r:id="rId14"/>
-    <p:sldId id="274" r:id="rId15"/>
-    <p:sldId id="275" r:id="rId16"/>
-    <p:sldId id="276" r:id="rId17"/>
   </p:sldIdLst>
   <p:sldSz cx="12192000" cy="6858000"/>
   <p:notesSz cx="6858000" cy="9144000"/>
@@ -145,3918 +136,6 @@
     </p:ext>
   </p:extLst>
 </p:presentation>
-</file>
-
-<file path=ppt/charts/chart1.xml><?xml version="1.0" encoding="utf-8"?>
-<c:chartSpace xmlns:c="http://schemas.openxmlformats.org/drawingml/2006/chart" xmlns:a="http://schemas.openxmlformats.org/drawingml/2006/main" xmlns:r="http://schemas.openxmlformats.org/officeDocument/2006/relationships">
-  <c:date1904 val="0"/>
-  <c:lang val="zh-CN"/>
-  <c:roundedCorners val="0"/>
-  <mc:AlternateContent xmlns:mc="http://schemas.openxmlformats.org/markup-compatibility/2006">
-    <mc:Choice xmlns:c14="http://schemas.microsoft.com/office/drawing/2007/8/2/chart" Requires="c14">
-      <c14:style val="102"/>
-    </mc:Choice>
-    <mc:Fallback>
-      <c:style val="2"/>
-    </mc:Fallback>
-  </mc:AlternateContent>
-  <c:chart>
-    <c:autoTitleDeleted val="1"/>
-    <c:plotArea>
-      <c:layout/>
-      <c:barChart>
-        <c:barDir val="col"/>
-        <c:grouping val="clustered"/>
-        <c:varyColors val="0"/>
-        <c:ser>
-          <c:idx val="0"/>
-          <c:order val="0"/>
-          <c:tx>
-            <c:strRef>
-              <c:f>Sheet1!$B$1</c:f>
-              <c:strCache>
-                <c:ptCount val="1"/>
-                <c:pt idx="0">
-                  <c:v>系列 1</c:v>
-                </c:pt>
-              </c:strCache>
-            </c:strRef>
-          </c:tx>
-          <c:spPr>
-            <a:gradFill rotWithShape="1">
-              <a:gsLst>
-                <a:gs pos="0">
-                  <a:schemeClr val="accent1">
-                    <a:satMod val="103000"/>
-                    <a:lumMod val="102000"/>
-                    <a:tint val="94000"/>
-                  </a:schemeClr>
-                </a:gs>
-                <a:gs pos="50000">
-                  <a:schemeClr val="accent1">
-                    <a:satMod val="110000"/>
-                    <a:lumMod val="100000"/>
-                    <a:shade val="100000"/>
-                  </a:schemeClr>
-                </a:gs>
-                <a:gs pos="100000">
-                  <a:schemeClr val="accent1">
-                    <a:lumMod val="99000"/>
-                    <a:satMod val="120000"/>
-                    <a:shade val="78000"/>
-                  </a:schemeClr>
-                </a:gs>
-              </a:gsLst>
-              <a:lin ang="5400000" scaled="0"/>
-            </a:gradFill>
-            <a:ln>
-              <a:noFill/>
-            </a:ln>
-            <a:effectLst/>
-          </c:spPr>
-          <c:invertIfNegative val="0"/>
-          <c:cat>
-            <c:strRef>
-              <c:f>Sheet1!$A$2:$A$5</c:f>
-              <c:strCache>
-                <c:ptCount val="4"/>
-                <c:pt idx="0">
-                  <c:v>类别 1</c:v>
-                </c:pt>
-                <c:pt idx="1">
-                  <c:v>类别 2</c:v>
-                </c:pt>
-                <c:pt idx="2">
-                  <c:v>类别 3</c:v>
-                </c:pt>
-                <c:pt idx="3">
-                  <c:v>类别 4</c:v>
-                </c:pt>
-              </c:strCache>
-            </c:strRef>
-          </c:cat>
-          <c:val>
-            <c:numRef>
-              <c:f>Sheet1!$B$2:$B$5</c:f>
-              <c:numCache>
-                <c:formatCode>General</c:formatCode>
-                <c:ptCount val="4"/>
-                <c:pt idx="0">
-                  <c:v>4.3</c:v>
-                </c:pt>
-                <c:pt idx="1">
-                  <c:v>2.5</c:v>
-                </c:pt>
-                <c:pt idx="2">
-                  <c:v>3.5</c:v>
-                </c:pt>
-                <c:pt idx="3">
-                  <c:v>4.5</c:v>
-                </c:pt>
-              </c:numCache>
-            </c:numRef>
-          </c:val>
-          <c:extLst xmlns:c16r2="http://schemas.microsoft.com/office/drawing/2015/06/chart">
-            <c:ext xmlns:c16="http://schemas.microsoft.com/office/drawing/2014/chart" uri="{C3380CC4-5D6E-409C-BE32-E72D297353CC}">
-              <c16:uniqueId val="{00000000-9171-4F72-A810-E9973E1828A7}"/>
-            </c:ext>
-          </c:extLst>
-        </c:ser>
-        <c:ser>
-          <c:idx val="1"/>
-          <c:order val="1"/>
-          <c:tx>
-            <c:strRef>
-              <c:f>Sheet1!$C$1</c:f>
-              <c:strCache>
-                <c:ptCount val="1"/>
-                <c:pt idx="0">
-                  <c:v>系列 2</c:v>
-                </c:pt>
-              </c:strCache>
-            </c:strRef>
-          </c:tx>
-          <c:spPr>
-            <a:gradFill rotWithShape="1">
-              <a:gsLst>
-                <a:gs pos="0">
-                  <a:schemeClr val="accent2">
-                    <a:satMod val="103000"/>
-                    <a:lumMod val="102000"/>
-                    <a:tint val="94000"/>
-                  </a:schemeClr>
-                </a:gs>
-                <a:gs pos="50000">
-                  <a:schemeClr val="accent2">
-                    <a:satMod val="110000"/>
-                    <a:lumMod val="100000"/>
-                    <a:shade val="100000"/>
-                  </a:schemeClr>
-                </a:gs>
-                <a:gs pos="100000">
-                  <a:schemeClr val="accent2">
-                    <a:lumMod val="99000"/>
-                    <a:satMod val="120000"/>
-                    <a:shade val="78000"/>
-                  </a:schemeClr>
-                </a:gs>
-              </a:gsLst>
-              <a:lin ang="5400000" scaled="0"/>
-            </a:gradFill>
-            <a:ln>
-              <a:noFill/>
-            </a:ln>
-            <a:effectLst/>
-          </c:spPr>
-          <c:invertIfNegative val="0"/>
-          <c:cat>
-            <c:strRef>
-              <c:f>Sheet1!$A$2:$A$5</c:f>
-              <c:strCache>
-                <c:ptCount val="4"/>
-                <c:pt idx="0">
-                  <c:v>类别 1</c:v>
-                </c:pt>
-                <c:pt idx="1">
-                  <c:v>类别 2</c:v>
-                </c:pt>
-                <c:pt idx="2">
-                  <c:v>类别 3</c:v>
-                </c:pt>
-                <c:pt idx="3">
-                  <c:v>类别 4</c:v>
-                </c:pt>
-              </c:strCache>
-            </c:strRef>
-          </c:cat>
-          <c:val>
-            <c:numRef>
-              <c:f>Sheet1!$C$2:$C$5</c:f>
-              <c:numCache>
-                <c:formatCode>General</c:formatCode>
-                <c:ptCount val="4"/>
-                <c:pt idx="0">
-                  <c:v>2.4</c:v>
-                </c:pt>
-                <c:pt idx="1">
-                  <c:v>4.4000000000000004</c:v>
-                </c:pt>
-                <c:pt idx="2">
-                  <c:v>1.8</c:v>
-                </c:pt>
-                <c:pt idx="3">
-                  <c:v>2.8</c:v>
-                </c:pt>
-              </c:numCache>
-            </c:numRef>
-          </c:val>
-          <c:extLst xmlns:c16r2="http://schemas.microsoft.com/office/drawing/2015/06/chart">
-            <c:ext xmlns:c16="http://schemas.microsoft.com/office/drawing/2014/chart" uri="{C3380CC4-5D6E-409C-BE32-E72D297353CC}">
-              <c16:uniqueId val="{00000001-9171-4F72-A810-E9973E1828A7}"/>
-            </c:ext>
-          </c:extLst>
-        </c:ser>
-        <c:ser>
-          <c:idx val="2"/>
-          <c:order val="2"/>
-          <c:tx>
-            <c:strRef>
-              <c:f>Sheet1!$D$1</c:f>
-              <c:strCache>
-                <c:ptCount val="1"/>
-                <c:pt idx="0">
-                  <c:v>系列 3</c:v>
-                </c:pt>
-              </c:strCache>
-            </c:strRef>
-          </c:tx>
-          <c:spPr>
-            <a:gradFill rotWithShape="1">
-              <a:gsLst>
-                <a:gs pos="0">
-                  <a:schemeClr val="accent3">
-                    <a:satMod val="103000"/>
-                    <a:lumMod val="102000"/>
-                    <a:tint val="94000"/>
-                  </a:schemeClr>
-                </a:gs>
-                <a:gs pos="50000">
-                  <a:schemeClr val="accent3">
-                    <a:satMod val="110000"/>
-                    <a:lumMod val="100000"/>
-                    <a:shade val="100000"/>
-                  </a:schemeClr>
-                </a:gs>
-                <a:gs pos="100000">
-                  <a:schemeClr val="accent3">
-                    <a:lumMod val="99000"/>
-                    <a:satMod val="120000"/>
-                    <a:shade val="78000"/>
-                  </a:schemeClr>
-                </a:gs>
-              </a:gsLst>
-              <a:lin ang="5400000" scaled="0"/>
-            </a:gradFill>
-            <a:ln>
-              <a:noFill/>
-            </a:ln>
-            <a:effectLst/>
-          </c:spPr>
-          <c:invertIfNegative val="0"/>
-          <c:cat>
-            <c:strRef>
-              <c:f>Sheet1!$A$2:$A$5</c:f>
-              <c:strCache>
-                <c:ptCount val="4"/>
-                <c:pt idx="0">
-                  <c:v>类别 1</c:v>
-                </c:pt>
-                <c:pt idx="1">
-                  <c:v>类别 2</c:v>
-                </c:pt>
-                <c:pt idx="2">
-                  <c:v>类别 3</c:v>
-                </c:pt>
-                <c:pt idx="3">
-                  <c:v>类别 4</c:v>
-                </c:pt>
-              </c:strCache>
-            </c:strRef>
-          </c:cat>
-          <c:val>
-            <c:numRef>
-              <c:f>Sheet1!$D$2:$D$5</c:f>
-              <c:numCache>
-                <c:formatCode>General</c:formatCode>
-                <c:ptCount val="4"/>
-                <c:pt idx="0">
-                  <c:v>2</c:v>
-                </c:pt>
-                <c:pt idx="1">
-                  <c:v>2</c:v>
-                </c:pt>
-                <c:pt idx="2">
-                  <c:v>3</c:v>
-                </c:pt>
-                <c:pt idx="3">
-                  <c:v>5</c:v>
-                </c:pt>
-              </c:numCache>
-            </c:numRef>
-          </c:val>
-          <c:extLst xmlns:c16r2="http://schemas.microsoft.com/office/drawing/2015/06/chart">
-            <c:ext xmlns:c16="http://schemas.microsoft.com/office/drawing/2014/chart" uri="{C3380CC4-5D6E-409C-BE32-E72D297353CC}">
-              <c16:uniqueId val="{00000002-9171-4F72-A810-E9973E1828A7}"/>
-            </c:ext>
-          </c:extLst>
-        </c:ser>
-        <c:dLbls>
-          <c:showLegendKey val="0"/>
-          <c:showVal val="0"/>
-          <c:showCatName val="0"/>
-          <c:showSerName val="0"/>
-          <c:showPercent val="0"/>
-          <c:showBubbleSize val="0"/>
-        </c:dLbls>
-        <c:gapWidth val="100"/>
-        <c:overlap val="-24"/>
-        <c:axId val="-1561396672"/>
-        <c:axId val="-1561390688"/>
-      </c:barChart>
-      <c:catAx>
-        <c:axId val="-1561396672"/>
-        <c:scaling>
-          <c:orientation val="minMax"/>
-        </c:scaling>
-        <c:delete val="0"/>
-        <c:axPos val="b"/>
-        <c:numFmt formatCode="General" sourceLinked="1"/>
-        <c:majorTickMark val="none"/>
-        <c:minorTickMark val="none"/>
-        <c:tickLblPos val="nextTo"/>
-        <c:spPr>
-          <a:noFill/>
-          <a:ln w="9525" cap="flat" cmpd="sng" algn="ctr">
-            <a:solidFill>
-              <a:schemeClr val="tx2">
-                <a:lumMod val="15000"/>
-                <a:lumOff val="85000"/>
-              </a:schemeClr>
-            </a:solidFill>
-            <a:round/>
-          </a:ln>
-          <a:effectLst/>
-        </c:spPr>
-        <c:txPr>
-          <a:bodyPr rot="-60000000" spcFirstLastPara="1" vertOverflow="ellipsis" vert="horz" wrap="square" anchor="ctr" anchorCtr="1"/>
-          <a:lstStyle/>
-          <a:p>
-            <a:pPr>
-              <a:defRPr sz="1197" b="0" i="0" u="none" strike="noStrike" kern="1200" baseline="0">
-                <a:solidFill>
-                  <a:schemeClr val="tx2"/>
-                </a:solidFill>
-                <a:latin typeface="宋体" panose="02010600030101010101" pitchFamily="2" charset="-122"/>
-                <a:ea typeface="宋体" panose="02010600030101010101" pitchFamily="2" charset="-122"/>
-                <a:cs typeface="+mn-cs"/>
-              </a:defRPr>
-            </a:pPr>
-            <a:endParaRPr lang="zh-CN"/>
-          </a:p>
-        </c:txPr>
-        <c:crossAx val="-1561390688"/>
-        <c:crosses val="autoZero"/>
-        <c:auto val="1"/>
-        <c:lblAlgn val="ctr"/>
-        <c:lblOffset val="100"/>
-        <c:noMultiLvlLbl val="0"/>
-      </c:catAx>
-      <c:valAx>
-        <c:axId val="-1561390688"/>
-        <c:scaling>
-          <c:orientation val="minMax"/>
-        </c:scaling>
-        <c:delete val="0"/>
-        <c:axPos val="l"/>
-        <c:majorGridlines>
-          <c:spPr>
-            <a:ln w="9525" cap="flat" cmpd="sng" algn="ctr">
-              <a:solidFill>
-                <a:schemeClr val="tx2">
-                  <a:lumMod val="15000"/>
-                  <a:lumOff val="85000"/>
-                </a:schemeClr>
-              </a:solidFill>
-              <a:round/>
-            </a:ln>
-            <a:effectLst/>
-          </c:spPr>
-        </c:majorGridlines>
-        <c:numFmt formatCode="General" sourceLinked="1"/>
-        <c:majorTickMark val="none"/>
-        <c:minorTickMark val="none"/>
-        <c:tickLblPos val="nextTo"/>
-        <c:spPr>
-          <a:noFill/>
-          <a:ln>
-            <a:noFill/>
-          </a:ln>
-          <a:effectLst/>
-        </c:spPr>
-        <c:txPr>
-          <a:bodyPr rot="-60000000" spcFirstLastPara="1" vertOverflow="ellipsis" vert="horz" wrap="square" anchor="ctr" anchorCtr="1"/>
-          <a:lstStyle/>
-          <a:p>
-            <a:pPr>
-              <a:defRPr sz="1197" b="0" i="0" u="none" strike="noStrike" kern="1200" baseline="0">
-                <a:solidFill>
-                  <a:schemeClr val="tx2"/>
-                </a:solidFill>
-                <a:latin typeface="宋体" panose="02010600030101010101" pitchFamily="2" charset="-122"/>
-                <a:ea typeface="宋体" panose="02010600030101010101" pitchFamily="2" charset="-122"/>
-                <a:cs typeface="+mn-cs"/>
-              </a:defRPr>
-            </a:pPr>
-            <a:endParaRPr lang="zh-CN"/>
-          </a:p>
-        </c:txPr>
-        <c:crossAx val="-1561396672"/>
-        <c:crosses val="autoZero"/>
-        <c:crossBetween val="between"/>
-      </c:valAx>
-      <c:spPr>
-        <a:noFill/>
-        <a:ln>
-          <a:noFill/>
-        </a:ln>
-        <a:effectLst/>
-      </c:spPr>
-    </c:plotArea>
-    <c:legend>
-      <c:legendPos val="b"/>
-      <c:layout/>
-      <c:overlay val="0"/>
-      <c:spPr>
-        <a:noFill/>
-        <a:ln>
-          <a:noFill/>
-        </a:ln>
-        <a:effectLst/>
-      </c:spPr>
-      <c:txPr>
-        <a:bodyPr rot="0" spcFirstLastPara="1" vertOverflow="ellipsis" vert="horz" wrap="square" anchor="ctr" anchorCtr="1"/>
-        <a:lstStyle/>
-        <a:p>
-          <a:pPr>
-            <a:defRPr sz="1197" b="0" i="0" u="none" strike="noStrike" kern="1200" baseline="0">
-              <a:solidFill>
-                <a:schemeClr val="tx2"/>
-              </a:solidFill>
-              <a:latin typeface="宋体" panose="02010600030101010101" pitchFamily="2" charset="-122"/>
-              <a:ea typeface="宋体" panose="02010600030101010101" pitchFamily="2" charset="-122"/>
-              <a:cs typeface="+mn-cs"/>
-            </a:defRPr>
-          </a:pPr>
-          <a:endParaRPr lang="zh-CN"/>
-        </a:p>
-      </c:txPr>
-    </c:legend>
-    <c:plotVisOnly val="1"/>
-    <c:dispBlanksAs val="gap"/>
-    <c:showDLblsOverMax val="0"/>
-  </c:chart>
-  <c:spPr>
-    <a:noFill/>
-    <a:ln>
-      <a:noFill/>
-    </a:ln>
-    <a:effectLst/>
-  </c:spPr>
-  <c:txPr>
-    <a:bodyPr/>
-    <a:lstStyle/>
-    <a:p>
-      <a:pPr>
-        <a:defRPr/>
-      </a:pPr>
-      <a:endParaRPr lang="zh-CN"/>
-    </a:p>
-  </c:txPr>
-  <c:externalData r:id="rId3">
-    <c:autoUpdate val="0"/>
-  </c:externalData>
-</c:chartSpace>
-</file>
-
-<file path=ppt/charts/colors1.xml><?xml version="1.0" encoding="utf-8"?>
-<cs:colorStyle xmlns:cs="http://schemas.microsoft.com/office/drawing/2012/chartStyle" xmlns:a="http://schemas.openxmlformats.org/drawingml/2006/main" meth="cycle" id="10">
-  <a:schemeClr val="accent1"/>
-  <a:schemeClr val="accent2"/>
-  <a:schemeClr val="accent3"/>
-  <a:schemeClr val="accent4"/>
-  <a:schemeClr val="accent5"/>
-  <a:schemeClr val="accent6"/>
-  <cs:variation/>
-  <cs:variation>
-    <a:lumMod val="60000"/>
-  </cs:variation>
-  <cs:variation>
-    <a:lumMod val="80000"/>
-    <a:lumOff val="20000"/>
-  </cs:variation>
-  <cs:variation>
-    <a:lumMod val="80000"/>
-  </cs:variation>
-  <cs:variation>
-    <a:lumMod val="60000"/>
-    <a:lumOff val="40000"/>
-  </cs:variation>
-  <cs:variation>
-    <a:lumMod val="50000"/>
-  </cs:variation>
-  <cs:variation>
-    <a:lumMod val="70000"/>
-    <a:lumOff val="30000"/>
-  </cs:variation>
-  <cs:variation>
-    <a:lumMod val="70000"/>
-  </cs:variation>
-  <cs:variation>
-    <a:lumMod val="50000"/>
-    <a:lumOff val="50000"/>
-  </cs:variation>
-</cs:colorStyle>
-</file>
-
-<file path=ppt/charts/style1.xml><?xml version="1.0" encoding="utf-8"?>
-<cs:chartStyle xmlns:cs="http://schemas.microsoft.com/office/drawing/2012/chartStyle" xmlns:a="http://schemas.openxmlformats.org/drawingml/2006/main" id="207">
-  <cs:axisTitle>
-    <cs:lnRef idx="0"/>
-    <cs:fillRef idx="0"/>
-    <cs:effectRef idx="0"/>
-    <cs:fontRef idx="minor">
-      <a:schemeClr val="tx2"/>
-    </cs:fontRef>
-    <cs:defRPr sz="1197" b="1" kern="1200"/>
-  </cs:axisTitle>
-  <cs:categoryAxis>
-    <cs:lnRef idx="0"/>
-    <cs:fillRef idx="0"/>
-    <cs:effectRef idx="0"/>
-    <cs:fontRef idx="minor">
-      <a:schemeClr val="tx2"/>
-    </cs:fontRef>
-    <cs:spPr>
-      <a:ln w="9525" cap="flat" cmpd="sng" algn="ctr">
-        <a:solidFill>
-          <a:schemeClr val="tx2">
-            <a:lumMod val="15000"/>
-            <a:lumOff val="85000"/>
-          </a:schemeClr>
-        </a:solidFill>
-        <a:round/>
-      </a:ln>
-    </cs:spPr>
-    <cs:defRPr sz="1197" kern="1200"/>
-  </cs:categoryAxis>
-  <cs:chartArea mods="allowNoFillOverride allowNoLineOverride">
-    <cs:lnRef idx="0"/>
-    <cs:fillRef idx="0"/>
-    <cs:effectRef idx="0"/>
-    <cs:fontRef idx="minor">
-      <a:schemeClr val="tx2"/>
-    </cs:fontRef>
-    <cs:spPr>
-      <a:solidFill>
-        <a:schemeClr val="bg1"/>
-      </a:solidFill>
-      <a:ln w="9525" cap="flat" cmpd="sng" algn="ctr">
-        <a:solidFill>
-          <a:schemeClr val="tx2">
-            <a:lumMod val="15000"/>
-            <a:lumOff val="85000"/>
-          </a:schemeClr>
-        </a:solidFill>
-        <a:round/>
-      </a:ln>
-    </cs:spPr>
-    <cs:defRPr sz="1197" kern="1200"/>
-  </cs:chartArea>
-  <cs:dataLabel>
-    <cs:lnRef idx="0"/>
-    <cs:fillRef idx="0"/>
-    <cs:effectRef idx="0"/>
-    <cs:fontRef idx="minor">
-      <a:schemeClr val="tx2"/>
-    </cs:fontRef>
-    <cs:defRPr sz="1197" kern="1200"/>
-  </cs:dataLabel>
-  <cs:dataLabelCallout>
-    <cs:lnRef idx="0"/>
-    <cs:fillRef idx="0"/>
-    <cs:effectRef idx="0"/>
-    <cs:fontRef idx="minor">
-      <a:schemeClr val="dk2">
-        <a:lumMod val="75000"/>
-      </a:schemeClr>
-    </cs:fontRef>
-    <cs:spPr>
-      <a:solidFill>
-        <a:schemeClr val="lt1"/>
-      </a:solidFill>
-      <a:ln>
-        <a:solidFill>
-          <a:schemeClr val="dk1">
-            <a:lumMod val="25000"/>
-            <a:lumOff val="75000"/>
-          </a:schemeClr>
-        </a:solidFill>
-      </a:ln>
-    </cs:spPr>
-    <cs:defRPr sz="1197" kern="1200"/>
-    <cs:bodyPr rot="0" spcFirstLastPara="1" vertOverflow="clip" horzOverflow="clip" vert="horz" wrap="square" lIns="36576" tIns="18288" rIns="36576" bIns="18288" anchor="ctr" anchorCtr="1">
-      <a:spAutoFit/>
-    </cs:bodyPr>
-  </cs:dataLabelCallout>
-  <cs:dataPoint>
-    <cs:lnRef idx="0"/>
-    <cs:fillRef idx="3">
-      <cs:styleClr val="auto"/>
-    </cs:fillRef>
-    <cs:effectRef idx="2"/>
-    <cs:fontRef idx="minor">
-      <a:schemeClr val="tx2"/>
-    </cs:fontRef>
-  </cs:dataPoint>
-  <cs:dataPoint3D>
-    <cs:lnRef idx="0"/>
-    <cs:fillRef idx="3">
-      <cs:styleClr val="auto"/>
-    </cs:fillRef>
-    <cs:effectRef idx="2"/>
-    <cs:fontRef idx="minor">
-      <a:schemeClr val="tx2"/>
-    </cs:fontRef>
-  </cs:dataPoint3D>
-  <cs:dataPointLine>
-    <cs:lnRef idx="0">
-      <cs:styleClr val="auto"/>
-    </cs:lnRef>
-    <cs:fillRef idx="3"/>
-    <cs:effectRef idx="2"/>
-    <cs:fontRef idx="minor">
-      <a:schemeClr val="tx2"/>
-    </cs:fontRef>
-    <cs:spPr>
-      <a:ln w="31750" cap="rnd">
-        <a:solidFill>
-          <a:schemeClr val="phClr"/>
-        </a:solidFill>
-        <a:round/>
-      </a:ln>
-    </cs:spPr>
-  </cs:dataPointLine>
-  <cs:dataPointMarker>
-    <cs:lnRef idx="0"/>
-    <cs:fillRef idx="3">
-      <cs:styleClr val="auto"/>
-    </cs:fillRef>
-    <cs:effectRef idx="2"/>
-    <cs:fontRef idx="minor">
-      <a:schemeClr val="tx2"/>
-    </cs:fontRef>
-    <cs:spPr>
-      <a:ln w="12700">
-        <a:solidFill>
-          <a:schemeClr val="lt2"/>
-        </a:solidFill>
-        <a:round/>
-      </a:ln>
-    </cs:spPr>
-  </cs:dataPointMarker>
-  <cs:dataPointMarkerLayout symbol="circle" size="6"/>
-  <cs:dataPointWireframe>
-    <cs:lnRef idx="0">
-      <cs:styleClr val="auto"/>
-    </cs:lnRef>
-    <cs:fillRef idx="3"/>
-    <cs:effectRef idx="2"/>
-    <cs:fontRef idx="minor">
-      <a:schemeClr val="tx2"/>
-    </cs:fontRef>
-    <cs:spPr>
-      <a:ln w="9525" cap="rnd">
-        <a:solidFill>
-          <a:schemeClr val="phClr"/>
-        </a:solidFill>
-        <a:round/>
-      </a:ln>
-    </cs:spPr>
-  </cs:dataPointWireframe>
-  <cs:dataTable>
-    <cs:lnRef idx="0"/>
-    <cs:fillRef idx="0"/>
-    <cs:effectRef idx="0"/>
-    <cs:fontRef idx="minor">
-      <a:schemeClr val="tx2"/>
-    </cs:fontRef>
-    <cs:spPr>
-      <a:ln w="9525">
-        <a:solidFill>
-          <a:schemeClr val="tx2">
-            <a:lumMod val="15000"/>
-            <a:lumOff val="85000"/>
-          </a:schemeClr>
-        </a:solidFill>
-      </a:ln>
-    </cs:spPr>
-    <cs:defRPr sz="1197" kern="1200"/>
-  </cs:dataTable>
-  <cs:downBar>
-    <cs:lnRef idx="0"/>
-    <cs:fillRef idx="0"/>
-    <cs:effectRef idx="0"/>
-    <cs:fontRef idx="minor">
-      <a:schemeClr val="dk1"/>
-    </cs:fontRef>
-    <cs:spPr>
-      <a:solidFill>
-        <a:schemeClr val="dk1">
-          <a:lumMod val="65000"/>
-          <a:lumOff val="35000"/>
-        </a:schemeClr>
-      </a:solidFill>
-      <a:ln w="9525">
-        <a:solidFill>
-          <a:schemeClr val="tx1">
-            <a:lumMod val="65000"/>
-            <a:lumOff val="35000"/>
-          </a:schemeClr>
-        </a:solidFill>
-      </a:ln>
-    </cs:spPr>
-  </cs:downBar>
-  <cs:dropLine>
-    <cs:lnRef idx="0"/>
-    <cs:fillRef idx="0"/>
-    <cs:effectRef idx="0"/>
-    <cs:fontRef idx="minor">
-      <a:schemeClr val="tx2"/>
-    </cs:fontRef>
-    <cs:spPr>
-      <a:ln w="9525">
-        <a:solidFill>
-          <a:schemeClr val="tx2">
-            <a:lumMod val="60000"/>
-            <a:lumOff val="40000"/>
-          </a:schemeClr>
-        </a:solidFill>
-        <a:prstDash val="dash"/>
-      </a:ln>
-    </cs:spPr>
-  </cs:dropLine>
-  <cs:errorBar>
-    <cs:lnRef idx="0"/>
-    <cs:fillRef idx="0"/>
-    <cs:effectRef idx="0"/>
-    <cs:fontRef idx="minor">
-      <a:schemeClr val="tx2"/>
-    </cs:fontRef>
-    <cs:spPr>
-      <a:ln w="9525">
-        <a:solidFill>
-          <a:schemeClr val="tx2">
-            <a:lumMod val="75000"/>
-            <a:lumOff val="25000"/>
-          </a:schemeClr>
-        </a:solidFill>
-        <a:round/>
-      </a:ln>
-    </cs:spPr>
-  </cs:errorBar>
-  <cs:floor>
-    <cs:lnRef idx="0"/>
-    <cs:fillRef idx="0"/>
-    <cs:effectRef idx="0"/>
-    <cs:fontRef idx="minor">
-      <a:schemeClr val="tx2"/>
-    </cs:fontRef>
-  </cs:floor>
-  <cs:gridlineMajor>
-    <cs:lnRef idx="0"/>
-    <cs:fillRef idx="0"/>
-    <cs:effectRef idx="0"/>
-    <cs:fontRef idx="minor">
-      <a:schemeClr val="tx2"/>
-    </cs:fontRef>
-    <cs:spPr>
-      <a:ln w="9525" cap="flat" cmpd="sng" algn="ctr">
-        <a:solidFill>
-          <a:schemeClr val="tx2">
-            <a:lumMod val="15000"/>
-            <a:lumOff val="85000"/>
-          </a:schemeClr>
-        </a:solidFill>
-        <a:round/>
-      </a:ln>
-    </cs:spPr>
-  </cs:gridlineMajor>
-  <cs:gridlineMinor>
-    <cs:lnRef idx="0"/>
-    <cs:fillRef idx="0"/>
-    <cs:effectRef idx="0"/>
-    <cs:fontRef idx="minor">
-      <a:schemeClr val="tx2"/>
-    </cs:fontRef>
-    <cs:spPr>
-      <a:ln>
-        <a:solidFill>
-          <a:schemeClr val="tx2">
-            <a:lumMod val="5000"/>
-            <a:lumOff val="95000"/>
-          </a:schemeClr>
-        </a:solidFill>
-      </a:ln>
-    </cs:spPr>
-  </cs:gridlineMinor>
-  <cs:hiLoLine>
-    <cs:lnRef idx="0"/>
-    <cs:fillRef idx="0"/>
-    <cs:effectRef idx="0"/>
-    <cs:fontRef idx="minor">
-      <a:schemeClr val="tx2"/>
-    </cs:fontRef>
-    <cs:spPr>
-      <a:ln w="9525">
-        <a:solidFill>
-          <a:schemeClr val="tx2">
-            <a:lumMod val="60000"/>
-            <a:lumOff val="40000"/>
-          </a:schemeClr>
-        </a:solidFill>
-        <a:prstDash val="dash"/>
-      </a:ln>
-    </cs:spPr>
-  </cs:hiLoLine>
-  <cs:leaderLine>
-    <cs:lnRef idx="0"/>
-    <cs:fillRef idx="0"/>
-    <cs:effectRef idx="0"/>
-    <cs:fontRef idx="minor">
-      <a:schemeClr val="tx2"/>
-    </cs:fontRef>
-    <cs:spPr>
-      <a:ln w="9525">
-        <a:solidFill>
-          <a:schemeClr val="tx2">
-            <a:lumMod val="35000"/>
-            <a:lumOff val="65000"/>
-          </a:schemeClr>
-        </a:solidFill>
-      </a:ln>
-    </cs:spPr>
-  </cs:leaderLine>
-  <cs:legend>
-    <cs:lnRef idx="0"/>
-    <cs:fillRef idx="0"/>
-    <cs:effectRef idx="0"/>
-    <cs:fontRef idx="minor">
-      <a:schemeClr val="tx2"/>
-    </cs:fontRef>
-    <cs:defRPr sz="1197" kern="1200"/>
-  </cs:legend>
-  <cs:plotArea>
-    <cs:lnRef idx="0"/>
-    <cs:fillRef idx="0"/>
-    <cs:effectRef idx="0"/>
-    <cs:fontRef idx="minor">
-      <a:schemeClr val="tx2"/>
-    </cs:fontRef>
-  </cs:plotArea>
-  <cs:plotArea3D>
-    <cs:lnRef idx="0"/>
-    <cs:fillRef idx="0"/>
-    <cs:effectRef idx="0"/>
-    <cs:fontRef idx="minor">
-      <a:schemeClr val="tx2"/>
-    </cs:fontRef>
-  </cs:plotArea3D>
-  <cs:seriesAxis>
-    <cs:lnRef idx="0"/>
-    <cs:fillRef idx="0"/>
-    <cs:effectRef idx="0"/>
-    <cs:fontRef idx="minor">
-      <a:schemeClr val="tx2"/>
-    </cs:fontRef>
-    <cs:spPr>
-      <a:ln w="9525" cap="flat" cmpd="sng" algn="ctr">
-        <a:solidFill>
-          <a:schemeClr val="tx2">
-            <a:lumMod val="15000"/>
-            <a:lumOff val="85000"/>
-          </a:schemeClr>
-        </a:solidFill>
-        <a:round/>
-      </a:ln>
-    </cs:spPr>
-    <cs:defRPr sz="1197" kern="1200"/>
-  </cs:seriesAxis>
-  <cs:seriesLine>
-    <cs:lnRef idx="0"/>
-    <cs:fillRef idx="0"/>
-    <cs:effectRef idx="0"/>
-    <cs:fontRef idx="minor">
-      <a:schemeClr val="tx2"/>
-    </cs:fontRef>
-    <cs:spPr>
-      <a:ln w="9525">
-        <a:solidFill>
-          <a:schemeClr val="tx2">
-            <a:lumMod val="60000"/>
-            <a:lumOff val="40000"/>
-          </a:schemeClr>
-        </a:solidFill>
-        <a:prstDash val="dash"/>
-      </a:ln>
-    </cs:spPr>
-  </cs:seriesLine>
-  <cs:title>
-    <cs:lnRef idx="0"/>
-    <cs:fillRef idx="0"/>
-    <cs:effectRef idx="0"/>
-    <cs:fontRef idx="minor">
-      <a:schemeClr val="tx2"/>
-    </cs:fontRef>
-    <cs:defRPr sz="2128" b="1" kern="1200"/>
-  </cs:title>
-  <cs:trendline>
-    <cs:lnRef idx="0">
-      <cs:styleClr val="auto"/>
-    </cs:lnRef>
-    <cs:fillRef idx="0"/>
-    <cs:effectRef idx="0"/>
-    <cs:fontRef idx="minor">
-      <a:schemeClr val="tx2"/>
-    </cs:fontRef>
-    <cs:spPr>
-      <a:ln w="19050" cap="rnd">
-        <a:solidFill>
-          <a:schemeClr val="phClr"/>
-        </a:solidFill>
-        <a:prstDash val="sysDash"/>
-      </a:ln>
-    </cs:spPr>
-  </cs:trendline>
-  <cs:trendlineLabel>
-    <cs:lnRef idx="0"/>
-    <cs:fillRef idx="0"/>
-    <cs:effectRef idx="0"/>
-    <cs:fontRef idx="minor">
-      <a:schemeClr val="tx2"/>
-    </cs:fontRef>
-    <cs:defRPr sz="1197" kern="1200"/>
-  </cs:trendlineLabel>
-  <cs:upBar>
-    <cs:lnRef idx="0"/>
-    <cs:fillRef idx="0"/>
-    <cs:effectRef idx="0"/>
-    <cs:fontRef idx="minor">
-      <a:schemeClr val="tx2"/>
-    </cs:fontRef>
-    <cs:spPr>
-      <a:solidFill>
-        <a:schemeClr val="lt1"/>
-      </a:solidFill>
-      <a:ln w="9525">
-        <a:solidFill>
-          <a:schemeClr val="tx1">
-            <a:lumMod val="15000"/>
-            <a:lumOff val="85000"/>
-          </a:schemeClr>
-        </a:solidFill>
-      </a:ln>
-    </cs:spPr>
-  </cs:upBar>
-  <cs:valueAxis>
-    <cs:lnRef idx="0"/>
-    <cs:fillRef idx="0"/>
-    <cs:effectRef idx="0"/>
-    <cs:fontRef idx="minor">
-      <a:schemeClr val="tx2"/>
-    </cs:fontRef>
-    <cs:defRPr sz="1197" kern="1200"/>
-  </cs:valueAxis>
-  <cs:wall>
-    <cs:lnRef idx="0"/>
-    <cs:fillRef idx="0"/>
-    <cs:effectRef idx="0"/>
-    <cs:fontRef idx="minor">
-      <a:schemeClr val="tx2"/>
-    </cs:fontRef>
-  </cs:wall>
-</cs:chartStyle>
-</file>
-
-<file path=ppt/diagrams/colors1.xml><?xml version="1.0" encoding="utf-8"?>
-<dgm:colorsDef xmlns:dgm="http://schemas.openxmlformats.org/drawingml/2006/diagram" xmlns:a="http://schemas.openxmlformats.org/drawingml/2006/main" uniqueId="urn:microsoft.com/office/officeart/2005/8/colors/accent1_2">
-  <dgm:title val=""/>
-  <dgm:desc val=""/>
-  <dgm:catLst>
-    <dgm:cat type="accent1" pri="11200"/>
-  </dgm:catLst>
-  <dgm:styleLbl name="node0">
-    <dgm:fillClrLst meth="repeat">
-      <a:schemeClr val="accent1"/>
-    </dgm:fillClrLst>
-    <dgm:linClrLst meth="repeat">
-      <a:schemeClr val="lt1"/>
-    </dgm:linClrLst>
-    <dgm:effectClrLst/>
-    <dgm:txLinClrLst/>
-    <dgm:txFillClrLst/>
-    <dgm:txEffectClrLst/>
-  </dgm:styleLbl>
-  <dgm:styleLbl name="alignNode1">
-    <dgm:fillClrLst meth="repeat">
-      <a:schemeClr val="accent1"/>
-    </dgm:fillClrLst>
-    <dgm:linClrLst meth="repeat">
-      <a:schemeClr val="accent1"/>
-    </dgm:linClrLst>
-    <dgm:effectClrLst/>
-    <dgm:txLinClrLst/>
-    <dgm:txFillClrLst/>
-    <dgm:txEffectClrLst/>
-  </dgm:styleLbl>
-  <dgm:styleLbl name="node1">
-    <dgm:fillClrLst meth="repeat">
-      <a:schemeClr val="accent1"/>
-    </dgm:fillClrLst>
-    <dgm:linClrLst meth="repeat">
-      <a:schemeClr val="lt1"/>
-    </dgm:linClrLst>
-    <dgm:effectClrLst/>
-    <dgm:txLinClrLst/>
-    <dgm:txFillClrLst/>
-    <dgm:txEffectClrLst/>
-  </dgm:styleLbl>
-  <dgm:styleLbl name="lnNode1">
-    <dgm:fillClrLst meth="repeat">
-      <a:schemeClr val="accent1"/>
-    </dgm:fillClrLst>
-    <dgm:linClrLst meth="repeat">
-      <a:schemeClr val="lt1"/>
-    </dgm:linClrLst>
-    <dgm:effectClrLst/>
-    <dgm:txLinClrLst/>
-    <dgm:txFillClrLst/>
-    <dgm:txEffectClrLst/>
-  </dgm:styleLbl>
-  <dgm:styleLbl name="vennNode1">
-    <dgm:fillClrLst meth="repeat">
-      <a:schemeClr val="accent1">
-        <a:alpha val="50000"/>
-      </a:schemeClr>
-    </dgm:fillClrLst>
-    <dgm:linClrLst meth="repeat">
-      <a:schemeClr val="lt1"/>
-    </dgm:linClrLst>
-    <dgm:effectClrLst/>
-    <dgm:txLinClrLst/>
-    <dgm:txFillClrLst/>
-    <dgm:txEffectClrLst/>
-  </dgm:styleLbl>
-  <dgm:styleLbl name="node2">
-    <dgm:fillClrLst meth="repeat">
-      <a:schemeClr val="accent1"/>
-    </dgm:fillClrLst>
-    <dgm:linClrLst meth="repeat">
-      <a:schemeClr val="lt1"/>
-    </dgm:linClrLst>
-    <dgm:effectClrLst/>
-    <dgm:txLinClrLst/>
-    <dgm:txFillClrLst/>
-    <dgm:txEffectClrLst/>
-  </dgm:styleLbl>
-  <dgm:styleLbl name="node3">
-    <dgm:fillClrLst meth="repeat">
-      <a:schemeClr val="accent1"/>
-    </dgm:fillClrLst>
-    <dgm:linClrLst meth="repeat">
-      <a:schemeClr val="lt1"/>
-    </dgm:linClrLst>
-    <dgm:effectClrLst/>
-    <dgm:txLinClrLst/>
-    <dgm:txFillClrLst/>
-    <dgm:txEffectClrLst/>
-  </dgm:styleLbl>
-  <dgm:styleLbl name="node4">
-    <dgm:fillClrLst meth="repeat">
-      <a:schemeClr val="accent1"/>
-    </dgm:fillClrLst>
-    <dgm:linClrLst meth="repeat">
-      <a:schemeClr val="lt1"/>
-    </dgm:linClrLst>
-    <dgm:effectClrLst/>
-    <dgm:txLinClrLst/>
-    <dgm:txFillClrLst/>
-    <dgm:txEffectClrLst/>
-  </dgm:styleLbl>
-  <dgm:styleLbl name="fgImgPlace1">
-    <dgm:fillClrLst meth="repeat">
-      <a:schemeClr val="accent1">
-        <a:tint val="50000"/>
-      </a:schemeClr>
-    </dgm:fillClrLst>
-    <dgm:linClrLst meth="repeat">
-      <a:schemeClr val="lt1"/>
-    </dgm:linClrLst>
-    <dgm:effectClrLst/>
-    <dgm:txLinClrLst/>
-    <dgm:txFillClrLst meth="repeat">
-      <a:schemeClr val="lt1"/>
-    </dgm:txFillClrLst>
-    <dgm:txEffectClrLst/>
-  </dgm:styleLbl>
-  <dgm:styleLbl name="alignImgPlace1">
-    <dgm:fillClrLst meth="repeat">
-      <a:schemeClr val="accent1">
-        <a:tint val="50000"/>
-      </a:schemeClr>
-    </dgm:fillClrLst>
-    <dgm:linClrLst meth="repeat">
-      <a:schemeClr val="lt1"/>
-    </dgm:linClrLst>
-    <dgm:effectClrLst/>
-    <dgm:txLinClrLst/>
-    <dgm:txFillClrLst meth="repeat">
-      <a:schemeClr val="lt1"/>
-    </dgm:txFillClrLst>
-    <dgm:txEffectClrLst/>
-  </dgm:styleLbl>
-  <dgm:styleLbl name="bgImgPlace1">
-    <dgm:fillClrLst meth="repeat">
-      <a:schemeClr val="accent1">
-        <a:tint val="50000"/>
-      </a:schemeClr>
-    </dgm:fillClrLst>
-    <dgm:linClrLst meth="repeat">
-      <a:schemeClr val="lt1"/>
-    </dgm:linClrLst>
-    <dgm:effectClrLst/>
-    <dgm:txLinClrLst/>
-    <dgm:txFillClrLst meth="repeat">
-      <a:schemeClr val="lt1"/>
-    </dgm:txFillClrLst>
-    <dgm:txEffectClrLst/>
-  </dgm:styleLbl>
-  <dgm:styleLbl name="sibTrans2D1">
-    <dgm:fillClrLst meth="repeat">
-      <a:schemeClr val="accent1">
-        <a:tint val="60000"/>
-      </a:schemeClr>
-    </dgm:fillClrLst>
-    <dgm:linClrLst meth="repeat">
-      <a:schemeClr val="accent1">
-        <a:tint val="60000"/>
-      </a:schemeClr>
-    </dgm:linClrLst>
-    <dgm:effectClrLst/>
-    <dgm:txLinClrLst/>
-    <dgm:txFillClrLst/>
-    <dgm:txEffectClrLst/>
-  </dgm:styleLbl>
-  <dgm:styleLbl name="fgSibTrans2D1">
-    <dgm:fillClrLst meth="repeat">
-      <a:schemeClr val="accent1">
-        <a:tint val="60000"/>
-      </a:schemeClr>
-    </dgm:fillClrLst>
-    <dgm:linClrLst meth="repeat">
-      <a:schemeClr val="accent1">
-        <a:tint val="60000"/>
-      </a:schemeClr>
-    </dgm:linClrLst>
-    <dgm:effectClrLst/>
-    <dgm:txLinClrLst/>
-    <dgm:txFillClrLst/>
-    <dgm:txEffectClrLst/>
-  </dgm:styleLbl>
-  <dgm:styleLbl name="bgSibTrans2D1">
-    <dgm:fillClrLst meth="repeat">
-      <a:schemeClr val="accent1">
-        <a:tint val="60000"/>
-      </a:schemeClr>
-    </dgm:fillClrLst>
-    <dgm:linClrLst meth="repeat">
-      <a:schemeClr val="accent1">
-        <a:tint val="60000"/>
-      </a:schemeClr>
-    </dgm:linClrLst>
-    <dgm:effectClrLst/>
-    <dgm:txLinClrLst/>
-    <dgm:txFillClrLst/>
-    <dgm:txEffectClrLst/>
-  </dgm:styleLbl>
-  <dgm:styleLbl name="sibTrans1D1">
-    <dgm:fillClrLst meth="repeat">
-      <a:schemeClr val="accent1"/>
-    </dgm:fillClrLst>
-    <dgm:linClrLst meth="repeat">
-      <a:schemeClr val="accent1"/>
-    </dgm:linClrLst>
-    <dgm:effectClrLst/>
-    <dgm:txLinClrLst/>
-    <dgm:txFillClrLst meth="repeat">
-      <a:schemeClr val="tx1"/>
-    </dgm:txFillClrLst>
-    <dgm:txEffectClrLst/>
-  </dgm:styleLbl>
-  <dgm:styleLbl name="callout">
-    <dgm:fillClrLst meth="repeat">
-      <a:schemeClr val="accent1"/>
-    </dgm:fillClrLst>
-    <dgm:linClrLst meth="repeat">
-      <a:schemeClr val="accent1">
-        <a:tint val="50000"/>
-      </a:schemeClr>
-    </dgm:linClrLst>
-    <dgm:effectClrLst/>
-    <dgm:txLinClrLst/>
-    <dgm:txFillClrLst meth="repeat">
-      <a:schemeClr val="tx1"/>
-    </dgm:txFillClrLst>
-    <dgm:txEffectClrLst/>
-  </dgm:styleLbl>
-  <dgm:styleLbl name="asst0">
-    <dgm:fillClrLst meth="repeat">
-      <a:schemeClr val="accent1"/>
-    </dgm:fillClrLst>
-    <dgm:linClrLst meth="repeat">
-      <a:schemeClr val="lt1"/>
-    </dgm:linClrLst>
-    <dgm:effectClrLst/>
-    <dgm:txLinClrLst/>
-    <dgm:txFillClrLst/>
-    <dgm:txEffectClrLst/>
-  </dgm:styleLbl>
-  <dgm:styleLbl name="asst1">
-    <dgm:fillClrLst meth="repeat">
-      <a:schemeClr val="accent1"/>
-    </dgm:fillClrLst>
-    <dgm:linClrLst meth="repeat">
-      <a:schemeClr val="lt1"/>
-    </dgm:linClrLst>
-    <dgm:effectClrLst/>
-    <dgm:txLinClrLst/>
-    <dgm:txFillClrLst/>
-    <dgm:txEffectClrLst/>
-  </dgm:styleLbl>
-  <dgm:styleLbl name="asst2">
-    <dgm:fillClrLst meth="repeat">
-      <a:schemeClr val="accent1"/>
-    </dgm:fillClrLst>
-    <dgm:linClrLst meth="repeat">
-      <a:schemeClr val="lt1"/>
-    </dgm:linClrLst>
-    <dgm:effectClrLst/>
-    <dgm:txLinClrLst/>
-    <dgm:txFillClrLst/>
-    <dgm:txEffectClrLst/>
-  </dgm:styleLbl>
-  <dgm:styleLbl name="asst3">
-    <dgm:fillClrLst meth="repeat">
-      <a:schemeClr val="accent1"/>
-    </dgm:fillClrLst>
-    <dgm:linClrLst meth="repeat">
-      <a:schemeClr val="lt1"/>
-    </dgm:linClrLst>
-    <dgm:effectClrLst/>
-    <dgm:txLinClrLst/>
-    <dgm:txFillClrLst/>
-    <dgm:txEffectClrLst/>
-  </dgm:styleLbl>
-  <dgm:styleLbl name="asst4">
-    <dgm:fillClrLst meth="repeat">
-      <a:schemeClr val="accent1"/>
-    </dgm:fillClrLst>
-    <dgm:linClrLst meth="repeat">
-      <a:schemeClr val="lt1"/>
-    </dgm:linClrLst>
-    <dgm:effectClrLst/>
-    <dgm:txLinClrLst/>
-    <dgm:txFillClrLst/>
-    <dgm:txEffectClrLst/>
-  </dgm:styleLbl>
-  <dgm:styleLbl name="parChTrans2D1">
-    <dgm:fillClrLst meth="repeat">
-      <a:schemeClr val="accent1">
-        <a:tint val="60000"/>
-      </a:schemeClr>
-    </dgm:fillClrLst>
-    <dgm:linClrLst meth="repeat">
-      <a:schemeClr val="accent1">
-        <a:tint val="60000"/>
-      </a:schemeClr>
-    </dgm:linClrLst>
-    <dgm:effectClrLst/>
-    <dgm:txLinClrLst/>
-    <dgm:txFillClrLst meth="repeat">
-      <a:schemeClr val="lt1"/>
-    </dgm:txFillClrLst>
-    <dgm:txEffectClrLst/>
-  </dgm:styleLbl>
-  <dgm:styleLbl name="parChTrans2D2">
-    <dgm:fillClrLst meth="repeat">
-      <a:schemeClr val="accent1"/>
-    </dgm:fillClrLst>
-    <dgm:linClrLst meth="repeat">
-      <a:schemeClr val="accent1"/>
-    </dgm:linClrLst>
-    <dgm:effectClrLst/>
-    <dgm:txLinClrLst/>
-    <dgm:txFillClrLst meth="repeat">
-      <a:schemeClr val="lt1"/>
-    </dgm:txFillClrLst>
-    <dgm:txEffectClrLst/>
-  </dgm:styleLbl>
-  <dgm:styleLbl name="parChTrans2D3">
-    <dgm:fillClrLst meth="repeat">
-      <a:schemeClr val="accent1"/>
-    </dgm:fillClrLst>
-    <dgm:linClrLst meth="repeat">
-      <a:schemeClr val="accent1"/>
-    </dgm:linClrLst>
-    <dgm:effectClrLst/>
-    <dgm:txLinClrLst/>
-    <dgm:txFillClrLst meth="repeat">
-      <a:schemeClr val="lt1"/>
-    </dgm:txFillClrLst>
-    <dgm:txEffectClrLst/>
-  </dgm:styleLbl>
-  <dgm:styleLbl name="parChTrans2D4">
-    <dgm:fillClrLst meth="repeat">
-      <a:schemeClr val="accent1"/>
-    </dgm:fillClrLst>
-    <dgm:linClrLst meth="repeat">
-      <a:schemeClr val="accent1"/>
-    </dgm:linClrLst>
-    <dgm:effectClrLst/>
-    <dgm:txLinClrLst/>
-    <dgm:txFillClrLst meth="repeat">
-      <a:schemeClr val="lt1"/>
-    </dgm:txFillClrLst>
-    <dgm:txEffectClrLst/>
-  </dgm:styleLbl>
-  <dgm:styleLbl name="parChTrans1D1">
-    <dgm:fillClrLst meth="repeat">
-      <a:schemeClr val="accent1"/>
-    </dgm:fillClrLst>
-    <dgm:linClrLst meth="repeat">
-      <a:schemeClr val="accent1">
-        <a:shade val="60000"/>
-      </a:schemeClr>
-    </dgm:linClrLst>
-    <dgm:effectClrLst/>
-    <dgm:txLinClrLst/>
-    <dgm:txFillClrLst meth="repeat">
-      <a:schemeClr val="tx1"/>
-    </dgm:txFillClrLst>
-    <dgm:txEffectClrLst/>
-  </dgm:styleLbl>
-  <dgm:styleLbl name="parChTrans1D2">
-    <dgm:fillClrLst meth="repeat">
-      <a:schemeClr val="accent1"/>
-    </dgm:fillClrLst>
-    <dgm:linClrLst meth="repeat">
-      <a:schemeClr val="accent1">
-        <a:shade val="60000"/>
-      </a:schemeClr>
-    </dgm:linClrLst>
-    <dgm:effectClrLst/>
-    <dgm:txLinClrLst/>
-    <dgm:txFillClrLst meth="repeat">
-      <a:schemeClr val="tx1"/>
-    </dgm:txFillClrLst>
-    <dgm:txEffectClrLst/>
-  </dgm:styleLbl>
-  <dgm:styleLbl name="parChTrans1D3">
-    <dgm:fillClrLst meth="repeat">
-      <a:schemeClr val="accent1"/>
-    </dgm:fillClrLst>
-    <dgm:linClrLst meth="repeat">
-      <a:schemeClr val="accent1">
-        <a:shade val="80000"/>
-      </a:schemeClr>
-    </dgm:linClrLst>
-    <dgm:effectClrLst/>
-    <dgm:txLinClrLst/>
-    <dgm:txFillClrLst meth="repeat">
-      <a:schemeClr val="tx1"/>
-    </dgm:txFillClrLst>
-    <dgm:txEffectClrLst/>
-  </dgm:styleLbl>
-  <dgm:styleLbl name="parChTrans1D4">
-    <dgm:fillClrLst meth="repeat">
-      <a:schemeClr val="accent1"/>
-    </dgm:fillClrLst>
-    <dgm:linClrLst meth="repeat">
-      <a:schemeClr val="accent1">
-        <a:shade val="80000"/>
-      </a:schemeClr>
-    </dgm:linClrLst>
-    <dgm:effectClrLst/>
-    <dgm:txLinClrLst/>
-    <dgm:txFillClrLst meth="repeat">
-      <a:schemeClr val="tx1"/>
-    </dgm:txFillClrLst>
-    <dgm:txEffectClrLst/>
-  </dgm:styleLbl>
-  <dgm:styleLbl name="fgAcc1">
-    <dgm:fillClrLst meth="repeat">
-      <a:schemeClr val="lt1">
-        <a:alpha val="90000"/>
-      </a:schemeClr>
-    </dgm:fillClrLst>
-    <dgm:linClrLst meth="repeat">
-      <a:schemeClr val="accent1"/>
-    </dgm:linClrLst>
-    <dgm:effectClrLst/>
-    <dgm:txLinClrLst/>
-    <dgm:txFillClrLst meth="repeat">
-      <a:schemeClr val="dk1"/>
-    </dgm:txFillClrLst>
-    <dgm:txEffectClrLst/>
-  </dgm:styleLbl>
-  <dgm:styleLbl name="conFgAcc1">
-    <dgm:fillClrLst meth="repeat">
-      <a:schemeClr val="lt1">
-        <a:alpha val="90000"/>
-      </a:schemeClr>
-    </dgm:fillClrLst>
-    <dgm:linClrLst meth="repeat">
-      <a:schemeClr val="accent1"/>
-    </dgm:linClrLst>
-    <dgm:effectClrLst/>
-    <dgm:txLinClrLst/>
-    <dgm:txFillClrLst meth="repeat">
-      <a:schemeClr val="dk1"/>
-    </dgm:txFillClrLst>
-    <dgm:txEffectClrLst/>
-  </dgm:styleLbl>
-  <dgm:styleLbl name="alignAcc1">
-    <dgm:fillClrLst meth="repeat">
-      <a:schemeClr val="lt1">
-        <a:alpha val="90000"/>
-      </a:schemeClr>
-    </dgm:fillClrLst>
-    <dgm:linClrLst meth="repeat">
-      <a:schemeClr val="accent1"/>
-    </dgm:linClrLst>
-    <dgm:effectClrLst/>
-    <dgm:txLinClrLst/>
-    <dgm:txFillClrLst meth="repeat">
-      <a:schemeClr val="dk1"/>
-    </dgm:txFillClrLst>
-    <dgm:txEffectClrLst/>
-  </dgm:styleLbl>
-  <dgm:styleLbl name="trAlignAcc1">
-    <dgm:fillClrLst meth="repeat">
-      <a:schemeClr val="lt1">
-        <a:alpha val="40000"/>
-      </a:schemeClr>
-    </dgm:fillClrLst>
-    <dgm:linClrLst meth="repeat">
-      <a:schemeClr val="accent1"/>
-    </dgm:linClrLst>
-    <dgm:effectClrLst/>
-    <dgm:txLinClrLst/>
-    <dgm:txFillClrLst meth="repeat">
-      <a:schemeClr val="dk1"/>
-    </dgm:txFillClrLst>
-    <dgm:txEffectClrLst/>
-  </dgm:styleLbl>
-  <dgm:styleLbl name="bgAcc1">
-    <dgm:fillClrLst meth="repeat">
-      <a:schemeClr val="lt1">
-        <a:alpha val="90000"/>
-      </a:schemeClr>
-    </dgm:fillClrLst>
-    <dgm:linClrLst meth="repeat">
-      <a:schemeClr val="accent1"/>
-    </dgm:linClrLst>
-    <dgm:effectClrLst/>
-    <dgm:txLinClrLst/>
-    <dgm:txFillClrLst meth="repeat">
-      <a:schemeClr val="dk1"/>
-    </dgm:txFillClrLst>
-    <dgm:txEffectClrLst/>
-  </dgm:styleLbl>
-  <dgm:styleLbl name="solidFgAcc1">
-    <dgm:fillClrLst meth="repeat">
-      <a:schemeClr val="lt1"/>
-    </dgm:fillClrLst>
-    <dgm:linClrLst meth="repeat">
-      <a:schemeClr val="accent1"/>
-    </dgm:linClrLst>
-    <dgm:effectClrLst/>
-    <dgm:txLinClrLst/>
-    <dgm:txFillClrLst meth="repeat">
-      <a:schemeClr val="dk1"/>
-    </dgm:txFillClrLst>
-    <dgm:txEffectClrLst/>
-  </dgm:styleLbl>
-  <dgm:styleLbl name="solidAlignAcc1">
-    <dgm:fillClrLst meth="repeat">
-      <a:schemeClr val="lt1"/>
-    </dgm:fillClrLst>
-    <dgm:linClrLst meth="repeat">
-      <a:schemeClr val="accent1"/>
-    </dgm:linClrLst>
-    <dgm:effectClrLst/>
-    <dgm:txLinClrLst/>
-    <dgm:txFillClrLst meth="repeat">
-      <a:schemeClr val="dk1"/>
-    </dgm:txFillClrLst>
-    <dgm:txEffectClrLst/>
-  </dgm:styleLbl>
-  <dgm:styleLbl name="solidBgAcc1">
-    <dgm:fillClrLst meth="repeat">
-      <a:schemeClr val="lt1"/>
-    </dgm:fillClrLst>
-    <dgm:linClrLst meth="repeat">
-      <a:schemeClr val="accent1"/>
-    </dgm:linClrLst>
-    <dgm:effectClrLst/>
-    <dgm:txLinClrLst/>
-    <dgm:txFillClrLst meth="repeat">
-      <a:schemeClr val="dk1"/>
-    </dgm:txFillClrLst>
-    <dgm:txEffectClrLst/>
-  </dgm:styleLbl>
-  <dgm:styleLbl name="fgAccFollowNode1">
-    <dgm:fillClrLst meth="repeat">
-      <a:schemeClr val="accent1">
-        <a:alpha val="90000"/>
-        <a:tint val="40000"/>
-      </a:schemeClr>
-    </dgm:fillClrLst>
-    <dgm:linClrLst meth="repeat">
-      <a:schemeClr val="accent1">
-        <a:alpha val="90000"/>
-        <a:tint val="40000"/>
-      </a:schemeClr>
-    </dgm:linClrLst>
-    <dgm:effectClrLst/>
-    <dgm:txLinClrLst/>
-    <dgm:txFillClrLst meth="repeat">
-      <a:schemeClr val="dk1"/>
-    </dgm:txFillClrLst>
-    <dgm:txEffectClrLst/>
-  </dgm:styleLbl>
-  <dgm:styleLbl name="alignAccFollowNode1">
-    <dgm:fillClrLst meth="repeat">
-      <a:schemeClr val="accent1">
-        <a:alpha val="90000"/>
-        <a:tint val="40000"/>
-      </a:schemeClr>
-    </dgm:fillClrLst>
-    <dgm:linClrLst meth="repeat">
-      <a:schemeClr val="accent1">
-        <a:alpha val="90000"/>
-        <a:tint val="40000"/>
-      </a:schemeClr>
-    </dgm:linClrLst>
-    <dgm:effectClrLst/>
-    <dgm:txLinClrLst/>
-    <dgm:txFillClrLst meth="repeat">
-      <a:schemeClr val="dk1"/>
-    </dgm:txFillClrLst>
-    <dgm:txEffectClrLst/>
-  </dgm:styleLbl>
-  <dgm:styleLbl name="bgAccFollowNode1">
-    <dgm:fillClrLst meth="repeat">
-      <a:schemeClr val="accent1">
-        <a:alpha val="90000"/>
-        <a:tint val="40000"/>
-      </a:schemeClr>
-    </dgm:fillClrLst>
-    <dgm:linClrLst meth="repeat">
-      <a:schemeClr val="accent1">
-        <a:alpha val="90000"/>
-        <a:tint val="40000"/>
-      </a:schemeClr>
-    </dgm:linClrLst>
-    <dgm:effectClrLst/>
-    <dgm:txLinClrLst/>
-    <dgm:txFillClrLst meth="repeat">
-      <a:schemeClr val="dk1"/>
-    </dgm:txFillClrLst>
-    <dgm:txEffectClrLst/>
-  </dgm:styleLbl>
-  <dgm:styleLbl name="fgAcc0">
-    <dgm:fillClrLst meth="repeat">
-      <a:schemeClr val="lt1">
-        <a:alpha val="90000"/>
-      </a:schemeClr>
-    </dgm:fillClrLst>
-    <dgm:linClrLst meth="repeat">
-      <a:schemeClr val="accent1"/>
-    </dgm:linClrLst>
-    <dgm:effectClrLst/>
-    <dgm:txLinClrLst/>
-    <dgm:txFillClrLst meth="repeat">
-      <a:schemeClr val="dk1"/>
-    </dgm:txFillClrLst>
-    <dgm:txEffectClrLst/>
-  </dgm:styleLbl>
-  <dgm:styleLbl name="fgAcc2">
-    <dgm:fillClrLst meth="repeat">
-      <a:schemeClr val="lt1">
-        <a:alpha val="90000"/>
-      </a:schemeClr>
-    </dgm:fillClrLst>
-    <dgm:linClrLst meth="repeat">
-      <a:schemeClr val="accent1"/>
-    </dgm:linClrLst>
-    <dgm:effectClrLst/>
-    <dgm:txLinClrLst/>
-    <dgm:txFillClrLst meth="repeat">
-      <a:schemeClr val="dk1"/>
-    </dgm:txFillClrLst>
-    <dgm:txEffectClrLst/>
-  </dgm:styleLbl>
-  <dgm:styleLbl name="fgAcc3">
-    <dgm:fillClrLst meth="repeat">
-      <a:schemeClr val="lt1">
-        <a:alpha val="90000"/>
-      </a:schemeClr>
-    </dgm:fillClrLst>
-    <dgm:linClrLst meth="repeat">
-      <a:schemeClr val="accent1"/>
-    </dgm:linClrLst>
-    <dgm:effectClrLst/>
-    <dgm:txLinClrLst/>
-    <dgm:txFillClrLst meth="repeat">
-      <a:schemeClr val="dk1"/>
-    </dgm:txFillClrLst>
-    <dgm:txEffectClrLst/>
-  </dgm:styleLbl>
-  <dgm:styleLbl name="fgAcc4">
-    <dgm:fillClrLst meth="repeat">
-      <a:schemeClr val="lt1">
-        <a:alpha val="90000"/>
-      </a:schemeClr>
-    </dgm:fillClrLst>
-    <dgm:linClrLst meth="repeat">
-      <a:schemeClr val="accent1"/>
-    </dgm:linClrLst>
-    <dgm:effectClrLst/>
-    <dgm:txLinClrLst/>
-    <dgm:txFillClrLst meth="repeat">
-      <a:schemeClr val="dk1"/>
-    </dgm:txFillClrLst>
-    <dgm:txEffectClrLst/>
-  </dgm:styleLbl>
-  <dgm:styleLbl name="bgShp">
-    <dgm:fillClrLst meth="repeat">
-      <a:schemeClr val="accent1">
-        <a:tint val="40000"/>
-      </a:schemeClr>
-    </dgm:fillClrLst>
-    <dgm:linClrLst meth="repeat">
-      <a:schemeClr val="accent1"/>
-    </dgm:linClrLst>
-    <dgm:effectClrLst/>
-    <dgm:txLinClrLst/>
-    <dgm:txFillClrLst meth="repeat">
-      <a:schemeClr val="dk1"/>
-    </dgm:txFillClrLst>
-    <dgm:txEffectClrLst/>
-  </dgm:styleLbl>
-  <dgm:styleLbl name="dkBgShp">
-    <dgm:fillClrLst meth="repeat">
-      <a:schemeClr val="accent1">
-        <a:shade val="80000"/>
-      </a:schemeClr>
-    </dgm:fillClrLst>
-    <dgm:linClrLst meth="repeat">
-      <a:schemeClr val="accent1"/>
-    </dgm:linClrLst>
-    <dgm:effectClrLst/>
-    <dgm:txLinClrLst/>
-    <dgm:txFillClrLst meth="repeat">
-      <a:schemeClr val="lt1"/>
-    </dgm:txFillClrLst>
-    <dgm:txEffectClrLst/>
-  </dgm:styleLbl>
-  <dgm:styleLbl name="trBgShp">
-    <dgm:fillClrLst meth="repeat">
-      <a:schemeClr val="accent1">
-        <a:tint val="50000"/>
-        <a:alpha val="40000"/>
-      </a:schemeClr>
-    </dgm:fillClrLst>
-    <dgm:linClrLst meth="repeat">
-      <a:schemeClr val="accent1"/>
-    </dgm:linClrLst>
-    <dgm:effectClrLst/>
-    <dgm:txLinClrLst/>
-    <dgm:txFillClrLst meth="repeat">
-      <a:schemeClr val="lt1"/>
-    </dgm:txFillClrLst>
-    <dgm:txEffectClrLst/>
-  </dgm:styleLbl>
-  <dgm:styleLbl name="fgShp">
-    <dgm:fillClrLst meth="repeat">
-      <a:schemeClr val="accent1">
-        <a:tint val="60000"/>
-      </a:schemeClr>
-    </dgm:fillClrLst>
-    <dgm:linClrLst meth="repeat">
-      <a:schemeClr val="lt1"/>
-    </dgm:linClrLst>
-    <dgm:effectClrLst/>
-    <dgm:txLinClrLst/>
-    <dgm:txFillClrLst meth="repeat">
-      <a:schemeClr val="dk1"/>
-    </dgm:txFillClrLst>
-    <dgm:txEffectClrLst/>
-  </dgm:styleLbl>
-  <dgm:styleLbl name="revTx">
-    <dgm:fillClrLst meth="repeat">
-      <a:schemeClr val="lt1">
-        <a:alpha val="0"/>
-      </a:schemeClr>
-    </dgm:fillClrLst>
-    <dgm:linClrLst meth="repeat">
-      <a:schemeClr val="dk1">
-        <a:alpha val="0"/>
-      </a:schemeClr>
-    </dgm:linClrLst>
-    <dgm:effectClrLst/>
-    <dgm:txLinClrLst/>
-    <dgm:txFillClrLst meth="repeat">
-      <a:schemeClr val="tx1"/>
-    </dgm:txFillClrLst>
-    <dgm:txEffectClrLst/>
-  </dgm:styleLbl>
-</dgm:colorsDef>
-</file>
-
-<file path=ppt/diagrams/data1.xml><?xml version="1.0" encoding="utf-8"?>
-<dgm:dataModel xmlns:dgm="http://schemas.openxmlformats.org/drawingml/2006/diagram" xmlns:a="http://schemas.openxmlformats.org/drawingml/2006/main">
-  <dgm:ptLst>
-    <dgm:pt modelId="{C7791974-9F08-42C6-B4F2-02B9136A72C7}" type="doc">
-      <dgm:prSet loTypeId="urn:microsoft.com/office/officeart/2005/8/layout/pyramid4" loCatId="relationship" qsTypeId="urn:microsoft.com/office/officeart/2005/8/quickstyle/simple5" qsCatId="simple" csTypeId="urn:microsoft.com/office/officeart/2005/8/colors/accent1_2" csCatId="accent1" phldr="1"/>
-      <dgm:spPr/>
-      <dgm:t>
-        <a:bodyPr rtlCol="0"/>
-        <a:lstStyle/>
-        <a:p>
-          <a:pPr rtl="0"/>
-          <a:endParaRPr lang="en-US"/>
-        </a:p>
-      </dgm:t>
-    </dgm:pt>
-    <dgm:pt modelId="{BC6FFA61-6A5E-4A07-B0CD-657A6016A538}">
-      <dgm:prSet phldrT="[Text]"/>
-      <dgm:spPr/>
-      <dgm:t>
-        <a:bodyPr rtlCol="0"/>
-        <a:lstStyle/>
-        <a:p>
-          <a:pPr rtl="0"/>
-          <a:r>
-            <a:rPr lang="zh-CN" dirty="0">
-              <a:latin typeface="宋体" panose="02010600030101010101" pitchFamily="2" charset="-122"/>
-              <a:ea typeface="宋体" panose="02010600030101010101" pitchFamily="2" charset="-122"/>
-            </a:rPr>
-            <a:t>组 A</a:t>
-          </a:r>
-        </a:p>
-      </dgm:t>
-      <dgm:extLst>
-        <a:ext uri="{E40237B7-FDA0-4F09-8148-C483321AD2D9}">
-          <dgm14:cNvPr xmlns:dgm14="http://schemas.microsoft.com/office/drawing/2010/diagram" id="0" name="" title="Group A"/>
-        </a:ext>
-      </dgm:extLst>
-    </dgm:pt>
-    <dgm:pt modelId="{BE5D8AB6-D1DC-4693-9520-9749A9B2666C}" type="parTrans" cxnId="{144421FE-CAF2-4745-BAE1-6B88FC778DDF}">
-      <dgm:prSet/>
-      <dgm:spPr/>
-      <dgm:t>
-        <a:bodyPr rtlCol="0"/>
-        <a:lstStyle/>
-        <a:p>
-          <a:pPr rtl="0"/>
-          <a:endParaRPr lang="en-US"/>
-        </a:p>
-      </dgm:t>
-    </dgm:pt>
-    <dgm:pt modelId="{716E4D6C-03E8-4365-AF21-1602BE3722FD}" type="sibTrans" cxnId="{144421FE-CAF2-4745-BAE1-6B88FC778DDF}">
-      <dgm:prSet/>
-      <dgm:spPr/>
-      <dgm:t>
-        <a:bodyPr rtlCol="0"/>
-        <a:lstStyle/>
-        <a:p>
-          <a:pPr rtl="0"/>
-          <a:endParaRPr lang="en-US"/>
-        </a:p>
-      </dgm:t>
-    </dgm:pt>
-    <dgm:pt modelId="{E94ADD85-26B8-44AF-BE89-A44A734EC3B8}">
-      <dgm:prSet phldrT="[Text]"/>
-      <dgm:spPr/>
-      <dgm:t>
-        <a:bodyPr rtlCol="0"/>
-        <a:lstStyle/>
-        <a:p>
-          <a:pPr rtl="0"/>
-          <a:r>
-            <a:rPr lang="zh-CN">
-              <a:latin typeface="宋体" panose="02010600030101010101" pitchFamily="2" charset="-122"/>
-              <a:ea typeface="宋体" panose="02010600030101010101" pitchFamily="2" charset="-122"/>
-            </a:rPr>
-            <a:t>组 B</a:t>
-          </a:r>
-        </a:p>
-      </dgm:t>
-      <dgm:extLst>
-        <a:ext uri="{E40237B7-FDA0-4F09-8148-C483321AD2D9}">
-          <dgm14:cNvPr xmlns:dgm14="http://schemas.microsoft.com/office/drawing/2010/diagram" id="0" name="" title="Group B"/>
-        </a:ext>
-      </dgm:extLst>
-    </dgm:pt>
-    <dgm:pt modelId="{80CC2F95-912D-4EB2-A7A7-15A75A534300}" type="parTrans" cxnId="{35C3B619-E840-4AFF-B602-C4F3A3844CC0}">
-      <dgm:prSet/>
-      <dgm:spPr/>
-      <dgm:t>
-        <a:bodyPr rtlCol="0"/>
-        <a:lstStyle/>
-        <a:p>
-          <a:pPr rtl="0"/>
-          <a:endParaRPr lang="en-US"/>
-        </a:p>
-      </dgm:t>
-    </dgm:pt>
-    <dgm:pt modelId="{BD64D4FA-33E1-4A93-8ABA-E777D7BBB411}" type="sibTrans" cxnId="{35C3B619-E840-4AFF-B602-C4F3A3844CC0}">
-      <dgm:prSet/>
-      <dgm:spPr/>
-      <dgm:t>
-        <a:bodyPr rtlCol="0"/>
-        <a:lstStyle/>
-        <a:p>
-          <a:pPr rtl="0"/>
-          <a:endParaRPr lang="en-US"/>
-        </a:p>
-      </dgm:t>
-    </dgm:pt>
-    <dgm:pt modelId="{52C59E2E-30E9-45A1-A2DB-B56219AA5D23}">
-      <dgm:prSet phldrT="[Text]"/>
-      <dgm:spPr/>
-      <dgm:t>
-        <a:bodyPr rtlCol="0"/>
-        <a:lstStyle/>
-        <a:p>
-          <a:pPr rtl="0"/>
-          <a:r>
-            <a:rPr lang="zh-CN">
-              <a:latin typeface="宋体" panose="02010600030101010101" pitchFamily="2" charset="-122"/>
-              <a:ea typeface="宋体" panose="02010600030101010101" pitchFamily="2" charset="-122"/>
-            </a:rPr>
-            <a:t>组 C</a:t>
-          </a:r>
-        </a:p>
-      </dgm:t>
-      <dgm:extLst>
-        <a:ext uri="{E40237B7-FDA0-4F09-8148-C483321AD2D9}">
-          <dgm14:cNvPr xmlns:dgm14="http://schemas.microsoft.com/office/drawing/2010/diagram" id="0" name="" title="Group C"/>
-        </a:ext>
-      </dgm:extLst>
-    </dgm:pt>
-    <dgm:pt modelId="{8E439CEF-6BC2-43D4-A93F-DA8490341D46}" type="parTrans" cxnId="{D97B6FBA-E602-4236-BD00-95D5F8708F52}">
-      <dgm:prSet/>
-      <dgm:spPr/>
-      <dgm:t>
-        <a:bodyPr rtlCol="0"/>
-        <a:lstStyle/>
-        <a:p>
-          <a:pPr rtl="0"/>
-          <a:endParaRPr lang="en-US"/>
-        </a:p>
-      </dgm:t>
-    </dgm:pt>
-    <dgm:pt modelId="{F39575F8-5912-4830-B03F-ECBE8EE9EE03}" type="sibTrans" cxnId="{D97B6FBA-E602-4236-BD00-95D5F8708F52}">
-      <dgm:prSet/>
-      <dgm:spPr/>
-      <dgm:t>
-        <a:bodyPr rtlCol="0"/>
-        <a:lstStyle/>
-        <a:p>
-          <a:pPr rtl="0"/>
-          <a:endParaRPr lang="en-US"/>
-        </a:p>
-      </dgm:t>
-    </dgm:pt>
-    <dgm:pt modelId="{6D62B7E6-A7B7-474F-B145-0ABFE7C798BD}">
-      <dgm:prSet phldrT="[Text]"/>
-      <dgm:spPr/>
-      <dgm:t>
-        <a:bodyPr rtlCol="0"/>
-        <a:lstStyle/>
-        <a:p>
-          <a:pPr rtl="0"/>
-          <a:r>
-            <a:rPr lang="zh-CN">
-              <a:latin typeface="宋体" panose="02010600030101010101" pitchFamily="2" charset="-122"/>
-              <a:ea typeface="宋体" panose="02010600030101010101" pitchFamily="2" charset="-122"/>
-            </a:rPr>
-            <a:t>组 D</a:t>
-          </a:r>
-        </a:p>
-      </dgm:t>
-      <dgm:extLst>
-        <a:ext uri="{E40237B7-FDA0-4F09-8148-C483321AD2D9}">
-          <dgm14:cNvPr xmlns:dgm14="http://schemas.microsoft.com/office/drawing/2010/diagram" id="0" name="" title="Group D"/>
-        </a:ext>
-      </dgm:extLst>
-    </dgm:pt>
-    <dgm:pt modelId="{7F511E78-494F-4CB3-BAFB-7289787ECC3D}" type="parTrans" cxnId="{6CF9C0DB-996D-40CB-A9CF-8BA6E74C1E3F}">
-      <dgm:prSet/>
-      <dgm:spPr/>
-      <dgm:t>
-        <a:bodyPr rtlCol="0"/>
-        <a:lstStyle/>
-        <a:p>
-          <a:pPr rtl="0"/>
-          <a:endParaRPr lang="en-US"/>
-        </a:p>
-      </dgm:t>
-    </dgm:pt>
-    <dgm:pt modelId="{8BF8ECB4-4667-4B36-A63D-886D2F45FE49}" type="sibTrans" cxnId="{6CF9C0DB-996D-40CB-A9CF-8BA6E74C1E3F}">
-      <dgm:prSet/>
-      <dgm:spPr/>
-      <dgm:t>
-        <a:bodyPr rtlCol="0"/>
-        <a:lstStyle/>
-        <a:p>
-          <a:pPr rtl="0"/>
-          <a:endParaRPr lang="en-US"/>
-        </a:p>
-      </dgm:t>
-    </dgm:pt>
-    <dgm:pt modelId="{8B586D5B-1BA8-4794-842B-98B691C3928B}" type="pres">
-      <dgm:prSet presAssocID="{C7791974-9F08-42C6-B4F2-02B9136A72C7}" presName="compositeShape" presStyleCnt="0">
-        <dgm:presLayoutVars>
-          <dgm:chMax val="9"/>
-          <dgm:dir/>
-          <dgm:resizeHandles val="exact"/>
-        </dgm:presLayoutVars>
-      </dgm:prSet>
-      <dgm:spPr/>
-      <dgm:t>
-        <a:bodyPr rtlCol="0"/>
-        <a:lstStyle/>
-        <a:p>
-          <a:pPr rtl="0"/>
-          <a:endParaRPr lang="en-US"/>
-        </a:p>
-      </dgm:t>
-    </dgm:pt>
-    <dgm:pt modelId="{E9D1B414-4301-4553-9DAF-ACE9902D6950}" type="pres">
-      <dgm:prSet presAssocID="{C7791974-9F08-42C6-B4F2-02B9136A72C7}" presName="triangle1" presStyleLbl="node1" presStyleIdx="0" presStyleCnt="4">
-        <dgm:presLayoutVars>
-          <dgm:bulletEnabled val="1"/>
-        </dgm:presLayoutVars>
-      </dgm:prSet>
-      <dgm:spPr/>
-      <dgm:t>
-        <a:bodyPr rtlCol="0"/>
-        <a:lstStyle/>
-        <a:p>
-          <a:pPr rtl="0"/>
-          <a:endParaRPr lang="en-US"/>
-        </a:p>
-      </dgm:t>
-    </dgm:pt>
-    <dgm:pt modelId="{45B33EA1-8640-46B4-88FF-887F47189AD6}" type="pres">
-      <dgm:prSet presAssocID="{C7791974-9F08-42C6-B4F2-02B9136A72C7}" presName="triangle2" presStyleLbl="node1" presStyleIdx="1" presStyleCnt="4">
-        <dgm:presLayoutVars>
-          <dgm:bulletEnabled val="1"/>
-        </dgm:presLayoutVars>
-      </dgm:prSet>
-      <dgm:spPr/>
-      <dgm:t>
-        <a:bodyPr rtlCol="0"/>
-        <a:lstStyle/>
-        <a:p>
-          <a:pPr rtl="0"/>
-          <a:endParaRPr lang="en-US"/>
-        </a:p>
-      </dgm:t>
-    </dgm:pt>
-    <dgm:pt modelId="{5CE8AFD8-8F11-477A-AD8A-938650EC8062}" type="pres">
-      <dgm:prSet presAssocID="{C7791974-9F08-42C6-B4F2-02B9136A72C7}" presName="triangle3" presStyleLbl="node1" presStyleIdx="2" presStyleCnt="4">
-        <dgm:presLayoutVars>
-          <dgm:bulletEnabled val="1"/>
-        </dgm:presLayoutVars>
-      </dgm:prSet>
-      <dgm:spPr/>
-      <dgm:t>
-        <a:bodyPr rtlCol="0"/>
-        <a:lstStyle/>
-        <a:p>
-          <a:pPr rtl="0"/>
-          <a:endParaRPr lang="en-US"/>
-        </a:p>
-      </dgm:t>
-    </dgm:pt>
-    <dgm:pt modelId="{8A34865A-29F3-4612-BD60-25517D3937BB}" type="pres">
-      <dgm:prSet presAssocID="{C7791974-9F08-42C6-B4F2-02B9136A72C7}" presName="triangle4" presStyleLbl="node1" presStyleIdx="3" presStyleCnt="4">
-        <dgm:presLayoutVars>
-          <dgm:bulletEnabled val="1"/>
-        </dgm:presLayoutVars>
-      </dgm:prSet>
-      <dgm:spPr/>
-      <dgm:t>
-        <a:bodyPr rtlCol="0"/>
-        <a:lstStyle/>
-        <a:p>
-          <a:pPr rtl="0"/>
-          <a:endParaRPr lang="en-US"/>
-        </a:p>
-      </dgm:t>
-    </dgm:pt>
-  </dgm:ptLst>
-  <dgm:cxnLst>
-    <dgm:cxn modelId="{52D03CF9-CE53-4002-AAED-817FBB395399}" type="presOf" srcId="{6D62B7E6-A7B7-474F-B145-0ABFE7C798BD}" destId="{8A34865A-29F3-4612-BD60-25517D3937BB}" srcOrd="0" destOrd="0" presId="urn:microsoft.com/office/officeart/2005/8/layout/pyramid4"/>
-    <dgm:cxn modelId="{35C3B619-E840-4AFF-B602-C4F3A3844CC0}" srcId="{C7791974-9F08-42C6-B4F2-02B9136A72C7}" destId="{E94ADD85-26B8-44AF-BE89-A44A734EC3B8}" srcOrd="1" destOrd="0" parTransId="{80CC2F95-912D-4EB2-A7A7-15A75A534300}" sibTransId="{BD64D4FA-33E1-4A93-8ABA-E777D7BBB411}"/>
-    <dgm:cxn modelId="{66525AC0-026F-4425-88AE-E23ED4309766}" type="presOf" srcId="{BC6FFA61-6A5E-4A07-B0CD-657A6016A538}" destId="{E9D1B414-4301-4553-9DAF-ACE9902D6950}" srcOrd="0" destOrd="0" presId="urn:microsoft.com/office/officeart/2005/8/layout/pyramid4"/>
-    <dgm:cxn modelId="{AC459E9A-72C9-4B2D-BD11-0C2A00A7B9B1}" type="presOf" srcId="{52C59E2E-30E9-45A1-A2DB-B56219AA5D23}" destId="{5CE8AFD8-8F11-477A-AD8A-938650EC8062}" srcOrd="0" destOrd="0" presId="urn:microsoft.com/office/officeart/2005/8/layout/pyramid4"/>
-    <dgm:cxn modelId="{144421FE-CAF2-4745-BAE1-6B88FC778DDF}" srcId="{C7791974-9F08-42C6-B4F2-02B9136A72C7}" destId="{BC6FFA61-6A5E-4A07-B0CD-657A6016A538}" srcOrd="0" destOrd="0" parTransId="{BE5D8AB6-D1DC-4693-9520-9749A9B2666C}" sibTransId="{716E4D6C-03E8-4365-AF21-1602BE3722FD}"/>
-    <dgm:cxn modelId="{6CF9C0DB-996D-40CB-A9CF-8BA6E74C1E3F}" srcId="{C7791974-9F08-42C6-B4F2-02B9136A72C7}" destId="{6D62B7E6-A7B7-474F-B145-0ABFE7C798BD}" srcOrd="3" destOrd="0" parTransId="{7F511E78-494F-4CB3-BAFB-7289787ECC3D}" sibTransId="{8BF8ECB4-4667-4B36-A63D-886D2F45FE49}"/>
-    <dgm:cxn modelId="{473EA6C5-136B-4679-87CE-C41929DF0AE3}" type="presOf" srcId="{C7791974-9F08-42C6-B4F2-02B9136A72C7}" destId="{8B586D5B-1BA8-4794-842B-98B691C3928B}" srcOrd="0" destOrd="0" presId="urn:microsoft.com/office/officeart/2005/8/layout/pyramid4"/>
-    <dgm:cxn modelId="{E5829CA1-E3DF-403B-A4F0-C810B6B2FE11}" type="presOf" srcId="{E94ADD85-26B8-44AF-BE89-A44A734EC3B8}" destId="{45B33EA1-8640-46B4-88FF-887F47189AD6}" srcOrd="0" destOrd="0" presId="urn:microsoft.com/office/officeart/2005/8/layout/pyramid4"/>
-    <dgm:cxn modelId="{D97B6FBA-E602-4236-BD00-95D5F8708F52}" srcId="{C7791974-9F08-42C6-B4F2-02B9136A72C7}" destId="{52C59E2E-30E9-45A1-A2DB-B56219AA5D23}" srcOrd="2" destOrd="0" parTransId="{8E439CEF-6BC2-43D4-A93F-DA8490341D46}" sibTransId="{F39575F8-5912-4830-B03F-ECBE8EE9EE03}"/>
-    <dgm:cxn modelId="{96F84AC1-A349-4449-BA3C-6D0D2B0ECE6F}" type="presParOf" srcId="{8B586D5B-1BA8-4794-842B-98B691C3928B}" destId="{E9D1B414-4301-4553-9DAF-ACE9902D6950}" srcOrd="0" destOrd="0" presId="urn:microsoft.com/office/officeart/2005/8/layout/pyramid4"/>
-    <dgm:cxn modelId="{CC037F8F-28AA-4119-B60B-10D92FA24C1B}" type="presParOf" srcId="{8B586D5B-1BA8-4794-842B-98B691C3928B}" destId="{45B33EA1-8640-46B4-88FF-887F47189AD6}" srcOrd="1" destOrd="0" presId="urn:microsoft.com/office/officeart/2005/8/layout/pyramid4"/>
-    <dgm:cxn modelId="{52221294-4AAA-4926-A25D-AD4C892F6D0D}" type="presParOf" srcId="{8B586D5B-1BA8-4794-842B-98B691C3928B}" destId="{5CE8AFD8-8F11-477A-AD8A-938650EC8062}" srcOrd="2" destOrd="0" presId="urn:microsoft.com/office/officeart/2005/8/layout/pyramid4"/>
-    <dgm:cxn modelId="{AC8B59DA-FAD5-49CC-B167-BE68D60CC8D4}" type="presParOf" srcId="{8B586D5B-1BA8-4794-842B-98B691C3928B}" destId="{8A34865A-29F3-4612-BD60-25517D3937BB}" srcOrd="3" destOrd="0" presId="urn:microsoft.com/office/officeart/2005/8/layout/pyramid4"/>
-  </dgm:cxnLst>
-  <dgm:bg/>
-  <dgm:whole/>
-  <dgm:extLst>
-    <a:ext uri="http://schemas.microsoft.com/office/drawing/2008/diagram">
-      <dsp:dataModelExt xmlns:dsp="http://schemas.microsoft.com/office/drawing/2008/diagram" relId="rId7" minVer="http://schemas.openxmlformats.org/drawingml/2006/diagram"/>
-    </a:ext>
-  </dgm:extLst>
-</dgm:dataModel>
-</file>
-
-<file path=ppt/diagrams/drawing1.xml><?xml version="1.0" encoding="utf-8"?>
-<dsp:drawing xmlns:dgm="http://schemas.openxmlformats.org/drawingml/2006/diagram" xmlns:dsp="http://schemas.microsoft.com/office/drawing/2008/diagram" xmlns:a="http://schemas.openxmlformats.org/drawingml/2006/main">
-  <dsp:spTree>
-    <dsp:nvGrpSpPr>
-      <dsp:cNvPr id="0" name=""/>
-      <dsp:cNvGrpSpPr/>
-    </dsp:nvGrpSpPr>
-    <dsp:grpSpPr/>
-    <dsp:sp modelId="{E9D1B414-4301-4553-9DAF-ACE9902D6950}">
-      <dsp:nvSpPr>
-        <dsp:cNvPr id="0" name=""/>
-        <dsp:cNvSpPr/>
-      </dsp:nvSpPr>
-      <dsp:spPr>
-        <a:xfrm>
-          <a:off x="1332706" y="0"/>
-          <a:ext cx="2058987" cy="2058987"/>
-        </a:xfrm>
-        <a:prstGeom prst="triangle">
-          <a:avLst/>
-        </a:prstGeom>
-        <a:gradFill rotWithShape="0">
-          <a:gsLst>
-            <a:gs pos="0">
-              <a:schemeClr val="accent1">
-                <a:hueOff val="0"/>
-                <a:satOff val="0"/>
-                <a:lumOff val="0"/>
-                <a:alphaOff val="0"/>
-                <a:satMod val="103000"/>
-                <a:lumMod val="102000"/>
-                <a:tint val="94000"/>
-              </a:schemeClr>
-            </a:gs>
-            <a:gs pos="50000">
-              <a:schemeClr val="accent1">
-                <a:hueOff val="0"/>
-                <a:satOff val="0"/>
-                <a:lumOff val="0"/>
-                <a:alphaOff val="0"/>
-                <a:satMod val="110000"/>
-                <a:lumMod val="100000"/>
-                <a:shade val="100000"/>
-              </a:schemeClr>
-            </a:gs>
-            <a:gs pos="100000">
-              <a:schemeClr val="accent1">
-                <a:hueOff val="0"/>
-                <a:satOff val="0"/>
-                <a:lumOff val="0"/>
-                <a:alphaOff val="0"/>
-                <a:lumMod val="99000"/>
-                <a:satMod val="120000"/>
-                <a:shade val="78000"/>
-              </a:schemeClr>
-            </a:gs>
-          </a:gsLst>
-          <a:lin ang="5400000" scaled="0"/>
-        </a:gradFill>
-        <a:ln>
-          <a:noFill/>
-        </a:ln>
-        <a:effectLst>
-          <a:outerShdw blurRad="57150" dist="19050" dir="5400000" algn="ctr" rotWithShape="0">
-            <a:srgbClr val="000000">
-              <a:alpha val="63000"/>
-            </a:srgbClr>
-          </a:outerShdw>
-        </a:effectLst>
-      </dsp:spPr>
-      <dsp:style>
-        <a:lnRef idx="0">
-          <a:scrgbClr r="0" g="0" b="0"/>
-        </a:lnRef>
-        <a:fillRef idx="3">
-          <a:scrgbClr r="0" g="0" b="0"/>
-        </a:fillRef>
-        <a:effectRef idx="3">
-          <a:scrgbClr r="0" g="0" b="0"/>
-        </a:effectRef>
-        <a:fontRef idx="minor">
-          <a:schemeClr val="lt1"/>
-        </a:fontRef>
-      </dsp:style>
-      <dsp:txBody>
-        <a:bodyPr spcFirstLastPara="0" vert="horz" wrap="square" lIns="118110" tIns="118110" rIns="118110" bIns="118110" numCol="1" spcCol="1270" rtlCol="0" anchor="ctr" anchorCtr="0">
-          <a:noAutofit/>
-        </a:bodyPr>
-        <a:lstStyle/>
-        <a:p>
-          <a:pPr lvl="0" algn="ctr" defTabSz="1377950" rtl="0">
-            <a:lnSpc>
-              <a:spcPct val="90000"/>
-            </a:lnSpc>
-            <a:spcBef>
-              <a:spcPct val="0"/>
-            </a:spcBef>
-            <a:spcAft>
-              <a:spcPct val="35000"/>
-            </a:spcAft>
-          </a:pPr>
-          <a:r>
-            <a:rPr lang="zh-CN" sz="3100" kern="1200" dirty="0">
-              <a:latin typeface="宋体" panose="02010600030101010101" pitchFamily="2" charset="-122"/>
-              <a:ea typeface="宋体" panose="02010600030101010101" pitchFamily="2" charset="-122"/>
-            </a:rPr>
-            <a:t>组 A</a:t>
-          </a:r>
-        </a:p>
-      </dsp:txBody>
-      <dsp:txXfrm>
-        <a:off x="1847453" y="1029494"/>
-        <a:ext cx="1029493" cy="1029493"/>
-      </dsp:txXfrm>
-    </dsp:sp>
-    <dsp:sp modelId="{45B33EA1-8640-46B4-88FF-887F47189AD6}">
-      <dsp:nvSpPr>
-        <dsp:cNvPr id="0" name=""/>
-        <dsp:cNvSpPr/>
-      </dsp:nvSpPr>
-      <dsp:spPr>
-        <a:xfrm>
-          <a:off x="303212" y="2058987"/>
-          <a:ext cx="2058987" cy="2058987"/>
-        </a:xfrm>
-        <a:prstGeom prst="triangle">
-          <a:avLst/>
-        </a:prstGeom>
-        <a:gradFill rotWithShape="0">
-          <a:gsLst>
-            <a:gs pos="0">
-              <a:schemeClr val="accent1">
-                <a:hueOff val="0"/>
-                <a:satOff val="0"/>
-                <a:lumOff val="0"/>
-                <a:alphaOff val="0"/>
-                <a:satMod val="103000"/>
-                <a:lumMod val="102000"/>
-                <a:tint val="94000"/>
-              </a:schemeClr>
-            </a:gs>
-            <a:gs pos="50000">
-              <a:schemeClr val="accent1">
-                <a:hueOff val="0"/>
-                <a:satOff val="0"/>
-                <a:lumOff val="0"/>
-                <a:alphaOff val="0"/>
-                <a:satMod val="110000"/>
-                <a:lumMod val="100000"/>
-                <a:shade val="100000"/>
-              </a:schemeClr>
-            </a:gs>
-            <a:gs pos="100000">
-              <a:schemeClr val="accent1">
-                <a:hueOff val="0"/>
-                <a:satOff val="0"/>
-                <a:lumOff val="0"/>
-                <a:alphaOff val="0"/>
-                <a:lumMod val="99000"/>
-                <a:satMod val="120000"/>
-                <a:shade val="78000"/>
-              </a:schemeClr>
-            </a:gs>
-          </a:gsLst>
-          <a:lin ang="5400000" scaled="0"/>
-        </a:gradFill>
-        <a:ln>
-          <a:noFill/>
-        </a:ln>
-        <a:effectLst>
-          <a:outerShdw blurRad="57150" dist="19050" dir="5400000" algn="ctr" rotWithShape="0">
-            <a:srgbClr val="000000">
-              <a:alpha val="63000"/>
-            </a:srgbClr>
-          </a:outerShdw>
-        </a:effectLst>
-      </dsp:spPr>
-      <dsp:style>
-        <a:lnRef idx="0">
-          <a:scrgbClr r="0" g="0" b="0"/>
-        </a:lnRef>
-        <a:fillRef idx="3">
-          <a:scrgbClr r="0" g="0" b="0"/>
-        </a:fillRef>
-        <a:effectRef idx="3">
-          <a:scrgbClr r="0" g="0" b="0"/>
-        </a:effectRef>
-        <a:fontRef idx="minor">
-          <a:schemeClr val="lt1"/>
-        </a:fontRef>
-      </dsp:style>
-      <dsp:txBody>
-        <a:bodyPr spcFirstLastPara="0" vert="horz" wrap="square" lIns="118110" tIns="118110" rIns="118110" bIns="118110" numCol="1" spcCol="1270" rtlCol="0" anchor="ctr" anchorCtr="0">
-          <a:noAutofit/>
-        </a:bodyPr>
-        <a:lstStyle/>
-        <a:p>
-          <a:pPr lvl="0" algn="ctr" defTabSz="1377950" rtl="0">
-            <a:lnSpc>
-              <a:spcPct val="90000"/>
-            </a:lnSpc>
-            <a:spcBef>
-              <a:spcPct val="0"/>
-            </a:spcBef>
-            <a:spcAft>
-              <a:spcPct val="35000"/>
-            </a:spcAft>
-          </a:pPr>
-          <a:r>
-            <a:rPr lang="zh-CN" sz="3100" kern="1200">
-              <a:latin typeface="宋体" panose="02010600030101010101" pitchFamily="2" charset="-122"/>
-              <a:ea typeface="宋体" panose="02010600030101010101" pitchFamily="2" charset="-122"/>
-            </a:rPr>
-            <a:t>组 B</a:t>
-          </a:r>
-        </a:p>
-      </dsp:txBody>
-      <dsp:txXfrm>
-        <a:off x="817959" y="3088481"/>
-        <a:ext cx="1029493" cy="1029493"/>
-      </dsp:txXfrm>
-    </dsp:sp>
-    <dsp:sp modelId="{5CE8AFD8-8F11-477A-AD8A-938650EC8062}">
-      <dsp:nvSpPr>
-        <dsp:cNvPr id="0" name=""/>
-        <dsp:cNvSpPr/>
-      </dsp:nvSpPr>
-      <dsp:spPr>
-        <a:xfrm rot="10800000">
-          <a:off x="1332706" y="2058987"/>
-          <a:ext cx="2058987" cy="2058987"/>
-        </a:xfrm>
-        <a:prstGeom prst="triangle">
-          <a:avLst/>
-        </a:prstGeom>
-        <a:gradFill rotWithShape="0">
-          <a:gsLst>
-            <a:gs pos="0">
-              <a:schemeClr val="accent1">
-                <a:hueOff val="0"/>
-                <a:satOff val="0"/>
-                <a:lumOff val="0"/>
-                <a:alphaOff val="0"/>
-                <a:satMod val="103000"/>
-                <a:lumMod val="102000"/>
-                <a:tint val="94000"/>
-              </a:schemeClr>
-            </a:gs>
-            <a:gs pos="50000">
-              <a:schemeClr val="accent1">
-                <a:hueOff val="0"/>
-                <a:satOff val="0"/>
-                <a:lumOff val="0"/>
-                <a:alphaOff val="0"/>
-                <a:satMod val="110000"/>
-                <a:lumMod val="100000"/>
-                <a:shade val="100000"/>
-              </a:schemeClr>
-            </a:gs>
-            <a:gs pos="100000">
-              <a:schemeClr val="accent1">
-                <a:hueOff val="0"/>
-                <a:satOff val="0"/>
-                <a:lumOff val="0"/>
-                <a:alphaOff val="0"/>
-                <a:lumMod val="99000"/>
-                <a:satMod val="120000"/>
-                <a:shade val="78000"/>
-              </a:schemeClr>
-            </a:gs>
-          </a:gsLst>
-          <a:lin ang="5400000" scaled="0"/>
-        </a:gradFill>
-        <a:ln>
-          <a:noFill/>
-        </a:ln>
-        <a:effectLst>
-          <a:outerShdw blurRad="57150" dist="19050" dir="5400000" algn="ctr" rotWithShape="0">
-            <a:srgbClr val="000000">
-              <a:alpha val="63000"/>
-            </a:srgbClr>
-          </a:outerShdw>
-        </a:effectLst>
-      </dsp:spPr>
-      <dsp:style>
-        <a:lnRef idx="0">
-          <a:scrgbClr r="0" g="0" b="0"/>
-        </a:lnRef>
-        <a:fillRef idx="3">
-          <a:scrgbClr r="0" g="0" b="0"/>
-        </a:fillRef>
-        <a:effectRef idx="3">
-          <a:scrgbClr r="0" g="0" b="0"/>
-        </a:effectRef>
-        <a:fontRef idx="minor">
-          <a:schemeClr val="lt1"/>
-        </a:fontRef>
-      </dsp:style>
-      <dsp:txBody>
-        <a:bodyPr spcFirstLastPara="0" vert="horz" wrap="square" lIns="118110" tIns="118110" rIns="118110" bIns="118110" numCol="1" spcCol="1270" rtlCol="0" anchor="ctr" anchorCtr="0">
-          <a:noAutofit/>
-        </a:bodyPr>
-        <a:lstStyle/>
-        <a:p>
-          <a:pPr lvl="0" algn="ctr" defTabSz="1377950" rtl="0">
-            <a:lnSpc>
-              <a:spcPct val="90000"/>
-            </a:lnSpc>
-            <a:spcBef>
-              <a:spcPct val="0"/>
-            </a:spcBef>
-            <a:spcAft>
-              <a:spcPct val="35000"/>
-            </a:spcAft>
-          </a:pPr>
-          <a:r>
-            <a:rPr lang="zh-CN" sz="3100" kern="1200">
-              <a:latin typeface="宋体" panose="02010600030101010101" pitchFamily="2" charset="-122"/>
-              <a:ea typeface="宋体" panose="02010600030101010101" pitchFamily="2" charset="-122"/>
-            </a:rPr>
-            <a:t>组 C</a:t>
-          </a:r>
-        </a:p>
-      </dsp:txBody>
-      <dsp:txXfrm rot="10800000">
-        <a:off x="1847453" y="2058987"/>
-        <a:ext cx="1029493" cy="1029493"/>
-      </dsp:txXfrm>
-    </dsp:sp>
-    <dsp:sp modelId="{8A34865A-29F3-4612-BD60-25517D3937BB}">
-      <dsp:nvSpPr>
-        <dsp:cNvPr id="0" name=""/>
-        <dsp:cNvSpPr/>
-      </dsp:nvSpPr>
-      <dsp:spPr>
-        <a:xfrm>
-          <a:off x="2362199" y="2058987"/>
-          <a:ext cx="2058987" cy="2058987"/>
-        </a:xfrm>
-        <a:prstGeom prst="triangle">
-          <a:avLst/>
-        </a:prstGeom>
-        <a:gradFill rotWithShape="0">
-          <a:gsLst>
-            <a:gs pos="0">
-              <a:schemeClr val="accent1">
-                <a:hueOff val="0"/>
-                <a:satOff val="0"/>
-                <a:lumOff val="0"/>
-                <a:alphaOff val="0"/>
-                <a:satMod val="103000"/>
-                <a:lumMod val="102000"/>
-                <a:tint val="94000"/>
-              </a:schemeClr>
-            </a:gs>
-            <a:gs pos="50000">
-              <a:schemeClr val="accent1">
-                <a:hueOff val="0"/>
-                <a:satOff val="0"/>
-                <a:lumOff val="0"/>
-                <a:alphaOff val="0"/>
-                <a:satMod val="110000"/>
-                <a:lumMod val="100000"/>
-                <a:shade val="100000"/>
-              </a:schemeClr>
-            </a:gs>
-            <a:gs pos="100000">
-              <a:schemeClr val="accent1">
-                <a:hueOff val="0"/>
-                <a:satOff val="0"/>
-                <a:lumOff val="0"/>
-                <a:alphaOff val="0"/>
-                <a:lumMod val="99000"/>
-                <a:satMod val="120000"/>
-                <a:shade val="78000"/>
-              </a:schemeClr>
-            </a:gs>
-          </a:gsLst>
-          <a:lin ang="5400000" scaled="0"/>
-        </a:gradFill>
-        <a:ln>
-          <a:noFill/>
-        </a:ln>
-        <a:effectLst>
-          <a:outerShdw blurRad="57150" dist="19050" dir="5400000" algn="ctr" rotWithShape="0">
-            <a:srgbClr val="000000">
-              <a:alpha val="63000"/>
-            </a:srgbClr>
-          </a:outerShdw>
-        </a:effectLst>
-      </dsp:spPr>
-      <dsp:style>
-        <a:lnRef idx="0">
-          <a:scrgbClr r="0" g="0" b="0"/>
-        </a:lnRef>
-        <a:fillRef idx="3">
-          <a:scrgbClr r="0" g="0" b="0"/>
-        </a:fillRef>
-        <a:effectRef idx="3">
-          <a:scrgbClr r="0" g="0" b="0"/>
-        </a:effectRef>
-        <a:fontRef idx="minor">
-          <a:schemeClr val="lt1"/>
-        </a:fontRef>
-      </dsp:style>
-      <dsp:txBody>
-        <a:bodyPr spcFirstLastPara="0" vert="horz" wrap="square" lIns="118110" tIns="118110" rIns="118110" bIns="118110" numCol="1" spcCol="1270" rtlCol="0" anchor="ctr" anchorCtr="0">
-          <a:noAutofit/>
-        </a:bodyPr>
-        <a:lstStyle/>
-        <a:p>
-          <a:pPr lvl="0" algn="ctr" defTabSz="1377950" rtl="0">
-            <a:lnSpc>
-              <a:spcPct val="90000"/>
-            </a:lnSpc>
-            <a:spcBef>
-              <a:spcPct val="0"/>
-            </a:spcBef>
-            <a:spcAft>
-              <a:spcPct val="35000"/>
-            </a:spcAft>
-          </a:pPr>
-          <a:r>
-            <a:rPr lang="zh-CN" sz="3100" kern="1200">
-              <a:latin typeface="宋体" panose="02010600030101010101" pitchFamily="2" charset="-122"/>
-              <a:ea typeface="宋体" panose="02010600030101010101" pitchFamily="2" charset="-122"/>
-            </a:rPr>
-            <a:t>组 D</a:t>
-          </a:r>
-        </a:p>
-      </dsp:txBody>
-      <dsp:txXfrm>
-        <a:off x="2876946" y="3088481"/>
-        <a:ext cx="1029493" cy="1029493"/>
-      </dsp:txXfrm>
-    </dsp:sp>
-  </dsp:spTree>
-</dsp:drawing>
-</file>
-
-<file path=ppt/diagrams/layout1.xml><?xml version="1.0" encoding="utf-8"?>
-<dgm:layoutDef xmlns:dgm="http://schemas.openxmlformats.org/drawingml/2006/diagram" xmlns:a="http://schemas.openxmlformats.org/drawingml/2006/main" uniqueId="urn:microsoft.com/office/officeart/2005/8/layout/pyramid4">
-  <dgm:title val=""/>
-  <dgm:desc val=""/>
-  <dgm:catLst>
-    <dgm:cat type="pyramid" pri="4000"/>
-    <dgm:cat type="relationship" pri="9000"/>
-  </dgm:catLst>
-  <dgm:sampData>
-    <dgm:dataModel>
-      <dgm:ptLst>
-        <dgm:pt modelId="0" type="doc"/>
-        <dgm:pt modelId="1">
-          <dgm:prSet phldr="1"/>
-        </dgm:pt>
-        <dgm:pt modelId="2">
-          <dgm:prSet phldr="1"/>
-        </dgm:pt>
-        <dgm:pt modelId="3">
-          <dgm:prSet phldr="1"/>
-        </dgm:pt>
-        <dgm:pt modelId="4">
-          <dgm:prSet phldr="1"/>
-        </dgm:pt>
-      </dgm:ptLst>
-      <dgm:cxnLst>
-        <dgm:cxn modelId="5" srcId="0" destId="1" srcOrd="0" destOrd="0"/>
-        <dgm:cxn modelId="6" srcId="0" destId="2" srcOrd="1" destOrd="0"/>
-        <dgm:cxn modelId="7" srcId="0" destId="3" srcOrd="2" destOrd="0"/>
-        <dgm:cxn modelId="8" srcId="0" destId="4" srcOrd="3" destOrd="0"/>
-      </dgm:cxnLst>
-      <dgm:bg/>
-      <dgm:whole/>
-    </dgm:dataModel>
-  </dgm:sampData>
-  <dgm:styleData useDef="1">
-    <dgm:dataModel>
-      <dgm:ptLst/>
-      <dgm:bg/>
-      <dgm:whole/>
-    </dgm:dataModel>
-  </dgm:styleData>
-  <dgm:clrData useDef="1">
-    <dgm:dataModel>
-      <dgm:ptLst/>
-      <dgm:bg/>
-      <dgm:whole/>
-    </dgm:dataModel>
-  </dgm:clrData>
-  <dgm:layoutNode name="compositeShape">
-    <dgm:varLst>
-      <dgm:chMax val="9"/>
-      <dgm:dir/>
-      <dgm:resizeHandles val="exact"/>
-    </dgm:varLst>
-    <dgm:alg type="composite">
-      <dgm:param type="ar" val="1"/>
-    </dgm:alg>
-    <dgm:shape xmlns:r="http://schemas.openxmlformats.org/officeDocument/2006/relationships" r:blip="">
-      <dgm:adjLst/>
-    </dgm:shape>
-    <dgm:presOf/>
-    <dgm:choose name="Name0">
-      <dgm:if name="Name1" axis="ch" ptType="node" func="cnt" op="lte" val="4">
-        <dgm:choose name="Name2">
-          <dgm:if name="Name3" axis="ch" ptType="node" func="cnt" op="equ" val="1">
-            <dgm:constrLst>
-              <dgm:constr type="primFontSz" for="ch" ptType="node" op="equ" val="65"/>
-              <dgm:constr type="t" for="ch" forName="triangle1"/>
-              <dgm:constr type="l" for="ch" forName="triangle1"/>
-              <dgm:constr type="h" for="ch" forName="triangle1" refType="h"/>
-              <dgm:constr type="w" for="ch" forName="triangle1" refType="h"/>
-            </dgm:constrLst>
-          </dgm:if>
-          <dgm:else name="Name4">
-            <dgm:constrLst>
-              <dgm:constr type="primFontSz" for="ch" ptType="node" op="equ" val="65"/>
-              <dgm:constr type="t" for="ch" forName="triangle1"/>
-              <dgm:constr type="l" for="ch" forName="triangle1" refType="h" fact="0.25"/>
-              <dgm:constr type="h" for="ch" forName="triangle1" refType="h" fact="0.5"/>
-              <dgm:constr type="w" for="ch" forName="triangle1" refType="h" fact="0.5"/>
-              <dgm:constr type="t" for="ch" forName="triangle2" refType="h" fact="0.5"/>
-              <dgm:constr type="l" for="ch" forName="triangle2"/>
-              <dgm:constr type="h" for="ch" forName="triangle2" refType="h" fact="0.5"/>
-              <dgm:constr type="w" for="ch" forName="triangle2" refType="h" fact="0.5"/>
-              <dgm:constr type="t" for="ch" forName="triangle3" refType="h" fact="0.5"/>
-              <dgm:constr type="l" for="ch" forName="triangle3" refType="h" fact="0.25"/>
-              <dgm:constr type="h" for="ch" forName="triangle3" refType="h" fact="0.5"/>
-              <dgm:constr type="w" for="ch" forName="triangle3" refType="h" fact="0.5"/>
-              <dgm:constr type="t" for="ch" forName="triangle4" refType="h" fact="0.5"/>
-              <dgm:constr type="l" for="ch" forName="triangle4" refType="h" fact="0.5"/>
-              <dgm:constr type="h" for="ch" forName="triangle4" refType="h" fact="0.5"/>
-              <dgm:constr type="w" for="ch" forName="triangle4" refType="h" fact="0.5"/>
-            </dgm:constrLst>
-          </dgm:else>
-        </dgm:choose>
-      </dgm:if>
-      <dgm:else name="Name5">
-        <dgm:constrLst>
-          <dgm:constr type="primFontSz" for="ch" ptType="node" op="equ" val="65"/>
-          <dgm:constr type="t" for="ch" forName="triangle1"/>
-          <dgm:constr type="l" for="ch" forName="triangle1" refType="h" fact="0.33"/>
-          <dgm:constr type="h" for="ch" forName="triangle1" refType="h" fact="0.33"/>
-          <dgm:constr type="w" for="ch" forName="triangle1" refType="h" fact="0.33"/>
-          <dgm:constr type="t" for="ch" forName="triangle2" refType="h" fact="0.33"/>
-          <dgm:constr type="l" for="ch" forName="triangle2" refType="h" fact="0.165"/>
-          <dgm:constr type="h" for="ch" forName="triangle2" refType="h" fact="0.33"/>
-          <dgm:constr type="w" for="ch" forName="triangle2" refType="h" fact="0.33"/>
-          <dgm:constr type="t" for="ch" forName="triangle3" refType="h" fact="0.33"/>
-          <dgm:constr type="l" for="ch" forName="triangle3" refType="h" fact="0.33"/>
-          <dgm:constr type="h" for="ch" forName="triangle3" refType="h" fact="0.33"/>
-          <dgm:constr type="w" for="ch" forName="triangle3" refType="h" fact="0.33"/>
-          <dgm:constr type="t" for="ch" forName="triangle4" refType="h" fact="0.33"/>
-          <dgm:constr type="l" for="ch" forName="triangle4" refType="h" fact="0.495"/>
-          <dgm:constr type="h" for="ch" forName="triangle4" refType="h" fact="0.33"/>
-          <dgm:constr type="w" for="ch" forName="triangle4" refType="h" fact="0.33"/>
-          <dgm:constr type="t" for="ch" forName="triangle5" refType="h" fact="0.66"/>
-          <dgm:constr type="l" for="ch" forName="triangle5"/>
-          <dgm:constr type="h" for="ch" forName="triangle5" refType="h" fact="0.33"/>
-          <dgm:constr type="w" for="ch" forName="triangle5" refType="h" fact="0.33"/>
-          <dgm:constr type="t" for="ch" forName="triangle6" refType="h" fact="0.66"/>
-          <dgm:constr type="l" for="ch" forName="triangle6" refType="h" fact="0.165"/>
-          <dgm:constr type="h" for="ch" forName="triangle6" refType="h" fact="0.33"/>
-          <dgm:constr type="w" for="ch" forName="triangle6" refType="h" fact="0.33"/>
-          <dgm:constr type="t" for="ch" forName="triangle7" refType="h" fact="0.66"/>
-          <dgm:constr type="l" for="ch" forName="triangle7" refType="h" fact="0.33"/>
-          <dgm:constr type="h" for="ch" forName="triangle7" refType="h" fact="0.33"/>
-          <dgm:constr type="w" for="ch" forName="triangle7" refType="h" fact="0.33"/>
-          <dgm:constr type="t" for="ch" forName="triangle8" refType="h" fact="0.66"/>
-          <dgm:constr type="l" for="ch" forName="triangle8" refType="h" fact="0.495"/>
-          <dgm:constr type="h" for="ch" forName="triangle8" refType="h" fact="0.33"/>
-          <dgm:constr type="w" for="ch" forName="triangle8" refType="h" fact="0.33"/>
-          <dgm:constr type="t" for="ch" forName="triangle9" refType="h" fact="0.66"/>
-          <dgm:constr type="l" for="ch" forName="triangle9" refType="h" fact="0.66"/>
-          <dgm:constr type="h" for="ch" forName="triangle9" refType="h" fact="0.33"/>
-          <dgm:constr type="w" for="ch" forName="triangle9" refType="h" fact="0.33"/>
-        </dgm:constrLst>
-      </dgm:else>
-    </dgm:choose>
-    <dgm:ruleLst/>
-    <dgm:choose name="Name6">
-      <dgm:if name="Name7" axis="ch" ptType="node" func="cnt" op="gte" val="1">
-        <dgm:layoutNode name="triangle1" styleLbl="node1">
-          <dgm:varLst>
-            <dgm:bulletEnabled val="1"/>
-          </dgm:varLst>
-          <dgm:alg type="tx">
-            <dgm:param type="txAnchorVertCh" val="mid"/>
-          </dgm:alg>
-          <dgm:shape xmlns:r="http://schemas.openxmlformats.org/officeDocument/2006/relationships" type="triangle" r:blip="">
-            <dgm:adjLst/>
-          </dgm:shape>
-          <dgm:presOf axis="ch desOrSelf" ptType="node node" st="1 1" cnt="1 0"/>
-          <dgm:constrLst>
-            <dgm:constr type="tMarg" refType="primFontSz" fact="0.3"/>
-            <dgm:constr type="bMarg" refType="primFontSz" fact="0.3"/>
-            <dgm:constr type="lMarg" refType="primFontSz" fact="0.3"/>
-            <dgm:constr type="rMarg" refType="primFontSz" fact="0.3"/>
-          </dgm:constrLst>
-          <dgm:ruleLst>
-            <dgm:rule type="primFontSz" val="5" fact="NaN" max="NaN"/>
-          </dgm:ruleLst>
-        </dgm:layoutNode>
-      </dgm:if>
-      <dgm:else name="Name8"/>
-    </dgm:choose>
-    <dgm:choose name="Name9">
-      <dgm:if name="Name10" axis="ch" ptType="node" func="cnt" op="gte" val="2">
-        <dgm:layoutNode name="triangle2" styleLbl="node1">
-          <dgm:varLst>
-            <dgm:bulletEnabled val="1"/>
-          </dgm:varLst>
-          <dgm:alg type="tx">
-            <dgm:param type="txAnchorVertCh" val="mid"/>
-          </dgm:alg>
-          <dgm:shape xmlns:r="http://schemas.openxmlformats.org/officeDocument/2006/relationships" type="triangle" r:blip="">
-            <dgm:adjLst/>
-          </dgm:shape>
-          <dgm:choose name="Name11">
-            <dgm:if name="Name12" func="var" arg="dir" op="equ" val="norm">
-              <dgm:presOf axis="ch desOrSelf" ptType="node node" st="2 1" cnt="1 0"/>
-            </dgm:if>
-            <dgm:else name="Name13">
-              <dgm:presOf axis="ch desOrSelf" ptType="node node" st="4 1" cnt="1 0"/>
-            </dgm:else>
-          </dgm:choose>
-          <dgm:constrLst>
-            <dgm:constr type="tMarg" refType="primFontSz" fact="0.3"/>
-            <dgm:constr type="bMarg" refType="primFontSz" fact="0.3"/>
-            <dgm:constr type="lMarg" refType="primFontSz" fact="0.3"/>
-            <dgm:constr type="rMarg" refType="primFontSz" fact="0.3"/>
-          </dgm:constrLst>
-          <dgm:ruleLst>
-            <dgm:rule type="primFontSz" val="5" fact="NaN" max="NaN"/>
-          </dgm:ruleLst>
-        </dgm:layoutNode>
-        <dgm:layoutNode name="triangle3" styleLbl="node1">
-          <dgm:varLst>
-            <dgm:bulletEnabled val="1"/>
-          </dgm:varLst>
-          <dgm:alg type="tx">
-            <dgm:param type="txAnchorVertCh" val="mid"/>
-          </dgm:alg>
-          <dgm:shape xmlns:r="http://schemas.openxmlformats.org/officeDocument/2006/relationships" rot="180" type="triangle" r:blip="">
-            <dgm:adjLst/>
-          </dgm:shape>
-          <dgm:presOf axis="ch desOrSelf" ptType="node node" st="3 1" cnt="1 0"/>
-          <dgm:constrLst>
-            <dgm:constr type="tMarg" refType="primFontSz" fact="0.3"/>
-            <dgm:constr type="bMarg" refType="primFontSz" fact="0.3"/>
-            <dgm:constr type="lMarg" refType="primFontSz" fact="0.3"/>
-            <dgm:constr type="rMarg" refType="primFontSz" fact="0.3"/>
-          </dgm:constrLst>
-          <dgm:ruleLst>
-            <dgm:rule type="primFontSz" val="5" fact="NaN" max="NaN"/>
-          </dgm:ruleLst>
-        </dgm:layoutNode>
-        <dgm:layoutNode name="triangle4" styleLbl="node1">
-          <dgm:varLst>
-            <dgm:bulletEnabled val="1"/>
-          </dgm:varLst>
-          <dgm:alg type="tx">
-            <dgm:param type="txAnchorVertCh" val="mid"/>
-          </dgm:alg>
-          <dgm:shape xmlns:r="http://schemas.openxmlformats.org/officeDocument/2006/relationships" type="triangle" r:blip="">
-            <dgm:adjLst/>
-          </dgm:shape>
-          <dgm:choose name="Name14">
-            <dgm:if name="Name15" func="var" arg="dir" op="equ" val="norm">
-              <dgm:presOf axis="ch desOrSelf" ptType="node node" st="4 1" cnt="1 0"/>
-            </dgm:if>
-            <dgm:else name="Name16">
-              <dgm:presOf axis="ch desOrSelf" ptType="node node" st="2 1" cnt="1 0"/>
-            </dgm:else>
-          </dgm:choose>
-          <dgm:constrLst>
-            <dgm:constr type="tMarg" refType="primFontSz" fact="0.3"/>
-            <dgm:constr type="bMarg" refType="primFontSz" fact="0.3"/>
-            <dgm:constr type="lMarg" refType="primFontSz" fact="0.3"/>
-            <dgm:constr type="rMarg" refType="primFontSz" fact="0.3"/>
-          </dgm:constrLst>
-          <dgm:ruleLst>
-            <dgm:rule type="primFontSz" val="5" fact="NaN" max="NaN"/>
-          </dgm:ruleLst>
-        </dgm:layoutNode>
-      </dgm:if>
-      <dgm:else name="Name17"/>
-    </dgm:choose>
-    <dgm:choose name="Name18">
-      <dgm:if name="Name19" axis="ch" ptType="node" func="cnt" op="gte" val="5">
-        <dgm:layoutNode name="triangle5" styleLbl="node1">
-          <dgm:varLst>
-            <dgm:bulletEnabled val="1"/>
-          </dgm:varLst>
-          <dgm:alg type="tx">
-            <dgm:param type="txAnchorVertCh" val="mid"/>
-          </dgm:alg>
-          <dgm:shape xmlns:r="http://schemas.openxmlformats.org/officeDocument/2006/relationships" type="triangle" r:blip="">
-            <dgm:adjLst/>
-          </dgm:shape>
-          <dgm:choose name="Name20">
-            <dgm:if name="Name21" func="var" arg="dir" op="equ" val="norm">
-              <dgm:presOf axis="ch desOrSelf" ptType="node node" st="5 1" cnt="1 0"/>
-            </dgm:if>
-            <dgm:else name="Name22">
-              <dgm:presOf axis="ch desOrSelf" ptType="node node" st="9 1" cnt="1 0"/>
-            </dgm:else>
-          </dgm:choose>
-          <dgm:constrLst>
-            <dgm:constr type="tMarg" refType="primFontSz" fact="0.3"/>
-            <dgm:constr type="bMarg" refType="primFontSz" fact="0.3"/>
-            <dgm:constr type="lMarg" refType="primFontSz" fact="0.3"/>
-            <dgm:constr type="rMarg" refType="primFontSz" fact="0.3"/>
-          </dgm:constrLst>
-          <dgm:ruleLst>
-            <dgm:rule type="primFontSz" val="5" fact="NaN" max="NaN"/>
-          </dgm:ruleLst>
-        </dgm:layoutNode>
-        <dgm:layoutNode name="triangle6" styleLbl="node1">
-          <dgm:varLst>
-            <dgm:bulletEnabled val="1"/>
-          </dgm:varLst>
-          <dgm:alg type="tx">
-            <dgm:param type="txAnchorVertCh" val="mid"/>
-          </dgm:alg>
-          <dgm:shape xmlns:r="http://schemas.openxmlformats.org/officeDocument/2006/relationships" rot="180" type="triangle" r:blip="">
-            <dgm:adjLst/>
-          </dgm:shape>
-          <dgm:choose name="Name23">
-            <dgm:if name="Name24" func="var" arg="dir" op="equ" val="norm">
-              <dgm:presOf axis="ch desOrSelf" ptType="node node" st="6 1" cnt="1 0"/>
-            </dgm:if>
-            <dgm:else name="Name25">
-              <dgm:presOf axis="ch desOrSelf" ptType="node node" st="8 1" cnt="1 0"/>
-            </dgm:else>
-          </dgm:choose>
-          <dgm:constrLst>
-            <dgm:constr type="tMarg" refType="primFontSz" fact="0.3"/>
-            <dgm:constr type="bMarg" refType="primFontSz" fact="0.3"/>
-            <dgm:constr type="lMarg" refType="primFontSz" fact="0.3"/>
-            <dgm:constr type="rMarg" refType="primFontSz" fact="0.3"/>
-          </dgm:constrLst>
-          <dgm:ruleLst>
-            <dgm:rule type="primFontSz" val="5" fact="NaN" max="NaN"/>
-          </dgm:ruleLst>
-        </dgm:layoutNode>
-        <dgm:layoutNode name="triangle7" styleLbl="node1">
-          <dgm:varLst>
-            <dgm:bulletEnabled val="1"/>
-          </dgm:varLst>
-          <dgm:alg type="tx">
-            <dgm:param type="txAnchorVertCh" val="mid"/>
-          </dgm:alg>
-          <dgm:shape xmlns:r="http://schemas.openxmlformats.org/officeDocument/2006/relationships" type="triangle" r:blip="">
-            <dgm:adjLst/>
-          </dgm:shape>
-          <dgm:presOf axis="ch desOrSelf" ptType="node node" st="7 1" cnt="1 0"/>
-          <dgm:constrLst>
-            <dgm:constr type="tMarg" refType="primFontSz" fact="0.3"/>
-            <dgm:constr type="bMarg" refType="primFontSz" fact="0.3"/>
-            <dgm:constr type="lMarg" refType="primFontSz" fact="0.3"/>
-            <dgm:constr type="rMarg" refType="primFontSz" fact="0.3"/>
-          </dgm:constrLst>
-          <dgm:ruleLst>
-            <dgm:rule type="primFontSz" val="5" fact="NaN" max="NaN"/>
-          </dgm:ruleLst>
-        </dgm:layoutNode>
-        <dgm:layoutNode name="triangle8" styleLbl="node1">
-          <dgm:varLst>
-            <dgm:bulletEnabled val="1"/>
-          </dgm:varLst>
-          <dgm:alg type="tx">
-            <dgm:param type="txAnchorVertCh" val="mid"/>
-          </dgm:alg>
-          <dgm:shape xmlns:r="http://schemas.openxmlformats.org/officeDocument/2006/relationships" rot="180" type="triangle" r:blip="">
-            <dgm:adjLst/>
-          </dgm:shape>
-          <dgm:choose name="Name26">
-            <dgm:if name="Name27" func="var" arg="dir" op="equ" val="norm">
-              <dgm:presOf axis="ch desOrSelf" ptType="node node" st="8 1" cnt="1 0"/>
-            </dgm:if>
-            <dgm:else name="Name28">
-              <dgm:presOf axis="ch desOrSelf" ptType="node node" st="6 1" cnt="1 0"/>
-            </dgm:else>
-          </dgm:choose>
-          <dgm:constrLst>
-            <dgm:constr type="tMarg" refType="primFontSz" fact="0.3"/>
-            <dgm:constr type="bMarg" refType="primFontSz" fact="0.3"/>
-            <dgm:constr type="lMarg" refType="primFontSz" fact="0.3"/>
-            <dgm:constr type="rMarg" refType="primFontSz" fact="0.3"/>
-          </dgm:constrLst>
-          <dgm:ruleLst>
-            <dgm:rule type="primFontSz" val="5" fact="NaN" max="NaN"/>
-          </dgm:ruleLst>
-        </dgm:layoutNode>
-        <dgm:layoutNode name="triangle9" styleLbl="node1">
-          <dgm:varLst>
-            <dgm:bulletEnabled val="1"/>
-          </dgm:varLst>
-          <dgm:alg type="tx">
-            <dgm:param type="txAnchorVertCh" val="mid"/>
-          </dgm:alg>
-          <dgm:shape xmlns:r="http://schemas.openxmlformats.org/officeDocument/2006/relationships" type="triangle" r:blip="">
-            <dgm:adjLst/>
-          </dgm:shape>
-          <dgm:choose name="Name29">
-            <dgm:if name="Name30" func="var" arg="dir" op="equ" val="norm">
-              <dgm:presOf axis="ch desOrSelf" ptType="node node" st="9 1" cnt="1 0"/>
-            </dgm:if>
-            <dgm:else name="Name31">
-              <dgm:presOf axis="ch desOrSelf" ptType="node node" st="5 1" cnt="1 0"/>
-            </dgm:else>
-          </dgm:choose>
-          <dgm:constrLst>
-            <dgm:constr type="tMarg" refType="primFontSz" fact="0.3"/>
-            <dgm:constr type="bMarg" refType="primFontSz" fact="0.3"/>
-            <dgm:constr type="lMarg" refType="primFontSz" fact="0.3"/>
-            <dgm:constr type="rMarg" refType="primFontSz" fact="0.3"/>
-          </dgm:constrLst>
-          <dgm:ruleLst>
-            <dgm:rule type="primFontSz" val="5" fact="NaN" max="NaN"/>
-          </dgm:ruleLst>
-        </dgm:layoutNode>
-      </dgm:if>
-      <dgm:else name="Name32"/>
-    </dgm:choose>
-  </dgm:layoutNode>
-</dgm:layoutDef>
-</file>
-
-<file path=ppt/diagrams/quickStyle1.xml><?xml version="1.0" encoding="utf-8"?>
-<dgm:styleDef xmlns:dgm="http://schemas.openxmlformats.org/drawingml/2006/diagram" xmlns:a="http://schemas.openxmlformats.org/drawingml/2006/main" uniqueId="urn:microsoft.com/office/officeart/2005/8/quickstyle/simple5">
-  <dgm:title val=""/>
-  <dgm:desc val=""/>
-  <dgm:catLst>
-    <dgm:cat type="simple" pri="10500"/>
-  </dgm:catLst>
-  <dgm:scene3d>
-    <a:camera prst="orthographicFront"/>
-    <a:lightRig rig="threePt" dir="t"/>
-  </dgm:scene3d>
-  <dgm:styleLbl name="node0">
-    <dgm:scene3d>
-      <a:camera prst="orthographicFront"/>
-      <a:lightRig rig="threePt" dir="t"/>
-    </dgm:scene3d>
-    <dgm:sp3d/>
-    <dgm:txPr/>
-    <dgm:style>
-      <a:lnRef idx="0">
-        <a:scrgbClr r="0" g="0" b="0"/>
-      </a:lnRef>
-      <a:fillRef idx="3">
-        <a:scrgbClr r="0" g="0" b="0"/>
-      </a:fillRef>
-      <a:effectRef idx="3">
-        <a:scrgbClr r="0" g="0" b="0"/>
-      </a:effectRef>
-      <a:fontRef idx="minor">
-        <a:schemeClr val="lt1"/>
-      </a:fontRef>
-    </dgm:style>
-  </dgm:styleLbl>
-  <dgm:styleLbl name="lnNode1">
-    <dgm:scene3d>
-      <a:camera prst="orthographicFront"/>
-      <a:lightRig rig="threePt" dir="t"/>
-    </dgm:scene3d>
-    <dgm:sp3d/>
-    <dgm:txPr/>
-    <dgm:style>
-      <a:lnRef idx="0">
-        <a:scrgbClr r="0" g="0" b="0"/>
-      </a:lnRef>
-      <a:fillRef idx="3">
-        <a:scrgbClr r="0" g="0" b="0"/>
-      </a:fillRef>
-      <a:effectRef idx="3">
-        <a:scrgbClr r="0" g="0" b="0"/>
-      </a:effectRef>
-      <a:fontRef idx="minor">
-        <a:schemeClr val="lt1"/>
-      </a:fontRef>
-    </dgm:style>
-  </dgm:styleLbl>
-  <dgm:styleLbl name="vennNode1">
-    <dgm:scene3d>
-      <a:camera prst="orthographicFront"/>
-      <a:lightRig rig="threePt" dir="t"/>
-    </dgm:scene3d>
-    <dgm:sp3d/>
-    <dgm:txPr/>
-    <dgm:style>
-      <a:lnRef idx="0">
-        <a:scrgbClr r="0" g="0" b="0"/>
-      </a:lnRef>
-      <a:fillRef idx="3">
-        <a:scrgbClr r="0" g="0" b="0"/>
-      </a:fillRef>
-      <a:effectRef idx="3">
-        <a:scrgbClr r="0" g="0" b="0"/>
-      </a:effectRef>
-      <a:fontRef idx="minor">
-        <a:schemeClr val="tx1"/>
-      </a:fontRef>
-    </dgm:style>
-  </dgm:styleLbl>
-  <dgm:styleLbl name="alignNode1">
-    <dgm:scene3d>
-      <a:camera prst="orthographicFront"/>
-      <a:lightRig rig="threePt" dir="t"/>
-    </dgm:scene3d>
-    <dgm:sp3d/>
-    <dgm:txPr/>
-    <dgm:style>
-      <a:lnRef idx="1">
-        <a:scrgbClr r="0" g="0" b="0"/>
-      </a:lnRef>
-      <a:fillRef idx="3">
-        <a:scrgbClr r="0" g="0" b="0"/>
-      </a:fillRef>
-      <a:effectRef idx="3">
-        <a:scrgbClr r="0" g="0" b="0"/>
-      </a:effectRef>
-      <a:fontRef idx="minor">
-        <a:schemeClr val="lt1"/>
-      </a:fontRef>
-    </dgm:style>
-  </dgm:styleLbl>
-  <dgm:styleLbl name="node1">
-    <dgm:scene3d>
-      <a:camera prst="orthographicFront"/>
-      <a:lightRig rig="threePt" dir="t"/>
-    </dgm:scene3d>
-    <dgm:sp3d/>
-    <dgm:txPr/>
-    <dgm:style>
-      <a:lnRef idx="0">
-        <a:scrgbClr r="0" g="0" b="0"/>
-      </a:lnRef>
-      <a:fillRef idx="3">
-        <a:scrgbClr r="0" g="0" b="0"/>
-      </a:fillRef>
-      <a:effectRef idx="3">
-        <a:scrgbClr r="0" g="0" b="0"/>
-      </a:effectRef>
-      <a:fontRef idx="minor">
-        <a:schemeClr val="lt1"/>
-      </a:fontRef>
-    </dgm:style>
-  </dgm:styleLbl>
-  <dgm:styleLbl name="node2">
-    <dgm:scene3d>
-      <a:camera prst="orthographicFront"/>
-      <a:lightRig rig="threePt" dir="t"/>
-    </dgm:scene3d>
-    <dgm:sp3d/>
-    <dgm:txPr/>
-    <dgm:style>
-      <a:lnRef idx="0">
-        <a:scrgbClr r="0" g="0" b="0"/>
-      </a:lnRef>
-      <a:fillRef idx="3">
-        <a:scrgbClr r="0" g="0" b="0"/>
-      </a:fillRef>
-      <a:effectRef idx="3">
-        <a:scrgbClr r="0" g="0" b="0"/>
-      </a:effectRef>
-      <a:fontRef idx="minor">
-        <a:schemeClr val="lt1"/>
-      </a:fontRef>
-    </dgm:style>
-  </dgm:styleLbl>
-  <dgm:styleLbl name="node3">
-    <dgm:scene3d>
-      <a:camera prst="orthographicFront"/>
-      <a:lightRig rig="threePt" dir="t"/>
-    </dgm:scene3d>
-    <dgm:sp3d/>
-    <dgm:txPr/>
-    <dgm:style>
-      <a:lnRef idx="0">
-        <a:scrgbClr r="0" g="0" b="0"/>
-      </a:lnRef>
-      <a:fillRef idx="3">
-        <a:scrgbClr r="0" g="0" b="0"/>
-      </a:fillRef>
-      <a:effectRef idx="3">
-        <a:scrgbClr r="0" g="0" b="0"/>
-      </a:effectRef>
-      <a:fontRef idx="minor">
-        <a:schemeClr val="lt1"/>
-      </a:fontRef>
-    </dgm:style>
-  </dgm:styleLbl>
-  <dgm:styleLbl name="node4">
-    <dgm:scene3d>
-      <a:camera prst="orthographicFront"/>
-      <a:lightRig rig="threePt" dir="t"/>
-    </dgm:scene3d>
-    <dgm:sp3d/>
-    <dgm:txPr/>
-    <dgm:style>
-      <a:lnRef idx="0">
-        <a:scrgbClr r="0" g="0" b="0"/>
-      </a:lnRef>
-      <a:fillRef idx="3">
-        <a:scrgbClr r="0" g="0" b="0"/>
-      </a:fillRef>
-      <a:effectRef idx="3">
-        <a:scrgbClr r="0" g="0" b="0"/>
-      </a:effectRef>
-      <a:fontRef idx="minor">
-        <a:schemeClr val="lt1"/>
-      </a:fontRef>
-    </dgm:style>
-  </dgm:styleLbl>
-  <dgm:styleLbl name="fgImgPlace1">
-    <dgm:scene3d>
-      <a:camera prst="orthographicFront"/>
-      <a:lightRig rig="threePt" dir="t"/>
-    </dgm:scene3d>
-    <dgm:sp3d/>
-    <dgm:txPr/>
-    <dgm:style>
-      <a:lnRef idx="0">
-        <a:scrgbClr r="0" g="0" b="0"/>
-      </a:lnRef>
-      <a:fillRef idx="1">
-        <a:scrgbClr r="0" g="0" b="0"/>
-      </a:fillRef>
-      <a:effectRef idx="3">
-        <a:scrgbClr r="0" g="0" b="0"/>
-      </a:effectRef>
-      <a:fontRef idx="minor"/>
-    </dgm:style>
-  </dgm:styleLbl>
-  <dgm:styleLbl name="alignImgPlace1">
-    <dgm:scene3d>
-      <a:camera prst="orthographicFront"/>
-      <a:lightRig rig="threePt" dir="t"/>
-    </dgm:scene3d>
-    <dgm:sp3d/>
-    <dgm:txPr/>
-    <dgm:style>
-      <a:lnRef idx="0">
-        <a:scrgbClr r="0" g="0" b="0"/>
-      </a:lnRef>
-      <a:fillRef idx="1">
-        <a:scrgbClr r="0" g="0" b="0"/>
-      </a:fillRef>
-      <a:effectRef idx="3">
-        <a:scrgbClr r="0" g="0" b="0"/>
-      </a:effectRef>
-      <a:fontRef idx="minor"/>
-    </dgm:style>
-  </dgm:styleLbl>
-  <dgm:styleLbl name="bgImgPlace1">
-    <dgm:scene3d>
-      <a:camera prst="orthographicFront"/>
-      <a:lightRig rig="threePt" dir="t"/>
-    </dgm:scene3d>
-    <dgm:sp3d/>
-    <dgm:txPr/>
-    <dgm:style>
-      <a:lnRef idx="0">
-        <a:scrgbClr r="0" g="0" b="0"/>
-      </a:lnRef>
-      <a:fillRef idx="1">
-        <a:scrgbClr r="0" g="0" b="0"/>
-      </a:fillRef>
-      <a:effectRef idx="3">
-        <a:scrgbClr r="0" g="0" b="0"/>
-      </a:effectRef>
-      <a:fontRef idx="minor"/>
-    </dgm:style>
-  </dgm:styleLbl>
-  <dgm:styleLbl name="sibTrans2D1">
-    <dgm:scene3d>
-      <a:camera prst="orthographicFront"/>
-      <a:lightRig rig="threePt" dir="t"/>
-    </dgm:scene3d>
-    <dgm:sp3d/>
-    <dgm:txPr/>
-    <dgm:style>
-      <a:lnRef idx="0">
-        <a:scrgbClr r="0" g="0" b="0"/>
-      </a:lnRef>
-      <a:fillRef idx="3">
-        <a:scrgbClr r="0" g="0" b="0"/>
-      </a:fillRef>
-      <a:effectRef idx="3">
-        <a:scrgbClr r="0" g="0" b="0"/>
-      </a:effectRef>
-      <a:fontRef idx="minor">
-        <a:schemeClr val="lt1"/>
-      </a:fontRef>
-    </dgm:style>
-  </dgm:styleLbl>
-  <dgm:styleLbl name="fgSibTrans2D1">
-    <dgm:scene3d>
-      <a:camera prst="orthographicFront"/>
-      <a:lightRig rig="threePt" dir="t"/>
-    </dgm:scene3d>
-    <dgm:sp3d/>
-    <dgm:txPr/>
-    <dgm:style>
-      <a:lnRef idx="0">
-        <a:scrgbClr r="0" g="0" b="0"/>
-      </a:lnRef>
-      <a:fillRef idx="3">
-        <a:scrgbClr r="0" g="0" b="0"/>
-      </a:fillRef>
-      <a:effectRef idx="3">
-        <a:scrgbClr r="0" g="0" b="0"/>
-      </a:effectRef>
-      <a:fontRef idx="minor">
-        <a:schemeClr val="lt1"/>
-      </a:fontRef>
-    </dgm:style>
-  </dgm:styleLbl>
-  <dgm:styleLbl name="bgSibTrans2D1">
-    <dgm:scene3d>
-      <a:camera prst="orthographicFront"/>
-      <a:lightRig rig="threePt" dir="t"/>
-    </dgm:scene3d>
-    <dgm:sp3d/>
-    <dgm:txPr/>
-    <dgm:style>
-      <a:lnRef idx="0">
-        <a:scrgbClr r="0" g="0" b="0"/>
-      </a:lnRef>
-      <a:fillRef idx="3">
-        <a:scrgbClr r="0" g="0" b="0"/>
-      </a:fillRef>
-      <a:effectRef idx="3">
-        <a:scrgbClr r="0" g="0" b="0"/>
-      </a:effectRef>
-      <a:fontRef idx="minor">
-        <a:schemeClr val="lt1"/>
-      </a:fontRef>
-    </dgm:style>
-  </dgm:styleLbl>
-  <dgm:styleLbl name="sibTrans1D1">
-    <dgm:scene3d>
-      <a:camera prst="orthographicFront"/>
-      <a:lightRig rig="threePt" dir="t"/>
-    </dgm:scene3d>
-    <dgm:sp3d/>
-    <dgm:txPr/>
-    <dgm:style>
-      <a:lnRef idx="1">
-        <a:scrgbClr r="0" g="0" b="0"/>
-      </a:lnRef>
-      <a:fillRef idx="0">
-        <a:scrgbClr r="0" g="0" b="0"/>
-      </a:fillRef>
-      <a:effectRef idx="0">
-        <a:scrgbClr r="0" g="0" b="0"/>
-      </a:effectRef>
-      <a:fontRef idx="minor"/>
-    </dgm:style>
-  </dgm:styleLbl>
-  <dgm:styleLbl name="callout">
-    <dgm:scene3d>
-      <a:camera prst="orthographicFront"/>
-      <a:lightRig rig="threePt" dir="t"/>
-    </dgm:scene3d>
-    <dgm:sp3d/>
-    <dgm:txPr/>
-    <dgm:style>
-      <a:lnRef idx="1">
-        <a:scrgbClr r="0" g="0" b="0"/>
-      </a:lnRef>
-      <a:fillRef idx="0">
-        <a:scrgbClr r="0" g="0" b="0"/>
-      </a:fillRef>
-      <a:effectRef idx="1">
-        <a:scrgbClr r="0" g="0" b="0"/>
-      </a:effectRef>
-      <a:fontRef idx="minor"/>
-    </dgm:style>
-  </dgm:styleLbl>
-  <dgm:styleLbl name="asst0">
-    <dgm:scene3d>
-      <a:camera prst="orthographicFront"/>
-      <a:lightRig rig="threePt" dir="t"/>
-    </dgm:scene3d>
-    <dgm:sp3d/>
-    <dgm:txPr/>
-    <dgm:style>
-      <a:lnRef idx="0">
-        <a:scrgbClr r="0" g="0" b="0"/>
-      </a:lnRef>
-      <a:fillRef idx="3">
-        <a:scrgbClr r="0" g="0" b="0"/>
-      </a:fillRef>
-      <a:effectRef idx="3">
-        <a:scrgbClr r="0" g="0" b="0"/>
-      </a:effectRef>
-      <a:fontRef idx="minor">
-        <a:schemeClr val="lt1"/>
-      </a:fontRef>
-    </dgm:style>
-  </dgm:styleLbl>
-  <dgm:styleLbl name="asst1">
-    <dgm:scene3d>
-      <a:camera prst="orthographicFront"/>
-      <a:lightRig rig="threePt" dir="t"/>
-    </dgm:scene3d>
-    <dgm:sp3d/>
-    <dgm:txPr/>
-    <dgm:style>
-      <a:lnRef idx="0">
-        <a:scrgbClr r="0" g="0" b="0"/>
-      </a:lnRef>
-      <a:fillRef idx="3">
-        <a:scrgbClr r="0" g="0" b="0"/>
-      </a:fillRef>
-      <a:effectRef idx="3">
-        <a:scrgbClr r="0" g="0" b="0"/>
-      </a:effectRef>
-      <a:fontRef idx="minor">
-        <a:schemeClr val="lt1"/>
-      </a:fontRef>
-    </dgm:style>
-  </dgm:styleLbl>
-  <dgm:styleLbl name="asst2">
-    <dgm:scene3d>
-      <a:camera prst="orthographicFront"/>
-      <a:lightRig rig="threePt" dir="t"/>
-    </dgm:scene3d>
-    <dgm:sp3d/>
-    <dgm:txPr/>
-    <dgm:style>
-      <a:lnRef idx="0">
-        <a:scrgbClr r="0" g="0" b="0"/>
-      </a:lnRef>
-      <a:fillRef idx="3">
-        <a:scrgbClr r="0" g="0" b="0"/>
-      </a:fillRef>
-      <a:effectRef idx="3">
-        <a:scrgbClr r="0" g="0" b="0"/>
-      </a:effectRef>
-      <a:fontRef idx="minor">
-        <a:schemeClr val="lt1"/>
-      </a:fontRef>
-    </dgm:style>
-  </dgm:styleLbl>
-  <dgm:styleLbl name="asst3">
-    <dgm:scene3d>
-      <a:camera prst="orthographicFront"/>
-      <a:lightRig rig="threePt" dir="t"/>
-    </dgm:scene3d>
-    <dgm:sp3d/>
-    <dgm:txPr/>
-    <dgm:style>
-      <a:lnRef idx="0">
-        <a:scrgbClr r="0" g="0" b="0"/>
-      </a:lnRef>
-      <a:fillRef idx="3">
-        <a:scrgbClr r="0" g="0" b="0"/>
-      </a:fillRef>
-      <a:effectRef idx="3">
-        <a:scrgbClr r="0" g="0" b="0"/>
-      </a:effectRef>
-      <a:fontRef idx="minor">
-        <a:schemeClr val="lt1"/>
-      </a:fontRef>
-    </dgm:style>
-  </dgm:styleLbl>
-  <dgm:styleLbl name="asst4">
-    <dgm:scene3d>
-      <a:camera prst="orthographicFront"/>
-      <a:lightRig rig="threePt" dir="t"/>
-    </dgm:scene3d>
-    <dgm:sp3d/>
-    <dgm:txPr/>
-    <dgm:style>
-      <a:lnRef idx="0">
-        <a:scrgbClr r="0" g="0" b="0"/>
-      </a:lnRef>
-      <a:fillRef idx="3">
-        <a:scrgbClr r="0" g="0" b="0"/>
-      </a:fillRef>
-      <a:effectRef idx="3">
-        <a:scrgbClr r="0" g="0" b="0"/>
-      </a:effectRef>
-      <a:fontRef idx="minor">
-        <a:schemeClr val="lt1"/>
-      </a:fontRef>
-    </dgm:style>
-  </dgm:styleLbl>
-  <dgm:styleLbl name="parChTrans2D1">
-    <dgm:scene3d>
-      <a:camera prst="orthographicFront"/>
-      <a:lightRig rig="threePt" dir="t"/>
-    </dgm:scene3d>
-    <dgm:sp3d/>
-    <dgm:txPr/>
-    <dgm:style>
-      <a:lnRef idx="0">
-        <a:scrgbClr r="0" g="0" b="0"/>
-      </a:lnRef>
-      <a:fillRef idx="3">
-        <a:scrgbClr r="0" g="0" b="0"/>
-      </a:fillRef>
-      <a:effectRef idx="3">
-        <a:scrgbClr r="0" g="0" b="0"/>
-      </a:effectRef>
-      <a:fontRef idx="minor">
-        <a:schemeClr val="lt1"/>
-      </a:fontRef>
-    </dgm:style>
-  </dgm:styleLbl>
-  <dgm:styleLbl name="parChTrans2D2">
-    <dgm:scene3d>
-      <a:camera prst="orthographicFront"/>
-      <a:lightRig rig="threePt" dir="t"/>
-    </dgm:scene3d>
-    <dgm:sp3d/>
-    <dgm:txPr/>
-    <dgm:style>
-      <a:lnRef idx="0">
-        <a:scrgbClr r="0" g="0" b="0"/>
-      </a:lnRef>
-      <a:fillRef idx="3">
-        <a:scrgbClr r="0" g="0" b="0"/>
-      </a:fillRef>
-      <a:effectRef idx="3">
-        <a:scrgbClr r="0" g="0" b="0"/>
-      </a:effectRef>
-      <a:fontRef idx="minor">
-        <a:schemeClr val="lt1"/>
-      </a:fontRef>
-    </dgm:style>
-  </dgm:styleLbl>
-  <dgm:styleLbl name="parChTrans2D3">
-    <dgm:scene3d>
-      <a:camera prst="orthographicFront"/>
-      <a:lightRig rig="threePt" dir="t"/>
-    </dgm:scene3d>
-    <dgm:sp3d/>
-    <dgm:txPr/>
-    <dgm:style>
-      <a:lnRef idx="0">
-        <a:scrgbClr r="0" g="0" b="0"/>
-      </a:lnRef>
-      <a:fillRef idx="3">
-        <a:scrgbClr r="0" g="0" b="0"/>
-      </a:fillRef>
-      <a:effectRef idx="3">
-        <a:scrgbClr r="0" g="0" b="0"/>
-      </a:effectRef>
-      <a:fontRef idx="minor">
-        <a:schemeClr val="lt1"/>
-      </a:fontRef>
-    </dgm:style>
-  </dgm:styleLbl>
-  <dgm:styleLbl name="parChTrans2D4">
-    <dgm:scene3d>
-      <a:camera prst="orthographicFront"/>
-      <a:lightRig rig="threePt" dir="t"/>
-    </dgm:scene3d>
-    <dgm:sp3d/>
-    <dgm:txPr/>
-    <dgm:style>
-      <a:lnRef idx="0">
-        <a:scrgbClr r="0" g="0" b="0"/>
-      </a:lnRef>
-      <a:fillRef idx="3">
-        <a:scrgbClr r="0" g="0" b="0"/>
-      </a:fillRef>
-      <a:effectRef idx="3">
-        <a:scrgbClr r="0" g="0" b="0"/>
-      </a:effectRef>
-      <a:fontRef idx="minor">
-        <a:schemeClr val="lt1"/>
-      </a:fontRef>
-    </dgm:style>
-  </dgm:styleLbl>
-  <dgm:styleLbl name="parChTrans1D1">
-    <dgm:scene3d>
-      <a:camera prst="orthographicFront"/>
-      <a:lightRig rig="threePt" dir="t"/>
-    </dgm:scene3d>
-    <dgm:sp3d/>
-    <dgm:txPr/>
-    <dgm:style>
-      <a:lnRef idx="2">
-        <a:scrgbClr r="0" g="0" b="0"/>
-      </a:lnRef>
-      <a:fillRef idx="0">
-        <a:scrgbClr r="0" g="0" b="0"/>
-      </a:fillRef>
-      <a:effectRef idx="0">
-        <a:scrgbClr r="0" g="0" b="0"/>
-      </a:effectRef>
-      <a:fontRef idx="minor"/>
-    </dgm:style>
-  </dgm:styleLbl>
-  <dgm:styleLbl name="parChTrans1D2">
-    <dgm:scene3d>
-      <a:camera prst="orthographicFront"/>
-      <a:lightRig rig="threePt" dir="t"/>
-    </dgm:scene3d>
-    <dgm:sp3d/>
-    <dgm:txPr/>
-    <dgm:style>
-      <a:lnRef idx="2">
-        <a:scrgbClr r="0" g="0" b="0"/>
-      </a:lnRef>
-      <a:fillRef idx="0">
-        <a:scrgbClr r="0" g="0" b="0"/>
-      </a:fillRef>
-      <a:effectRef idx="0">
-        <a:scrgbClr r="0" g="0" b="0"/>
-      </a:effectRef>
-      <a:fontRef idx="minor"/>
-    </dgm:style>
-  </dgm:styleLbl>
-  <dgm:styleLbl name="parChTrans1D3">
-    <dgm:scene3d>
-      <a:camera prst="orthographicFront"/>
-      <a:lightRig rig="threePt" dir="t"/>
-    </dgm:scene3d>
-    <dgm:sp3d/>
-    <dgm:txPr/>
-    <dgm:style>
-      <a:lnRef idx="2">
-        <a:scrgbClr r="0" g="0" b="0"/>
-      </a:lnRef>
-      <a:fillRef idx="0">
-        <a:scrgbClr r="0" g="0" b="0"/>
-      </a:fillRef>
-      <a:effectRef idx="0">
-        <a:scrgbClr r="0" g="0" b="0"/>
-      </a:effectRef>
-      <a:fontRef idx="minor"/>
-    </dgm:style>
-  </dgm:styleLbl>
-  <dgm:styleLbl name="parChTrans1D4">
-    <dgm:scene3d>
-      <a:camera prst="orthographicFront"/>
-      <a:lightRig rig="threePt" dir="t"/>
-    </dgm:scene3d>
-    <dgm:sp3d/>
-    <dgm:txPr/>
-    <dgm:style>
-      <a:lnRef idx="2">
-        <a:scrgbClr r="0" g="0" b="0"/>
-      </a:lnRef>
-      <a:fillRef idx="0">
-        <a:scrgbClr r="0" g="0" b="0"/>
-      </a:fillRef>
-      <a:effectRef idx="0">
-        <a:scrgbClr r="0" g="0" b="0"/>
-      </a:effectRef>
-      <a:fontRef idx="minor"/>
-    </dgm:style>
-  </dgm:styleLbl>
-  <dgm:styleLbl name="fgAcc1">
-    <dgm:scene3d>
-      <a:camera prst="orthographicFront"/>
-      <a:lightRig rig="threePt" dir="t"/>
-    </dgm:scene3d>
-    <dgm:sp3d/>
-    <dgm:txPr/>
-    <dgm:style>
-      <a:lnRef idx="1">
-        <a:scrgbClr r="0" g="0" b="0"/>
-      </a:lnRef>
-      <a:fillRef idx="1">
-        <a:scrgbClr r="0" g="0" b="0"/>
-      </a:fillRef>
-      <a:effectRef idx="2">
-        <a:scrgbClr r="0" g="0" b="0"/>
-      </a:effectRef>
-      <a:fontRef idx="minor"/>
-    </dgm:style>
-  </dgm:styleLbl>
-  <dgm:styleLbl name="conFgAcc1">
-    <dgm:scene3d>
-      <a:camera prst="orthographicFront"/>
-      <a:lightRig rig="threePt" dir="t"/>
-    </dgm:scene3d>
-    <dgm:sp3d/>
-    <dgm:txPr/>
-    <dgm:style>
-      <a:lnRef idx="1">
-        <a:scrgbClr r="0" g="0" b="0"/>
-      </a:lnRef>
-      <a:fillRef idx="1">
-        <a:scrgbClr r="0" g="0" b="0"/>
-      </a:fillRef>
-      <a:effectRef idx="2">
-        <a:scrgbClr r="0" g="0" b="0"/>
-      </a:effectRef>
-      <a:fontRef idx="minor"/>
-    </dgm:style>
-  </dgm:styleLbl>
-  <dgm:styleLbl name="alignAcc1">
-    <dgm:scene3d>
-      <a:camera prst="orthographicFront"/>
-      <a:lightRig rig="threePt" dir="t"/>
-    </dgm:scene3d>
-    <dgm:sp3d/>
-    <dgm:txPr/>
-    <dgm:style>
-      <a:lnRef idx="1">
-        <a:scrgbClr r="0" g="0" b="0"/>
-      </a:lnRef>
-      <a:fillRef idx="1">
-        <a:scrgbClr r="0" g="0" b="0"/>
-      </a:fillRef>
-      <a:effectRef idx="2">
-        <a:scrgbClr r="0" g="0" b="0"/>
-      </a:effectRef>
-      <a:fontRef idx="minor"/>
-    </dgm:style>
-  </dgm:styleLbl>
-  <dgm:styleLbl name="trAlignAcc1">
-    <dgm:scene3d>
-      <a:camera prst="orthographicFront"/>
-      <a:lightRig rig="threePt" dir="t"/>
-    </dgm:scene3d>
-    <dgm:sp3d/>
-    <dgm:txPr/>
-    <dgm:style>
-      <a:lnRef idx="1">
-        <a:scrgbClr r="0" g="0" b="0"/>
-      </a:lnRef>
-      <a:fillRef idx="1">
-        <a:scrgbClr r="0" g="0" b="0"/>
-      </a:fillRef>
-      <a:effectRef idx="0">
-        <a:scrgbClr r="0" g="0" b="0"/>
-      </a:effectRef>
-      <a:fontRef idx="minor"/>
-    </dgm:style>
-  </dgm:styleLbl>
-  <dgm:styleLbl name="bgAcc1">
-    <dgm:scene3d>
-      <a:camera prst="orthographicFront"/>
-      <a:lightRig rig="threePt" dir="t"/>
-    </dgm:scene3d>
-    <dgm:sp3d/>
-    <dgm:txPr/>
-    <dgm:style>
-      <a:lnRef idx="1">
-        <a:scrgbClr r="0" g="0" b="0"/>
-      </a:lnRef>
-      <a:fillRef idx="1">
-        <a:scrgbClr r="0" g="0" b="0"/>
-      </a:fillRef>
-      <a:effectRef idx="2">
-        <a:scrgbClr r="0" g="0" b="0"/>
-      </a:effectRef>
-      <a:fontRef idx="minor"/>
-    </dgm:style>
-  </dgm:styleLbl>
-  <dgm:styleLbl name="solidFgAcc1">
-    <dgm:scene3d>
-      <a:camera prst="orthographicFront"/>
-      <a:lightRig rig="threePt" dir="t"/>
-    </dgm:scene3d>
-    <dgm:sp3d/>
-    <dgm:txPr/>
-    <dgm:style>
-      <a:lnRef idx="1">
-        <a:scrgbClr r="0" g="0" b="0"/>
-      </a:lnRef>
-      <a:fillRef idx="1">
-        <a:scrgbClr r="0" g="0" b="0"/>
-      </a:fillRef>
-      <a:effectRef idx="2">
-        <a:scrgbClr r="0" g="0" b="0"/>
-      </a:effectRef>
-      <a:fontRef idx="minor"/>
-    </dgm:style>
-  </dgm:styleLbl>
-  <dgm:styleLbl name="solidAlignAcc1">
-    <dgm:scene3d>
-      <a:camera prst="orthographicFront"/>
-      <a:lightRig rig="threePt" dir="t"/>
-    </dgm:scene3d>
-    <dgm:sp3d/>
-    <dgm:txPr/>
-    <dgm:style>
-      <a:lnRef idx="1">
-        <a:scrgbClr r="0" g="0" b="0"/>
-      </a:lnRef>
-      <a:fillRef idx="1">
-        <a:scrgbClr r="0" g="0" b="0"/>
-      </a:fillRef>
-      <a:effectRef idx="3">
-        <a:scrgbClr r="0" g="0" b="0"/>
-      </a:effectRef>
-      <a:fontRef idx="minor"/>
-    </dgm:style>
-  </dgm:styleLbl>
-  <dgm:styleLbl name="solidBgAcc1">
-    <dgm:scene3d>
-      <a:camera prst="orthographicFront"/>
-      <a:lightRig rig="threePt" dir="t"/>
-    </dgm:scene3d>
-    <dgm:sp3d/>
-    <dgm:txPr/>
-    <dgm:style>
-      <a:lnRef idx="1">
-        <a:scrgbClr r="0" g="0" b="0"/>
-      </a:lnRef>
-      <a:fillRef idx="1">
-        <a:scrgbClr r="0" g="0" b="0"/>
-      </a:fillRef>
-      <a:effectRef idx="3">
-        <a:scrgbClr r="0" g="0" b="0"/>
-      </a:effectRef>
-      <a:fontRef idx="minor"/>
-    </dgm:style>
-  </dgm:styleLbl>
-  <dgm:styleLbl name="fgAccFollowNode1">
-    <dgm:scene3d>
-      <a:camera prst="orthographicFront"/>
-      <a:lightRig rig="threePt" dir="t"/>
-    </dgm:scene3d>
-    <dgm:sp3d/>
-    <dgm:txPr/>
-    <dgm:style>
-      <a:lnRef idx="1">
-        <a:scrgbClr r="0" g="0" b="0"/>
-      </a:lnRef>
-      <a:fillRef idx="1">
-        <a:scrgbClr r="0" g="0" b="0"/>
-      </a:fillRef>
-      <a:effectRef idx="2">
-        <a:scrgbClr r="0" g="0" b="0"/>
-      </a:effectRef>
-      <a:fontRef idx="minor"/>
-    </dgm:style>
-  </dgm:styleLbl>
-  <dgm:styleLbl name="alignAccFollowNode1">
-    <dgm:scene3d>
-      <a:camera prst="orthographicFront"/>
-      <a:lightRig rig="threePt" dir="t"/>
-    </dgm:scene3d>
-    <dgm:sp3d/>
-    <dgm:txPr/>
-    <dgm:style>
-      <a:lnRef idx="1">
-        <a:scrgbClr r="0" g="0" b="0"/>
-      </a:lnRef>
-      <a:fillRef idx="1">
-        <a:scrgbClr r="0" g="0" b="0"/>
-      </a:fillRef>
-      <a:effectRef idx="2">
-        <a:scrgbClr r="0" g="0" b="0"/>
-      </a:effectRef>
-      <a:fontRef idx="minor"/>
-    </dgm:style>
-  </dgm:styleLbl>
-  <dgm:styleLbl name="bgAccFollowNode1">
-    <dgm:scene3d>
-      <a:camera prst="orthographicFront"/>
-      <a:lightRig rig="threePt" dir="t"/>
-    </dgm:scene3d>
-    <dgm:sp3d/>
-    <dgm:txPr/>
-    <dgm:style>
-      <a:lnRef idx="1">
-        <a:scrgbClr r="0" g="0" b="0"/>
-      </a:lnRef>
-      <a:fillRef idx="1">
-        <a:scrgbClr r="0" g="0" b="0"/>
-      </a:fillRef>
-      <a:effectRef idx="2">
-        <a:scrgbClr r="0" g="0" b="0"/>
-      </a:effectRef>
-      <a:fontRef idx="minor"/>
-    </dgm:style>
-  </dgm:styleLbl>
-  <dgm:styleLbl name="fgAcc0">
-    <dgm:scene3d>
-      <a:camera prst="orthographicFront"/>
-      <a:lightRig rig="threePt" dir="t"/>
-    </dgm:scene3d>
-    <dgm:sp3d/>
-    <dgm:txPr/>
-    <dgm:style>
-      <a:lnRef idx="1">
-        <a:scrgbClr r="0" g="0" b="0"/>
-      </a:lnRef>
-      <a:fillRef idx="1">
-        <a:scrgbClr r="0" g="0" b="0"/>
-      </a:fillRef>
-      <a:effectRef idx="2">
-        <a:scrgbClr r="0" g="0" b="0"/>
-      </a:effectRef>
-      <a:fontRef idx="minor"/>
-    </dgm:style>
-  </dgm:styleLbl>
-  <dgm:styleLbl name="fgAcc2">
-    <dgm:scene3d>
-      <a:camera prst="orthographicFront"/>
-      <a:lightRig rig="threePt" dir="t"/>
-    </dgm:scene3d>
-    <dgm:sp3d/>
-    <dgm:txPr/>
-    <dgm:style>
-      <a:lnRef idx="1">
-        <a:scrgbClr r="0" g="0" b="0"/>
-      </a:lnRef>
-      <a:fillRef idx="1">
-        <a:scrgbClr r="0" g="0" b="0"/>
-      </a:fillRef>
-      <a:effectRef idx="2">
-        <a:scrgbClr r="0" g="0" b="0"/>
-      </a:effectRef>
-      <a:fontRef idx="minor"/>
-    </dgm:style>
-  </dgm:styleLbl>
-  <dgm:styleLbl name="fgAcc3">
-    <dgm:scene3d>
-      <a:camera prst="orthographicFront"/>
-      <a:lightRig rig="threePt" dir="t"/>
-    </dgm:scene3d>
-    <dgm:sp3d/>
-    <dgm:txPr/>
-    <dgm:style>
-      <a:lnRef idx="1">
-        <a:scrgbClr r="0" g="0" b="0"/>
-      </a:lnRef>
-      <a:fillRef idx="1">
-        <a:scrgbClr r="0" g="0" b="0"/>
-      </a:fillRef>
-      <a:effectRef idx="2">
-        <a:scrgbClr r="0" g="0" b="0"/>
-      </a:effectRef>
-      <a:fontRef idx="minor"/>
-    </dgm:style>
-  </dgm:styleLbl>
-  <dgm:styleLbl name="fgAcc4">
-    <dgm:scene3d>
-      <a:camera prst="orthographicFront"/>
-      <a:lightRig rig="threePt" dir="t"/>
-    </dgm:scene3d>
-    <dgm:sp3d/>
-    <dgm:txPr/>
-    <dgm:style>
-      <a:lnRef idx="1">
-        <a:scrgbClr r="0" g="0" b="0"/>
-      </a:lnRef>
-      <a:fillRef idx="1">
-        <a:scrgbClr r="0" g="0" b="0"/>
-      </a:fillRef>
-      <a:effectRef idx="2">
-        <a:scrgbClr r="0" g="0" b="0"/>
-      </a:effectRef>
-      <a:fontRef idx="minor"/>
-    </dgm:style>
-  </dgm:styleLbl>
-  <dgm:styleLbl name="bgShp">
-    <dgm:scene3d>
-      <a:camera prst="orthographicFront"/>
-      <a:lightRig rig="threePt" dir="t"/>
-    </dgm:scene3d>
-    <dgm:sp3d/>
-    <dgm:txPr/>
-    <dgm:style>
-      <a:lnRef idx="0">
-        <a:scrgbClr r="0" g="0" b="0"/>
-      </a:lnRef>
-      <a:fillRef idx="1">
-        <a:scrgbClr r="0" g="0" b="0"/>
-      </a:fillRef>
-      <a:effectRef idx="2">
-        <a:scrgbClr r="0" g="0" b="0"/>
-      </a:effectRef>
-      <a:fontRef idx="minor"/>
-    </dgm:style>
-  </dgm:styleLbl>
-  <dgm:styleLbl name="dkBgShp">
-    <dgm:scene3d>
-      <a:camera prst="orthographicFront"/>
-      <a:lightRig rig="threePt" dir="t"/>
-    </dgm:scene3d>
-    <dgm:sp3d/>
-    <dgm:txPr/>
-    <dgm:style>
-      <a:lnRef idx="0">
-        <a:scrgbClr r="0" g="0" b="0"/>
-      </a:lnRef>
-      <a:fillRef idx="1">
-        <a:scrgbClr r="0" g="0" b="0"/>
-      </a:fillRef>
-      <a:effectRef idx="3">
-        <a:scrgbClr r="0" g="0" b="0"/>
-      </a:effectRef>
-      <a:fontRef idx="minor"/>
-    </dgm:style>
-  </dgm:styleLbl>
-  <dgm:styleLbl name="trBgShp">
-    <dgm:scene3d>
-      <a:camera prst="orthographicFront"/>
-      <a:lightRig rig="threePt" dir="t"/>
-    </dgm:scene3d>
-    <dgm:sp3d/>
-    <dgm:txPr/>
-    <dgm:style>
-      <a:lnRef idx="0">
-        <a:scrgbClr r="0" g="0" b="0"/>
-      </a:lnRef>
-      <a:fillRef idx="1">
-        <a:scrgbClr r="0" g="0" b="0"/>
-      </a:fillRef>
-      <a:effectRef idx="0">
-        <a:scrgbClr r="0" g="0" b="0"/>
-      </a:effectRef>
-      <a:fontRef idx="minor"/>
-    </dgm:style>
-  </dgm:styleLbl>
-  <dgm:styleLbl name="fgShp">
-    <dgm:scene3d>
-      <a:camera prst="orthographicFront"/>
-      <a:lightRig rig="threePt" dir="t"/>
-    </dgm:scene3d>
-    <dgm:sp3d/>
-    <dgm:txPr/>
-    <dgm:style>
-      <a:lnRef idx="0">
-        <a:scrgbClr r="0" g="0" b="0"/>
-      </a:lnRef>
-      <a:fillRef idx="3">
-        <a:scrgbClr r="0" g="0" b="0"/>
-      </a:fillRef>
-      <a:effectRef idx="3">
-        <a:scrgbClr r="0" g="0" b="0"/>
-      </a:effectRef>
-      <a:fontRef idx="minor"/>
-    </dgm:style>
-  </dgm:styleLbl>
-  <dgm:styleLbl name="revTx">
-    <dgm:scene3d>
-      <a:camera prst="orthographicFront"/>
-      <a:lightRig rig="threePt" dir="t"/>
-    </dgm:scene3d>
-    <dgm:sp3d/>
-    <dgm:txPr/>
-    <dgm:style>
-      <a:lnRef idx="0">
-        <a:scrgbClr r="0" g="0" b="0"/>
-      </a:lnRef>
-      <a:fillRef idx="0">
-        <a:scrgbClr r="0" g="0" b="0"/>
-      </a:fillRef>
-      <a:effectRef idx="0">
-        <a:scrgbClr r="0" g="0" b="0"/>
-      </a:effectRef>
-      <a:fontRef idx="minor"/>
-    </dgm:style>
-  </dgm:styleLbl>
-</dgm:styleDef>
 </file>
 
 <file path=ppt/handoutMasters/handoutMaster1.xml><?xml version="1.0" encoding="utf-8"?>
@@ -4697,601 +776,6 @@
 </p:notes>
 </file>
 
-<file path=ppt/notesSlides/notesSlide10.xml><?xml version="1.0" encoding="utf-8"?>
-<p:notes xmlns:a="http://schemas.openxmlformats.org/drawingml/2006/main" xmlns:r="http://schemas.openxmlformats.org/officeDocument/2006/relationships" xmlns:p="http://schemas.openxmlformats.org/presentationml/2006/main">
-  <p:cSld>
-    <p:spTree>
-      <p:nvGrpSpPr>
-        <p:cNvPr id="1" name=""/>
-        <p:cNvGrpSpPr/>
-        <p:nvPr/>
-      </p:nvGrpSpPr>
-      <p:grpSpPr>
-        <a:xfrm>
-          <a:off x="0" y="0"/>
-          <a:ext cx="0" cy="0"/>
-          <a:chOff x="0" y="0"/>
-          <a:chExt cx="0" cy="0"/>
-        </a:xfrm>
-      </p:grpSpPr>
-      <p:sp>
-        <p:nvSpPr>
-          <p:cNvPr id="2" name="幻灯片图像占位符 1"/>
-          <p:cNvSpPr>
-            <a:spLocks noGrp="1" noRot="1" noChangeAspect="1"/>
-          </p:cNvSpPr>
-          <p:nvPr>
-            <p:ph type="sldImg"/>
-          </p:nvPr>
-        </p:nvSpPr>
-        <p:spPr/>
-      </p:sp>
-      <p:sp>
-        <p:nvSpPr>
-          <p:cNvPr id="3" name="备注占位符 2"/>
-          <p:cNvSpPr>
-            <a:spLocks noGrp="1"/>
-          </p:cNvSpPr>
-          <p:nvPr>
-            <p:ph type="body" idx="1"/>
-          </p:nvPr>
-        </p:nvSpPr>
-        <p:spPr/>
-        <p:txBody>
-          <a:bodyPr/>
-          <a:lstStyle/>
-          <a:p>
-            <a:endParaRPr lang="zh-CN" altLang="en-US"/>
-          </a:p>
-        </p:txBody>
-      </p:sp>
-      <p:sp>
-        <p:nvSpPr>
-          <p:cNvPr id="4" name="幻灯片编号占位符 3"/>
-          <p:cNvSpPr>
-            <a:spLocks noGrp="1"/>
-          </p:cNvSpPr>
-          <p:nvPr>
-            <p:ph type="sldNum" sz="quarter" idx="10"/>
-          </p:nvPr>
-        </p:nvSpPr>
-        <p:spPr/>
-        <p:txBody>
-          <a:bodyPr/>
-          <a:lstStyle/>
-          <a:p>
-            <a:fld id="{68322CDD-9D6C-4F63-9EC2-648226624108}" type="slidenum">
-              <a:rPr lang="en-US" smtClean="0"/>
-              <a:pPr/>
-              <a:t>10</a:t>
-            </a:fld>
-            <a:endParaRPr lang="en-US"/>
-          </a:p>
-        </p:txBody>
-      </p:sp>
-    </p:spTree>
-    <p:extLst>
-      <p:ext uri="{BB962C8B-B14F-4D97-AF65-F5344CB8AC3E}">
-        <p14:creationId xmlns:p14="http://schemas.microsoft.com/office/powerpoint/2010/main" val="813541416"/>
-      </p:ext>
-    </p:extLst>
-  </p:cSld>
-  <p:clrMapOvr>
-    <a:masterClrMapping/>
-  </p:clrMapOvr>
-</p:notes>
-</file>
-
-<file path=ppt/notesSlides/notesSlide11.xml><?xml version="1.0" encoding="utf-8"?>
-<p:notes xmlns:a="http://schemas.openxmlformats.org/drawingml/2006/main" xmlns:r="http://schemas.openxmlformats.org/officeDocument/2006/relationships" xmlns:p="http://schemas.openxmlformats.org/presentationml/2006/main">
-  <p:cSld>
-    <p:spTree>
-      <p:nvGrpSpPr>
-        <p:cNvPr id="1" name=""/>
-        <p:cNvGrpSpPr/>
-        <p:nvPr/>
-      </p:nvGrpSpPr>
-      <p:grpSpPr>
-        <a:xfrm>
-          <a:off x="0" y="0"/>
-          <a:ext cx="0" cy="0"/>
-          <a:chOff x="0" y="0"/>
-          <a:chExt cx="0" cy="0"/>
-        </a:xfrm>
-      </p:grpSpPr>
-      <p:sp>
-        <p:nvSpPr>
-          <p:cNvPr id="2" name="幻灯片图像占位符 1"/>
-          <p:cNvSpPr>
-            <a:spLocks noGrp="1" noRot="1" noChangeAspect="1"/>
-          </p:cNvSpPr>
-          <p:nvPr>
-            <p:ph type="sldImg"/>
-          </p:nvPr>
-        </p:nvSpPr>
-        <p:spPr/>
-      </p:sp>
-      <p:sp>
-        <p:nvSpPr>
-          <p:cNvPr id="3" name="备注占位符 2"/>
-          <p:cNvSpPr>
-            <a:spLocks noGrp="1"/>
-          </p:cNvSpPr>
-          <p:nvPr>
-            <p:ph type="body" idx="1"/>
-          </p:nvPr>
-        </p:nvSpPr>
-        <p:spPr/>
-        <p:txBody>
-          <a:bodyPr/>
-          <a:lstStyle/>
-          <a:p>
-            <a:endParaRPr lang="zh-CN" altLang="en-US"/>
-          </a:p>
-        </p:txBody>
-      </p:sp>
-      <p:sp>
-        <p:nvSpPr>
-          <p:cNvPr id="4" name="幻灯片编号占位符 3"/>
-          <p:cNvSpPr>
-            <a:spLocks noGrp="1"/>
-          </p:cNvSpPr>
-          <p:nvPr>
-            <p:ph type="sldNum" sz="quarter" idx="10"/>
-          </p:nvPr>
-        </p:nvSpPr>
-        <p:spPr/>
-        <p:txBody>
-          <a:bodyPr/>
-          <a:lstStyle/>
-          <a:p>
-            <a:fld id="{68322CDD-9D6C-4F63-9EC2-648226624108}" type="slidenum">
-              <a:rPr lang="en-US" smtClean="0"/>
-              <a:pPr/>
-              <a:t>11</a:t>
-            </a:fld>
-            <a:endParaRPr lang="en-US"/>
-          </a:p>
-        </p:txBody>
-      </p:sp>
-    </p:spTree>
-    <p:extLst>
-      <p:ext uri="{BB962C8B-B14F-4D97-AF65-F5344CB8AC3E}">
-        <p14:creationId xmlns:p14="http://schemas.microsoft.com/office/powerpoint/2010/main" val="1547871027"/>
-      </p:ext>
-    </p:extLst>
-  </p:cSld>
-  <p:clrMapOvr>
-    <a:masterClrMapping/>
-  </p:clrMapOvr>
-</p:notes>
-</file>
-
-<file path=ppt/notesSlides/notesSlide12.xml><?xml version="1.0" encoding="utf-8"?>
-<p:notes xmlns:a="http://schemas.openxmlformats.org/drawingml/2006/main" xmlns:r="http://schemas.openxmlformats.org/officeDocument/2006/relationships" xmlns:p="http://schemas.openxmlformats.org/presentationml/2006/main">
-  <p:cSld>
-    <p:spTree>
-      <p:nvGrpSpPr>
-        <p:cNvPr id="1" name=""/>
-        <p:cNvGrpSpPr/>
-        <p:nvPr/>
-      </p:nvGrpSpPr>
-      <p:grpSpPr>
-        <a:xfrm>
-          <a:off x="0" y="0"/>
-          <a:ext cx="0" cy="0"/>
-          <a:chOff x="0" y="0"/>
-          <a:chExt cx="0" cy="0"/>
-        </a:xfrm>
-      </p:grpSpPr>
-      <p:sp>
-        <p:nvSpPr>
-          <p:cNvPr id="2" name="幻灯片图像占位符 1"/>
-          <p:cNvSpPr>
-            <a:spLocks noGrp="1" noRot="1" noChangeAspect="1"/>
-          </p:cNvSpPr>
-          <p:nvPr>
-            <p:ph type="sldImg"/>
-          </p:nvPr>
-        </p:nvSpPr>
-        <p:spPr/>
-      </p:sp>
-      <p:sp>
-        <p:nvSpPr>
-          <p:cNvPr id="3" name="备注占位符 2"/>
-          <p:cNvSpPr>
-            <a:spLocks noGrp="1"/>
-          </p:cNvSpPr>
-          <p:nvPr>
-            <p:ph type="body" idx="1"/>
-          </p:nvPr>
-        </p:nvSpPr>
-        <p:spPr/>
-        <p:txBody>
-          <a:bodyPr/>
-          <a:lstStyle/>
-          <a:p>
-            <a:endParaRPr lang="zh-CN" altLang="en-US"/>
-          </a:p>
-        </p:txBody>
-      </p:sp>
-      <p:sp>
-        <p:nvSpPr>
-          <p:cNvPr id="4" name="幻灯片编号占位符 3"/>
-          <p:cNvSpPr>
-            <a:spLocks noGrp="1"/>
-          </p:cNvSpPr>
-          <p:nvPr>
-            <p:ph type="sldNum" sz="quarter" idx="10"/>
-          </p:nvPr>
-        </p:nvSpPr>
-        <p:spPr/>
-        <p:txBody>
-          <a:bodyPr/>
-          <a:lstStyle/>
-          <a:p>
-            <a:fld id="{68322CDD-9D6C-4F63-9EC2-648226624108}" type="slidenum">
-              <a:rPr lang="en-US" smtClean="0"/>
-              <a:pPr/>
-              <a:t>12</a:t>
-            </a:fld>
-            <a:endParaRPr lang="en-US"/>
-          </a:p>
-        </p:txBody>
-      </p:sp>
-    </p:spTree>
-    <p:extLst>
-      <p:ext uri="{BB962C8B-B14F-4D97-AF65-F5344CB8AC3E}">
-        <p14:creationId xmlns:p14="http://schemas.microsoft.com/office/powerpoint/2010/main" val="3909087885"/>
-      </p:ext>
-    </p:extLst>
-  </p:cSld>
-  <p:clrMapOvr>
-    <a:masterClrMapping/>
-  </p:clrMapOvr>
-</p:notes>
-</file>
-
-<file path=ppt/notesSlides/notesSlide13.xml><?xml version="1.0" encoding="utf-8"?>
-<p:notes xmlns:a="http://schemas.openxmlformats.org/drawingml/2006/main" xmlns:r="http://schemas.openxmlformats.org/officeDocument/2006/relationships" xmlns:p="http://schemas.openxmlformats.org/presentationml/2006/main">
-  <p:cSld>
-    <p:spTree>
-      <p:nvGrpSpPr>
-        <p:cNvPr id="1" name=""/>
-        <p:cNvGrpSpPr/>
-        <p:nvPr/>
-      </p:nvGrpSpPr>
-      <p:grpSpPr>
-        <a:xfrm>
-          <a:off x="0" y="0"/>
-          <a:ext cx="0" cy="0"/>
-          <a:chOff x="0" y="0"/>
-          <a:chExt cx="0" cy="0"/>
-        </a:xfrm>
-      </p:grpSpPr>
-      <p:sp>
-        <p:nvSpPr>
-          <p:cNvPr id="2" name="幻灯片图像占位符 1"/>
-          <p:cNvSpPr>
-            <a:spLocks noGrp="1" noRot="1" noChangeAspect="1"/>
-          </p:cNvSpPr>
-          <p:nvPr>
-            <p:ph type="sldImg"/>
-          </p:nvPr>
-        </p:nvSpPr>
-        <p:spPr/>
-      </p:sp>
-      <p:sp>
-        <p:nvSpPr>
-          <p:cNvPr id="3" name="备注占位符 2"/>
-          <p:cNvSpPr>
-            <a:spLocks noGrp="1"/>
-          </p:cNvSpPr>
-          <p:nvPr>
-            <p:ph type="body" idx="1"/>
-          </p:nvPr>
-        </p:nvSpPr>
-        <p:spPr/>
-        <p:txBody>
-          <a:bodyPr/>
-          <a:lstStyle/>
-          <a:p>
-            <a:endParaRPr lang="zh-CN" altLang="en-US"/>
-          </a:p>
-        </p:txBody>
-      </p:sp>
-      <p:sp>
-        <p:nvSpPr>
-          <p:cNvPr id="4" name="幻灯片编号占位符 3"/>
-          <p:cNvSpPr>
-            <a:spLocks noGrp="1"/>
-          </p:cNvSpPr>
-          <p:nvPr>
-            <p:ph type="sldNum" sz="quarter" idx="10"/>
-          </p:nvPr>
-        </p:nvSpPr>
-        <p:spPr/>
-        <p:txBody>
-          <a:bodyPr/>
-          <a:lstStyle/>
-          <a:p>
-            <a:fld id="{68322CDD-9D6C-4F63-9EC2-648226624108}" type="slidenum">
-              <a:rPr lang="en-US" smtClean="0"/>
-              <a:pPr/>
-              <a:t>13</a:t>
-            </a:fld>
-            <a:endParaRPr lang="en-US"/>
-          </a:p>
-        </p:txBody>
-      </p:sp>
-    </p:spTree>
-    <p:extLst>
-      <p:ext uri="{BB962C8B-B14F-4D97-AF65-F5344CB8AC3E}">
-        <p14:creationId xmlns:p14="http://schemas.microsoft.com/office/powerpoint/2010/main" val="3944742829"/>
-      </p:ext>
-    </p:extLst>
-  </p:cSld>
-  <p:clrMapOvr>
-    <a:masterClrMapping/>
-  </p:clrMapOvr>
-</p:notes>
-</file>
-
-<file path=ppt/notesSlides/notesSlide14.xml><?xml version="1.0" encoding="utf-8"?>
-<p:notes xmlns:a="http://schemas.openxmlformats.org/drawingml/2006/main" xmlns:r="http://schemas.openxmlformats.org/officeDocument/2006/relationships" xmlns:p="http://schemas.openxmlformats.org/presentationml/2006/main">
-  <p:cSld>
-    <p:spTree>
-      <p:nvGrpSpPr>
-        <p:cNvPr id="1" name=""/>
-        <p:cNvGrpSpPr/>
-        <p:nvPr/>
-      </p:nvGrpSpPr>
-      <p:grpSpPr>
-        <a:xfrm>
-          <a:off x="0" y="0"/>
-          <a:ext cx="0" cy="0"/>
-          <a:chOff x="0" y="0"/>
-          <a:chExt cx="0" cy="0"/>
-        </a:xfrm>
-      </p:grpSpPr>
-      <p:sp>
-        <p:nvSpPr>
-          <p:cNvPr id="2" name="幻灯片图像占位符 1"/>
-          <p:cNvSpPr>
-            <a:spLocks noGrp="1" noRot="1" noChangeAspect="1"/>
-          </p:cNvSpPr>
-          <p:nvPr>
-            <p:ph type="sldImg"/>
-          </p:nvPr>
-        </p:nvSpPr>
-        <p:spPr/>
-      </p:sp>
-      <p:sp>
-        <p:nvSpPr>
-          <p:cNvPr id="3" name="备注占位符 2"/>
-          <p:cNvSpPr>
-            <a:spLocks noGrp="1"/>
-          </p:cNvSpPr>
-          <p:nvPr>
-            <p:ph type="body" idx="1"/>
-          </p:nvPr>
-        </p:nvSpPr>
-        <p:spPr/>
-        <p:txBody>
-          <a:bodyPr/>
-          <a:lstStyle/>
-          <a:p>
-            <a:endParaRPr lang="zh-CN" altLang="en-US"/>
-          </a:p>
-        </p:txBody>
-      </p:sp>
-      <p:sp>
-        <p:nvSpPr>
-          <p:cNvPr id="4" name="幻灯片编号占位符 3"/>
-          <p:cNvSpPr>
-            <a:spLocks noGrp="1"/>
-          </p:cNvSpPr>
-          <p:nvPr>
-            <p:ph type="sldNum" sz="quarter" idx="10"/>
-          </p:nvPr>
-        </p:nvSpPr>
-        <p:spPr/>
-        <p:txBody>
-          <a:bodyPr/>
-          <a:lstStyle/>
-          <a:p>
-            <a:fld id="{68322CDD-9D6C-4F63-9EC2-648226624108}" type="slidenum">
-              <a:rPr lang="en-US" smtClean="0"/>
-              <a:pPr/>
-              <a:t>14</a:t>
-            </a:fld>
-            <a:endParaRPr lang="en-US"/>
-          </a:p>
-        </p:txBody>
-      </p:sp>
-    </p:spTree>
-    <p:extLst>
-      <p:ext uri="{BB962C8B-B14F-4D97-AF65-F5344CB8AC3E}">
-        <p14:creationId xmlns:p14="http://schemas.microsoft.com/office/powerpoint/2010/main" val="3762332169"/>
-      </p:ext>
-    </p:extLst>
-  </p:cSld>
-  <p:clrMapOvr>
-    <a:masterClrMapping/>
-  </p:clrMapOvr>
-</p:notes>
-</file>
-
-<file path=ppt/notesSlides/notesSlide15.xml><?xml version="1.0" encoding="utf-8"?>
-<p:notes xmlns:a="http://schemas.openxmlformats.org/drawingml/2006/main" xmlns:r="http://schemas.openxmlformats.org/officeDocument/2006/relationships" xmlns:p="http://schemas.openxmlformats.org/presentationml/2006/main">
-  <p:cSld>
-    <p:spTree>
-      <p:nvGrpSpPr>
-        <p:cNvPr id="1" name=""/>
-        <p:cNvGrpSpPr/>
-        <p:nvPr/>
-      </p:nvGrpSpPr>
-      <p:grpSpPr>
-        <a:xfrm>
-          <a:off x="0" y="0"/>
-          <a:ext cx="0" cy="0"/>
-          <a:chOff x="0" y="0"/>
-          <a:chExt cx="0" cy="0"/>
-        </a:xfrm>
-      </p:grpSpPr>
-      <p:sp>
-        <p:nvSpPr>
-          <p:cNvPr id="2" name="幻灯片图像占位符 1"/>
-          <p:cNvSpPr>
-            <a:spLocks noGrp="1" noRot="1" noChangeAspect="1"/>
-          </p:cNvSpPr>
-          <p:nvPr>
-            <p:ph type="sldImg"/>
-          </p:nvPr>
-        </p:nvSpPr>
-        <p:spPr/>
-      </p:sp>
-      <p:sp>
-        <p:nvSpPr>
-          <p:cNvPr id="3" name="备注占位符 2"/>
-          <p:cNvSpPr>
-            <a:spLocks noGrp="1"/>
-          </p:cNvSpPr>
-          <p:nvPr>
-            <p:ph type="body" idx="1"/>
-          </p:nvPr>
-        </p:nvSpPr>
-        <p:spPr/>
-        <p:txBody>
-          <a:bodyPr/>
-          <a:lstStyle/>
-          <a:p>
-            <a:endParaRPr lang="zh-CN" altLang="en-US"/>
-          </a:p>
-        </p:txBody>
-      </p:sp>
-      <p:sp>
-        <p:nvSpPr>
-          <p:cNvPr id="4" name="幻灯片编号占位符 3"/>
-          <p:cNvSpPr>
-            <a:spLocks noGrp="1"/>
-          </p:cNvSpPr>
-          <p:nvPr>
-            <p:ph type="sldNum" sz="quarter" idx="10"/>
-          </p:nvPr>
-        </p:nvSpPr>
-        <p:spPr/>
-        <p:txBody>
-          <a:bodyPr/>
-          <a:lstStyle/>
-          <a:p>
-            <a:fld id="{68322CDD-9D6C-4F63-9EC2-648226624108}" type="slidenum">
-              <a:rPr lang="en-US" smtClean="0"/>
-              <a:pPr/>
-              <a:t>15</a:t>
-            </a:fld>
-            <a:endParaRPr lang="en-US"/>
-          </a:p>
-        </p:txBody>
-      </p:sp>
-    </p:spTree>
-    <p:extLst>
-      <p:ext uri="{BB962C8B-B14F-4D97-AF65-F5344CB8AC3E}">
-        <p14:creationId xmlns:p14="http://schemas.microsoft.com/office/powerpoint/2010/main" val="2267059253"/>
-      </p:ext>
-    </p:extLst>
-  </p:cSld>
-  <p:clrMapOvr>
-    <a:masterClrMapping/>
-  </p:clrMapOvr>
-</p:notes>
-</file>
-
-<file path=ppt/notesSlides/notesSlide16.xml><?xml version="1.0" encoding="utf-8"?>
-<p:notes xmlns:a="http://schemas.openxmlformats.org/drawingml/2006/main" xmlns:r="http://schemas.openxmlformats.org/officeDocument/2006/relationships" xmlns:p="http://schemas.openxmlformats.org/presentationml/2006/main">
-  <p:cSld>
-    <p:spTree>
-      <p:nvGrpSpPr>
-        <p:cNvPr id="1" name=""/>
-        <p:cNvGrpSpPr/>
-        <p:nvPr/>
-      </p:nvGrpSpPr>
-      <p:grpSpPr>
-        <a:xfrm>
-          <a:off x="0" y="0"/>
-          <a:ext cx="0" cy="0"/>
-          <a:chOff x="0" y="0"/>
-          <a:chExt cx="0" cy="0"/>
-        </a:xfrm>
-      </p:grpSpPr>
-      <p:sp>
-        <p:nvSpPr>
-          <p:cNvPr id="2" name="幻灯片图像占位符 1"/>
-          <p:cNvSpPr>
-            <a:spLocks noGrp="1" noRot="1" noChangeAspect="1"/>
-          </p:cNvSpPr>
-          <p:nvPr>
-            <p:ph type="sldImg"/>
-          </p:nvPr>
-        </p:nvSpPr>
-        <p:spPr/>
-      </p:sp>
-      <p:sp>
-        <p:nvSpPr>
-          <p:cNvPr id="3" name="备注占位符 2"/>
-          <p:cNvSpPr>
-            <a:spLocks noGrp="1"/>
-          </p:cNvSpPr>
-          <p:nvPr>
-            <p:ph type="body" idx="1"/>
-          </p:nvPr>
-        </p:nvSpPr>
-        <p:spPr/>
-        <p:txBody>
-          <a:bodyPr/>
-          <a:lstStyle/>
-          <a:p>
-            <a:endParaRPr lang="zh-CN" altLang="en-US"/>
-          </a:p>
-        </p:txBody>
-      </p:sp>
-      <p:sp>
-        <p:nvSpPr>
-          <p:cNvPr id="4" name="幻灯片编号占位符 3"/>
-          <p:cNvSpPr>
-            <a:spLocks noGrp="1"/>
-          </p:cNvSpPr>
-          <p:nvPr>
-            <p:ph type="sldNum" sz="quarter" idx="10"/>
-          </p:nvPr>
-        </p:nvSpPr>
-        <p:spPr/>
-        <p:txBody>
-          <a:bodyPr/>
-          <a:lstStyle/>
-          <a:p>
-            <a:fld id="{68322CDD-9D6C-4F63-9EC2-648226624108}" type="slidenum">
-              <a:rPr lang="en-US" smtClean="0"/>
-              <a:pPr/>
-              <a:t>16</a:t>
-            </a:fld>
-            <a:endParaRPr lang="en-US"/>
-          </a:p>
-        </p:txBody>
-      </p:sp>
-    </p:spTree>
-    <p:extLst>
-      <p:ext uri="{BB962C8B-B14F-4D97-AF65-F5344CB8AC3E}">
-        <p14:creationId xmlns:p14="http://schemas.microsoft.com/office/powerpoint/2010/main" val="261680176"/>
-      </p:ext>
-    </p:extLst>
-  </p:cSld>
-  <p:clrMapOvr>
-    <a:masterClrMapping/>
-  </p:clrMapOvr>
-</p:notes>
-</file>
-
 <file path=ppt/notesSlides/notesSlide2.xml><?xml version="1.0" encoding="utf-8"?>
 <p:notes xmlns:a="http://schemas.openxmlformats.org/drawingml/2006/main" xmlns:r="http://schemas.openxmlformats.org/officeDocument/2006/relationships" xmlns:p="http://schemas.openxmlformats.org/presentationml/2006/main">
   <p:cSld>
@@ -5793,176 +1277,6 @@
     <p:extLst>
       <p:ext uri="{BB962C8B-B14F-4D97-AF65-F5344CB8AC3E}">
         <p14:creationId xmlns:p14="http://schemas.microsoft.com/office/powerpoint/2010/main" val="482600329"/>
-      </p:ext>
-    </p:extLst>
-  </p:cSld>
-  <p:clrMapOvr>
-    <a:masterClrMapping/>
-  </p:clrMapOvr>
-</p:notes>
-</file>
-
-<file path=ppt/notesSlides/notesSlide8.xml><?xml version="1.0" encoding="utf-8"?>
-<p:notes xmlns:a="http://schemas.openxmlformats.org/drawingml/2006/main" xmlns:r="http://schemas.openxmlformats.org/officeDocument/2006/relationships" xmlns:p="http://schemas.openxmlformats.org/presentationml/2006/main">
-  <p:cSld>
-    <p:spTree>
-      <p:nvGrpSpPr>
-        <p:cNvPr id="1" name=""/>
-        <p:cNvGrpSpPr/>
-        <p:nvPr/>
-      </p:nvGrpSpPr>
-      <p:grpSpPr>
-        <a:xfrm>
-          <a:off x="0" y="0"/>
-          <a:ext cx="0" cy="0"/>
-          <a:chOff x="0" y="0"/>
-          <a:chExt cx="0" cy="0"/>
-        </a:xfrm>
-      </p:grpSpPr>
-      <p:sp>
-        <p:nvSpPr>
-          <p:cNvPr id="2" name="幻灯片图像占位符 1"/>
-          <p:cNvSpPr>
-            <a:spLocks noGrp="1" noRot="1" noChangeAspect="1"/>
-          </p:cNvSpPr>
-          <p:nvPr>
-            <p:ph type="sldImg"/>
-          </p:nvPr>
-        </p:nvSpPr>
-        <p:spPr/>
-      </p:sp>
-      <p:sp>
-        <p:nvSpPr>
-          <p:cNvPr id="3" name="备注占位符 2"/>
-          <p:cNvSpPr>
-            <a:spLocks noGrp="1"/>
-          </p:cNvSpPr>
-          <p:nvPr>
-            <p:ph type="body" idx="1"/>
-          </p:nvPr>
-        </p:nvSpPr>
-        <p:spPr/>
-        <p:txBody>
-          <a:bodyPr/>
-          <a:lstStyle/>
-          <a:p>
-            <a:endParaRPr lang="zh-CN" altLang="en-US"/>
-          </a:p>
-        </p:txBody>
-      </p:sp>
-      <p:sp>
-        <p:nvSpPr>
-          <p:cNvPr id="4" name="幻灯片编号占位符 3"/>
-          <p:cNvSpPr>
-            <a:spLocks noGrp="1"/>
-          </p:cNvSpPr>
-          <p:nvPr>
-            <p:ph type="sldNum" sz="quarter" idx="10"/>
-          </p:nvPr>
-        </p:nvSpPr>
-        <p:spPr/>
-        <p:txBody>
-          <a:bodyPr/>
-          <a:lstStyle/>
-          <a:p>
-            <a:fld id="{68322CDD-9D6C-4F63-9EC2-648226624108}" type="slidenum">
-              <a:rPr lang="en-US" smtClean="0"/>
-              <a:pPr/>
-              <a:t>8</a:t>
-            </a:fld>
-            <a:endParaRPr lang="en-US"/>
-          </a:p>
-        </p:txBody>
-      </p:sp>
-    </p:spTree>
-    <p:extLst>
-      <p:ext uri="{BB962C8B-B14F-4D97-AF65-F5344CB8AC3E}">
-        <p14:creationId xmlns:p14="http://schemas.microsoft.com/office/powerpoint/2010/main" val="2323755011"/>
-      </p:ext>
-    </p:extLst>
-  </p:cSld>
-  <p:clrMapOvr>
-    <a:masterClrMapping/>
-  </p:clrMapOvr>
-</p:notes>
-</file>
-
-<file path=ppt/notesSlides/notesSlide9.xml><?xml version="1.0" encoding="utf-8"?>
-<p:notes xmlns:a="http://schemas.openxmlformats.org/drawingml/2006/main" xmlns:r="http://schemas.openxmlformats.org/officeDocument/2006/relationships" xmlns:p="http://schemas.openxmlformats.org/presentationml/2006/main">
-  <p:cSld>
-    <p:spTree>
-      <p:nvGrpSpPr>
-        <p:cNvPr id="1" name=""/>
-        <p:cNvGrpSpPr/>
-        <p:nvPr/>
-      </p:nvGrpSpPr>
-      <p:grpSpPr>
-        <a:xfrm>
-          <a:off x="0" y="0"/>
-          <a:ext cx="0" cy="0"/>
-          <a:chOff x="0" y="0"/>
-          <a:chExt cx="0" cy="0"/>
-        </a:xfrm>
-      </p:grpSpPr>
-      <p:sp>
-        <p:nvSpPr>
-          <p:cNvPr id="2" name="幻灯片图像占位符 1"/>
-          <p:cNvSpPr>
-            <a:spLocks noGrp="1" noRot="1" noChangeAspect="1"/>
-          </p:cNvSpPr>
-          <p:nvPr>
-            <p:ph type="sldImg"/>
-          </p:nvPr>
-        </p:nvSpPr>
-        <p:spPr/>
-      </p:sp>
-      <p:sp>
-        <p:nvSpPr>
-          <p:cNvPr id="3" name="备注占位符 2"/>
-          <p:cNvSpPr>
-            <a:spLocks noGrp="1"/>
-          </p:cNvSpPr>
-          <p:nvPr>
-            <p:ph type="body" idx="1"/>
-          </p:nvPr>
-        </p:nvSpPr>
-        <p:spPr/>
-        <p:txBody>
-          <a:bodyPr/>
-          <a:lstStyle/>
-          <a:p>
-            <a:endParaRPr lang="zh-CN" altLang="en-US"/>
-          </a:p>
-        </p:txBody>
-      </p:sp>
-      <p:sp>
-        <p:nvSpPr>
-          <p:cNvPr id="4" name="幻灯片编号占位符 3"/>
-          <p:cNvSpPr>
-            <a:spLocks noGrp="1"/>
-          </p:cNvSpPr>
-          <p:nvPr>
-            <p:ph type="sldNum" sz="quarter" idx="10"/>
-          </p:nvPr>
-        </p:nvSpPr>
-        <p:spPr/>
-        <p:txBody>
-          <a:bodyPr/>
-          <a:lstStyle/>
-          <a:p>
-            <a:fld id="{68322CDD-9D6C-4F63-9EC2-648226624108}" type="slidenum">
-              <a:rPr lang="en-US" smtClean="0"/>
-              <a:pPr/>
-              <a:t>9</a:t>
-            </a:fld>
-            <a:endParaRPr lang="en-US"/>
-          </a:p>
-        </p:txBody>
-      </p:sp>
-    </p:spTree>
-    <p:extLst>
-      <p:ext uri="{BB962C8B-B14F-4D97-AF65-F5344CB8AC3E}">
-        <p14:creationId xmlns:p14="http://schemas.microsoft.com/office/powerpoint/2010/main" val="3043402611"/>
       </p:ext>
     </p:extLst>
   </p:cSld>
@@ -9721,680 +5035,6 @@
 </p:sld>
 </file>
 
-<file path=ppt/slides/slide10.xml><?xml version="1.0" encoding="utf-8"?>
-<p:sld xmlns:a="http://schemas.openxmlformats.org/drawingml/2006/main" xmlns:r="http://schemas.openxmlformats.org/officeDocument/2006/relationships" xmlns:p="http://schemas.openxmlformats.org/presentationml/2006/main">
-  <p:cSld>
-    <p:spTree>
-      <p:nvGrpSpPr>
-        <p:cNvPr id="1" name=""/>
-        <p:cNvGrpSpPr/>
-        <p:nvPr/>
-      </p:nvGrpSpPr>
-      <p:grpSpPr>
-        <a:xfrm>
-          <a:off x="0" y="0"/>
-          <a:ext cx="0" cy="0"/>
-          <a:chOff x="0" y="0"/>
-          <a:chExt cx="0" cy="0"/>
-        </a:xfrm>
-      </p:grpSpPr>
-      <p:sp>
-        <p:nvSpPr>
-          <p:cNvPr id="2" name="标题 1"/>
-          <p:cNvSpPr>
-            <a:spLocks noGrp="1"/>
-          </p:cNvSpPr>
-          <p:nvPr>
-            <p:ph type="title"/>
-          </p:nvPr>
-        </p:nvSpPr>
-        <p:spPr/>
-        <p:txBody>
-          <a:bodyPr rtlCol="0"/>
-          <a:lstStyle/>
-          <a:p>
-            <a:pPr rtl="0"/>
-            <a:r>
-              <a:rPr lang="zh-CN" altLang="en-US" dirty="0"/>
-              <a:t>包含 </a:t>
-            </a:r>
-            <a:r>
-              <a:rPr lang="en-US" altLang="zh-CN" dirty="0"/>
-              <a:t>SmartArt </a:t>
-            </a:r>
-            <a:r>
-              <a:rPr lang="zh-CN" altLang="en-US" dirty="0"/>
-              <a:t>的两栏内容布局</a:t>
-            </a:r>
-          </a:p>
-        </p:txBody>
-      </p:sp>
-      <p:sp>
-        <p:nvSpPr>
-          <p:cNvPr id="3" name="内容占位符 2"/>
-          <p:cNvSpPr>
-            <a:spLocks noGrp="1"/>
-          </p:cNvSpPr>
-          <p:nvPr>
-            <p:ph sz="half" idx="1"/>
-          </p:nvPr>
-        </p:nvSpPr>
-        <p:spPr/>
-        <p:txBody>
-          <a:bodyPr rtlCol="0"/>
-          <a:lstStyle/>
-          <a:p>
-            <a:pPr rtl="0"/>
-            <a:r>
-              <a:rPr lang="zh-CN" altLang="en-US" dirty="0"/>
-              <a:t>此处是第一个项目要点</a:t>
-            </a:r>
-          </a:p>
-          <a:p>
-            <a:pPr rtl="0"/>
-            <a:r>
-              <a:rPr lang="zh-CN" altLang="en-US" dirty="0"/>
-              <a:t>此处是第二个项目要点</a:t>
-            </a:r>
-          </a:p>
-          <a:p>
-            <a:pPr rtl="0"/>
-            <a:r>
-              <a:rPr lang="zh-CN" altLang="en-US" dirty="0"/>
-              <a:t>此处是第三个项目要点</a:t>
-            </a:r>
-          </a:p>
-        </p:txBody>
-      </p:sp>
-      <p:graphicFrame>
-        <p:nvGraphicFramePr>
-          <p:cNvPr id="5" name="内容占位符 4" descr="分段棱锥显示&#10;4 个组之间相互关联的关系。组 A、组 2、组 3 和组 4 文字将显示在三角形中"/>
-          <p:cNvGraphicFramePr>
-            <a:graphicFrameLocks noGrp="1"/>
-          </p:cNvGraphicFramePr>
-          <p:nvPr>
-            <p:ph sz="half" idx="2"/>
-            <p:extLst>
-              <p:ext uri="{D42A27DB-BD31-4B8C-83A1-F6EECF244321}">
-                <p14:modId xmlns:p14="http://schemas.microsoft.com/office/powerpoint/2010/main" val="1598013441"/>
-              </p:ext>
-            </p:extLst>
-          </p:nvPr>
-        </p:nvGraphicFramePr>
-        <p:xfrm>
-          <a:off x="6172200" y="1825625"/>
-          <a:ext cx="4724400" cy="4117975"/>
-        </p:xfrm>
-        <a:graphic>
-          <a:graphicData uri="http://schemas.openxmlformats.org/drawingml/2006/diagram">
-            <dgm:relIds xmlns:dgm="http://schemas.openxmlformats.org/drawingml/2006/diagram" xmlns:r="http://schemas.openxmlformats.org/officeDocument/2006/relationships" r:dm="rId3" r:lo="rId4" r:qs="rId5" r:cs="rId6"/>
-          </a:graphicData>
-        </a:graphic>
-      </p:graphicFrame>
-    </p:spTree>
-    <p:extLst>
-      <p:ext uri="{BB962C8B-B14F-4D97-AF65-F5344CB8AC3E}">
-        <p14:creationId xmlns:p14="http://schemas.microsoft.com/office/powerpoint/2010/main" val="2557302982"/>
-      </p:ext>
-    </p:extLst>
-  </p:cSld>
-  <p:clrMapOvr>
-    <a:masterClrMapping/>
-  </p:clrMapOvr>
-  <mc:AlternateContent xmlns:mc="http://schemas.openxmlformats.org/markup-compatibility/2006" xmlns:p14="http://schemas.microsoft.com/office/powerpoint/2010/main">
-    <mc:Choice Requires="p14">
-      <p:transition spd="med" p14:dur="700">
-        <p:fade/>
-      </p:transition>
-    </mc:Choice>
-    <mc:Fallback xmlns="">
-      <p:transition spd="med">
-        <p:fade/>
-      </p:transition>
-    </mc:Fallback>
-  </mc:AlternateContent>
-</p:sld>
-</file>
-
-<file path=ppt/slides/slide11.xml><?xml version="1.0" encoding="utf-8"?>
-<p:sld xmlns:a="http://schemas.openxmlformats.org/drawingml/2006/main" xmlns:r="http://schemas.openxmlformats.org/officeDocument/2006/relationships" xmlns:p="http://schemas.openxmlformats.org/presentationml/2006/main">
-  <p:cSld>
-    <p:spTree>
-      <p:nvGrpSpPr>
-        <p:cNvPr id="1" name=""/>
-        <p:cNvGrpSpPr/>
-        <p:nvPr/>
-      </p:nvGrpSpPr>
-      <p:grpSpPr>
-        <a:xfrm>
-          <a:off x="0" y="0"/>
-          <a:ext cx="0" cy="0"/>
-          <a:chOff x="0" y="0"/>
-          <a:chExt cx="0" cy="0"/>
-        </a:xfrm>
-      </p:grpSpPr>
-      <p:sp>
-        <p:nvSpPr>
-          <p:cNvPr id="2" name="标题 1"/>
-          <p:cNvSpPr>
-            <a:spLocks noGrp="1"/>
-          </p:cNvSpPr>
-          <p:nvPr>
-            <p:ph type="title"/>
-          </p:nvPr>
-        </p:nvSpPr>
-        <p:spPr/>
-        <p:txBody>
-          <a:bodyPr rtlCol="0"/>
-          <a:lstStyle/>
-          <a:p>
-            <a:pPr rtl="0"/>
-            <a:r>
-              <a:rPr lang="zh-CN" dirty="0"/>
-              <a:t>添加幻灯片标题 - 1</a:t>
-            </a:r>
-          </a:p>
-        </p:txBody>
-      </p:sp>
-      <p:sp>
-        <p:nvSpPr>
-          <p:cNvPr id="3" name="文本占位符 2"/>
-          <p:cNvSpPr>
-            <a:spLocks noGrp="1"/>
-          </p:cNvSpPr>
-          <p:nvPr>
-            <p:ph type="body" idx="1"/>
-          </p:nvPr>
-        </p:nvSpPr>
-        <p:spPr/>
-        <p:txBody>
-          <a:bodyPr rtlCol="0"/>
-          <a:lstStyle/>
-          <a:p>
-            <a:pPr rtl="0"/>
-            <a:endParaRPr lang="zh-CN" altLang="en-US" dirty="0"/>
-          </a:p>
-        </p:txBody>
-      </p:sp>
-    </p:spTree>
-    <p:extLst>
-      <p:ext uri="{BB962C8B-B14F-4D97-AF65-F5344CB8AC3E}">
-        <p14:creationId xmlns:p14="http://schemas.microsoft.com/office/powerpoint/2010/main" val="3963179634"/>
-      </p:ext>
-    </p:extLst>
-  </p:cSld>
-  <p:clrMapOvr>
-    <a:masterClrMapping/>
-  </p:clrMapOvr>
-  <mc:AlternateContent xmlns:mc="http://schemas.openxmlformats.org/markup-compatibility/2006" xmlns:p14="http://schemas.microsoft.com/office/powerpoint/2010/main">
-    <mc:Choice Requires="p14">
-      <p:transition spd="med" p14:dur="700">
-        <p:fade/>
-      </p:transition>
-    </mc:Choice>
-    <mc:Fallback xmlns="">
-      <p:transition spd="med">
-        <p:fade/>
-      </p:transition>
-    </mc:Fallback>
-  </mc:AlternateContent>
-</p:sld>
-</file>
-
-<file path=ppt/slides/slide12.xml><?xml version="1.0" encoding="utf-8"?>
-<p:sld xmlns:a="http://schemas.openxmlformats.org/drawingml/2006/main" xmlns:r="http://schemas.openxmlformats.org/officeDocument/2006/relationships" xmlns:p="http://schemas.openxmlformats.org/presentationml/2006/main">
-  <p:cSld>
-    <p:spTree>
-      <p:nvGrpSpPr>
-        <p:cNvPr id="1" name=""/>
-        <p:cNvGrpSpPr/>
-        <p:nvPr/>
-      </p:nvGrpSpPr>
-      <p:grpSpPr>
-        <a:xfrm>
-          <a:off x="0" y="0"/>
-          <a:ext cx="0" cy="0"/>
-          <a:chOff x="0" y="0"/>
-          <a:chExt cx="0" cy="0"/>
-        </a:xfrm>
-      </p:grpSpPr>
-      <p:sp>
-        <p:nvSpPr>
-          <p:cNvPr id="2" name="标题 1"/>
-          <p:cNvSpPr>
-            <a:spLocks noGrp="1"/>
-          </p:cNvSpPr>
-          <p:nvPr>
-            <p:ph type="title"/>
-          </p:nvPr>
-        </p:nvSpPr>
-        <p:spPr/>
-        <p:txBody>
-          <a:bodyPr rtlCol="0"/>
-          <a:lstStyle/>
-          <a:p>
-            <a:pPr rtl="0"/>
-            <a:r>
-              <a:rPr lang="zh-CN" dirty="0"/>
-              <a:t>添加幻灯片标题 - 2</a:t>
-            </a:r>
-          </a:p>
-        </p:txBody>
-      </p:sp>
-      <p:sp>
-        <p:nvSpPr>
-          <p:cNvPr id="3" name="文本占位符 2"/>
-          <p:cNvSpPr>
-            <a:spLocks noGrp="1"/>
-          </p:cNvSpPr>
-          <p:nvPr>
-            <p:ph type="body" idx="1"/>
-          </p:nvPr>
-        </p:nvSpPr>
-        <p:spPr/>
-        <p:txBody>
-          <a:bodyPr rtlCol="0"/>
-          <a:lstStyle/>
-          <a:p>
-            <a:pPr rtl="0"/>
-            <a:endParaRPr lang="zh-CN" altLang="en-US" dirty="0"/>
-          </a:p>
-        </p:txBody>
-      </p:sp>
-      <p:sp>
-        <p:nvSpPr>
-          <p:cNvPr id="4" name="内容占位符 3"/>
-          <p:cNvSpPr>
-            <a:spLocks noGrp="1"/>
-          </p:cNvSpPr>
-          <p:nvPr>
-            <p:ph sz="half" idx="2"/>
-          </p:nvPr>
-        </p:nvSpPr>
-        <p:spPr/>
-        <p:txBody>
-          <a:bodyPr rtlCol="0"/>
-          <a:lstStyle/>
-          <a:p>
-            <a:pPr rtl="0"/>
-            <a:endParaRPr lang="zh-CN" altLang="en-US" dirty="0"/>
-          </a:p>
-        </p:txBody>
-      </p:sp>
-      <p:sp>
-        <p:nvSpPr>
-          <p:cNvPr id="5" name="文本占位符 4"/>
-          <p:cNvSpPr>
-            <a:spLocks noGrp="1"/>
-          </p:cNvSpPr>
-          <p:nvPr>
-            <p:ph type="body" sz="quarter" idx="3"/>
-          </p:nvPr>
-        </p:nvSpPr>
-        <p:spPr/>
-        <p:txBody>
-          <a:bodyPr rtlCol="0"/>
-          <a:lstStyle/>
-          <a:p>
-            <a:pPr rtl="0"/>
-            <a:endParaRPr lang="zh-CN" altLang="en-US" dirty="0"/>
-          </a:p>
-        </p:txBody>
-      </p:sp>
-      <p:sp>
-        <p:nvSpPr>
-          <p:cNvPr id="6" name="内容占位符 5"/>
-          <p:cNvSpPr>
-            <a:spLocks noGrp="1"/>
-          </p:cNvSpPr>
-          <p:nvPr>
-            <p:ph sz="quarter" idx="4"/>
-          </p:nvPr>
-        </p:nvSpPr>
-        <p:spPr/>
-        <p:txBody>
-          <a:bodyPr rtlCol="0"/>
-          <a:lstStyle/>
-          <a:p>
-            <a:pPr rtl="0"/>
-            <a:endParaRPr lang="zh-CN" altLang="en-US" dirty="0"/>
-          </a:p>
-        </p:txBody>
-      </p:sp>
-    </p:spTree>
-    <p:extLst>
-      <p:ext uri="{BB962C8B-B14F-4D97-AF65-F5344CB8AC3E}">
-        <p14:creationId xmlns:p14="http://schemas.microsoft.com/office/powerpoint/2010/main" val="114670211"/>
-      </p:ext>
-    </p:extLst>
-  </p:cSld>
-  <p:clrMapOvr>
-    <a:masterClrMapping/>
-  </p:clrMapOvr>
-  <mc:AlternateContent xmlns:mc="http://schemas.openxmlformats.org/markup-compatibility/2006" xmlns:p14="http://schemas.microsoft.com/office/powerpoint/2010/main">
-    <mc:Choice Requires="p14">
-      <p:transition spd="med" p14:dur="700">
-        <p:fade/>
-      </p:transition>
-    </mc:Choice>
-    <mc:Fallback xmlns="">
-      <p:transition spd="med">
-        <p:fade/>
-      </p:transition>
-    </mc:Fallback>
-  </mc:AlternateContent>
-</p:sld>
-</file>
-
-<file path=ppt/slides/slide13.xml><?xml version="1.0" encoding="utf-8"?>
-<p:sld xmlns:a="http://schemas.openxmlformats.org/drawingml/2006/main" xmlns:r="http://schemas.openxmlformats.org/officeDocument/2006/relationships" xmlns:p="http://schemas.openxmlformats.org/presentationml/2006/main">
-  <p:cSld>
-    <p:spTree>
-      <p:nvGrpSpPr>
-        <p:cNvPr id="1" name=""/>
-        <p:cNvGrpSpPr/>
-        <p:nvPr/>
-      </p:nvGrpSpPr>
-      <p:grpSpPr>
-        <a:xfrm>
-          <a:off x="0" y="0"/>
-          <a:ext cx="0" cy="0"/>
-          <a:chOff x="0" y="0"/>
-          <a:chExt cx="0" cy="0"/>
-        </a:xfrm>
-      </p:grpSpPr>
-      <p:sp>
-        <p:nvSpPr>
-          <p:cNvPr id="2" name="标题 1"/>
-          <p:cNvSpPr>
-            <a:spLocks noGrp="1"/>
-          </p:cNvSpPr>
-          <p:nvPr>
-            <p:ph type="title"/>
-          </p:nvPr>
-        </p:nvSpPr>
-        <p:spPr/>
-        <p:txBody>
-          <a:bodyPr rtlCol="0"/>
-          <a:lstStyle/>
-          <a:p>
-            <a:pPr rtl="0"/>
-            <a:r>
-              <a:rPr lang="zh-CN"/>
-              <a:t>添加幻灯片标题 - 3</a:t>
-            </a:r>
-          </a:p>
-        </p:txBody>
-      </p:sp>
-    </p:spTree>
-    <p:extLst>
-      <p:ext uri="{BB962C8B-B14F-4D97-AF65-F5344CB8AC3E}">
-        <p14:creationId xmlns:p14="http://schemas.microsoft.com/office/powerpoint/2010/main" val="1940049094"/>
-      </p:ext>
-    </p:extLst>
-  </p:cSld>
-  <p:clrMapOvr>
-    <a:masterClrMapping/>
-  </p:clrMapOvr>
-  <mc:AlternateContent xmlns:mc="http://schemas.openxmlformats.org/markup-compatibility/2006" xmlns:p14="http://schemas.microsoft.com/office/powerpoint/2010/main">
-    <mc:Choice Requires="p14">
-      <p:transition spd="med" p14:dur="700">
-        <p:fade/>
-      </p:transition>
-    </mc:Choice>
-    <mc:Fallback xmlns="">
-      <p:transition spd="med">
-        <p:fade/>
-      </p:transition>
-    </mc:Fallback>
-  </mc:AlternateContent>
-</p:sld>
-</file>
-
-<file path=ppt/slides/slide14.xml><?xml version="1.0" encoding="utf-8"?>
-<p:sld xmlns:a="http://schemas.openxmlformats.org/drawingml/2006/main" xmlns:r="http://schemas.openxmlformats.org/officeDocument/2006/relationships" xmlns:p="http://schemas.openxmlformats.org/presentationml/2006/main">
-  <p:cSld>
-    <p:spTree>
-      <p:nvGrpSpPr>
-        <p:cNvPr id="1" name=""/>
-        <p:cNvGrpSpPr/>
-        <p:nvPr/>
-      </p:nvGrpSpPr>
-      <p:grpSpPr>
-        <a:xfrm>
-          <a:off x="0" y="0"/>
-          <a:ext cx="0" cy="0"/>
-          <a:chOff x="0" y="0"/>
-          <a:chExt cx="0" cy="0"/>
-        </a:xfrm>
-      </p:grpSpPr>
-    </p:spTree>
-    <p:extLst>
-      <p:ext uri="{BB962C8B-B14F-4D97-AF65-F5344CB8AC3E}">
-        <p14:creationId xmlns:p14="http://schemas.microsoft.com/office/powerpoint/2010/main" val="908817056"/>
-      </p:ext>
-    </p:extLst>
-  </p:cSld>
-  <p:clrMapOvr>
-    <a:masterClrMapping/>
-  </p:clrMapOvr>
-  <mc:AlternateContent xmlns:mc="http://schemas.openxmlformats.org/markup-compatibility/2006" xmlns:p14="http://schemas.microsoft.com/office/powerpoint/2010/main">
-    <mc:Choice Requires="p14">
-      <p:transition spd="med" p14:dur="700">
-        <p:fade/>
-      </p:transition>
-    </mc:Choice>
-    <mc:Fallback xmlns="">
-      <p:transition spd="med">
-        <p:fade/>
-      </p:transition>
-    </mc:Fallback>
-  </mc:AlternateContent>
-</p:sld>
-</file>
-
-<file path=ppt/slides/slide15.xml><?xml version="1.0" encoding="utf-8"?>
-<p:sld xmlns:a="http://schemas.openxmlformats.org/drawingml/2006/main" xmlns:r="http://schemas.openxmlformats.org/officeDocument/2006/relationships" xmlns:p="http://schemas.openxmlformats.org/presentationml/2006/main">
-  <p:cSld>
-    <p:spTree>
-      <p:nvGrpSpPr>
-        <p:cNvPr id="1" name=""/>
-        <p:cNvGrpSpPr/>
-        <p:nvPr/>
-      </p:nvGrpSpPr>
-      <p:grpSpPr>
-        <a:xfrm>
-          <a:off x="0" y="0"/>
-          <a:ext cx="0" cy="0"/>
-          <a:chOff x="0" y="0"/>
-          <a:chExt cx="0" cy="0"/>
-        </a:xfrm>
-      </p:grpSpPr>
-      <p:sp>
-        <p:nvSpPr>
-          <p:cNvPr id="2" name="标题 1"/>
-          <p:cNvSpPr>
-            <a:spLocks noGrp="1"/>
-          </p:cNvSpPr>
-          <p:nvPr>
-            <p:ph type="title"/>
-          </p:nvPr>
-        </p:nvSpPr>
-        <p:spPr/>
-        <p:txBody>
-          <a:bodyPr rtlCol="0"/>
-          <a:lstStyle/>
-          <a:p>
-            <a:pPr rtl="0"/>
-            <a:r>
-              <a:rPr lang="zh-CN"/>
-              <a:t>添加幻灯片标题 - 4</a:t>
-            </a:r>
-          </a:p>
-        </p:txBody>
-      </p:sp>
-      <p:sp>
-        <p:nvSpPr>
-          <p:cNvPr id="3" name="内容占位符 2"/>
-          <p:cNvSpPr>
-            <a:spLocks noGrp="1"/>
-          </p:cNvSpPr>
-          <p:nvPr>
-            <p:ph idx="1"/>
-          </p:nvPr>
-        </p:nvSpPr>
-        <p:spPr/>
-        <p:txBody>
-          <a:bodyPr rtlCol="0"/>
-          <a:lstStyle/>
-          <a:p>
-            <a:pPr rtl="0"/>
-            <a:endParaRPr lang="zh-CN" altLang="en-US" dirty="0"/>
-          </a:p>
-        </p:txBody>
-      </p:sp>
-      <p:sp>
-        <p:nvSpPr>
-          <p:cNvPr id="4" name="文本占位符 3"/>
-          <p:cNvSpPr>
-            <a:spLocks noGrp="1"/>
-          </p:cNvSpPr>
-          <p:nvPr>
-            <p:ph type="body" sz="half" idx="2"/>
-          </p:nvPr>
-        </p:nvSpPr>
-        <p:spPr/>
-        <p:txBody>
-          <a:bodyPr rtlCol="0"/>
-          <a:lstStyle/>
-          <a:p>
-            <a:pPr rtl="0"/>
-            <a:endParaRPr lang="zh-CN" altLang="en-US" dirty="0"/>
-          </a:p>
-        </p:txBody>
-      </p:sp>
-    </p:spTree>
-    <p:extLst>
-      <p:ext uri="{BB962C8B-B14F-4D97-AF65-F5344CB8AC3E}">
-        <p14:creationId xmlns:p14="http://schemas.microsoft.com/office/powerpoint/2010/main" val="1593453088"/>
-      </p:ext>
-    </p:extLst>
-  </p:cSld>
-  <p:clrMapOvr>
-    <a:masterClrMapping/>
-  </p:clrMapOvr>
-  <mc:AlternateContent xmlns:mc="http://schemas.openxmlformats.org/markup-compatibility/2006" xmlns:p14="http://schemas.microsoft.com/office/powerpoint/2010/main">
-    <mc:Choice Requires="p14">
-      <p:transition spd="med" p14:dur="700">
-        <p:fade/>
-      </p:transition>
-    </mc:Choice>
-    <mc:Fallback xmlns="">
-      <p:transition spd="med">
-        <p:fade/>
-      </p:transition>
-    </mc:Fallback>
-  </mc:AlternateContent>
-</p:sld>
-</file>
-
-<file path=ppt/slides/slide16.xml><?xml version="1.0" encoding="utf-8"?>
-<p:sld xmlns:a="http://schemas.openxmlformats.org/drawingml/2006/main" xmlns:r="http://schemas.openxmlformats.org/officeDocument/2006/relationships" xmlns:p="http://schemas.openxmlformats.org/presentationml/2006/main">
-  <p:cSld>
-    <p:spTree>
-      <p:nvGrpSpPr>
-        <p:cNvPr id="1" name=""/>
-        <p:cNvGrpSpPr/>
-        <p:nvPr/>
-      </p:nvGrpSpPr>
-      <p:grpSpPr>
-        <a:xfrm>
-          <a:off x="0" y="0"/>
-          <a:ext cx="0" cy="0"/>
-          <a:chOff x="0" y="0"/>
-          <a:chExt cx="0" cy="0"/>
-        </a:xfrm>
-      </p:grpSpPr>
-      <p:sp>
-        <p:nvSpPr>
-          <p:cNvPr id="2" name="标题 1"/>
-          <p:cNvSpPr>
-            <a:spLocks noGrp="1"/>
-          </p:cNvSpPr>
-          <p:nvPr>
-            <p:ph type="title"/>
-          </p:nvPr>
-        </p:nvSpPr>
-        <p:spPr/>
-        <p:txBody>
-          <a:bodyPr rtlCol="0"/>
-          <a:lstStyle/>
-          <a:p>
-            <a:pPr rtl="0"/>
-            <a:r>
-              <a:rPr lang="zh-CN"/>
-              <a:t>添加幻灯片标题 - 5</a:t>
-            </a:r>
-          </a:p>
-        </p:txBody>
-      </p:sp>
-      <p:sp>
-        <p:nvSpPr>
-          <p:cNvPr id="3" name="图片占位符 2" descr="为添加图像预留的空占位符。单击占位符，选择要添加的图像。"/>
-          <p:cNvSpPr>
-            <a:spLocks noGrp="1"/>
-          </p:cNvSpPr>
-          <p:nvPr>
-            <p:ph type="pic" idx="1"/>
-          </p:nvPr>
-        </p:nvSpPr>
-        <p:spPr/>
-      </p:sp>
-      <p:sp>
-        <p:nvSpPr>
-          <p:cNvPr id="4" name="文本占位符 3"/>
-          <p:cNvSpPr>
-            <a:spLocks noGrp="1"/>
-          </p:cNvSpPr>
-          <p:nvPr>
-            <p:ph type="body" sz="half" idx="2"/>
-          </p:nvPr>
-        </p:nvSpPr>
-        <p:spPr/>
-        <p:txBody>
-          <a:bodyPr rtlCol="0"/>
-          <a:lstStyle/>
-          <a:p>
-            <a:pPr rtl="0"/>
-            <a:endParaRPr lang="zh-CN" altLang="en-US" dirty="0"/>
-          </a:p>
-        </p:txBody>
-      </p:sp>
-    </p:spTree>
-    <p:extLst>
-      <p:ext uri="{BB962C8B-B14F-4D97-AF65-F5344CB8AC3E}">
-        <p14:creationId xmlns:p14="http://schemas.microsoft.com/office/powerpoint/2010/main" val="3392644443"/>
-      </p:ext>
-    </p:extLst>
-  </p:cSld>
-  <p:clrMapOvr>
-    <a:masterClrMapping/>
-  </p:clrMapOvr>
-  <mc:AlternateContent xmlns:mc="http://schemas.openxmlformats.org/markup-compatibility/2006" xmlns:p14="http://schemas.microsoft.com/office/powerpoint/2010/main">
-    <mc:Choice Requires="p14">
-      <p:transition spd="med" p14:dur="700">
-        <p:fade/>
-      </p:transition>
-    </mc:Choice>
-    <mc:Fallback xmlns="">
-      <p:transition spd="med">
-        <p:fade/>
-      </p:transition>
-    </mc:Fallback>
-  </mc:AlternateContent>
-</p:sld>
-</file>
-
 <file path=ppt/slides/slide2.xml><?xml version="1.0" encoding="utf-8"?>
 <p:sld xmlns:a="http://schemas.openxmlformats.org/drawingml/2006/main" xmlns:r="http://schemas.openxmlformats.org/officeDocument/2006/relationships" xmlns:p="http://schemas.openxmlformats.org/presentationml/2006/main">
   <p:cSld>
@@ -11450,7 +6090,7 @@
         </p:spPr>
         <p:txBody>
           <a:bodyPr rtlCol="0">
-            <a:normAutofit/>
+            <a:normAutofit lnSpcReduction="10000"/>
           </a:bodyPr>
           <a:lstStyle/>
           <a:p>
@@ -11493,29 +6133,14 @@
             <a:pPr lvl="2"/>
             <a:r>
               <a:rPr lang="en-US" altLang="zh-CN" dirty="0" smtClean="0"/>
-              <a:t>The </a:t>
-            </a:r>
-            <a:r>
-              <a:rPr lang="en-US" altLang="zh-CN" dirty="0"/>
-              <a:t>a</a:t>
-            </a:r>
+              <a:t>The most expensive call seems to be trigonometry calculations inside a for loop for each pixel to select random points in the hemisphere of SSAO.</a:t>
+            </a:r>
+          </a:p>
+          <a:p>
+            <a:pPr lvl="2"/>
             <a:r>
               <a:rPr lang="en-US" altLang="zh-CN" dirty="0" smtClean="0"/>
-              <a:t>lgorithm to randomly select sample points seems to be too complex.</a:t>
-            </a:r>
-          </a:p>
-          <a:p>
-            <a:pPr lvl="2"/>
-            <a:r>
-              <a:rPr lang="en-US" altLang="zh-CN" dirty="0" smtClean="0"/>
-              <a:t>The most expensive call seems to be trigonometry calculations inside a for loop for each pixel to select random points in the hemisphere of SSAO.</a:t>
-            </a:r>
-          </a:p>
-          <a:p>
-            <a:pPr lvl="2"/>
-            <a:r>
-              <a:rPr lang="en-US" altLang="zh-CN" dirty="0" smtClean="0"/>
-              <a:t>An easy fix is to reduce FBO size. A 512x512 FBO works fine.</a:t>
+              <a:t>An easy fix is to reduce FBO size(AO resolution). A 512x512 FBO works fine.</a:t>
             </a:r>
           </a:p>
           <a:p>
@@ -11526,8 +6151,71 @@
             </a:r>
             <a:r>
               <a:rPr lang="en-US" altLang="zh-CN" dirty="0" smtClean="0"/>
-              <a:t>piral algorithm to select points is costly, we could change that to pure random.</a:t>
-            </a:r>
+              <a:t>piral algorithm to select points is costly, we could change that to random selection in screen space.</a:t>
+            </a:r>
+          </a:p>
+          <a:p>
+            <a:pPr lvl="2"/>
+            <a:r>
+              <a:rPr lang="en-US" altLang="zh-CN" dirty="0" smtClean="0"/>
+              <a:t>Some properties to calculate SSAO and ESM remain dynamic for the purpose </a:t>
+            </a:r>
+            <a:r>
+              <a:rPr lang="en-US" altLang="zh-CN" smtClean="0"/>
+              <a:t>to demo.</a:t>
+            </a:r>
+            <a:endParaRPr lang="en-US" altLang="zh-CN" dirty="0" smtClean="0"/>
+          </a:p>
+          <a:p>
+            <a:r>
+              <a:rPr lang="en-US" altLang="zh-CN" dirty="0" smtClean="0"/>
+              <a:t>Result</a:t>
+            </a:r>
+          </a:p>
+          <a:p>
+            <a:pPr lvl="1"/>
+            <a:r>
+              <a:rPr lang="en-US" altLang="zh-CN" dirty="0" smtClean="0"/>
+              <a:t>90-100 fps </a:t>
+            </a:r>
+            <a:r>
+              <a:rPr lang="en-US" altLang="zh-CN" dirty="0"/>
+              <a:t>on NVIDIA GeForce GTX 980 </a:t>
+            </a:r>
+            <a:r>
+              <a:rPr lang="en-US" altLang="zh-CN" dirty="0" err="1"/>
+              <a:t>Ti</a:t>
+            </a:r>
+            <a:endParaRPr lang="en-US" altLang="zh-CN" dirty="0"/>
+          </a:p>
+          <a:p>
+            <a:pPr lvl="1"/>
+            <a:r>
+              <a:rPr lang="en-US" altLang="zh-CN" dirty="0" smtClean="0"/>
+              <a:t>… </a:t>
+            </a:r>
+            <a:r>
+              <a:rPr lang="en-US" altLang="zh-CN" dirty="0"/>
+              <a:t>fps on </a:t>
+            </a:r>
+            <a:r>
+              <a:rPr lang="pt-BR" altLang="zh-CN" dirty="0"/>
+              <a:t>NVIDIA GeForce GTX 760</a:t>
+            </a:r>
+          </a:p>
+          <a:p>
+            <a:pPr lvl="1"/>
+            <a:r>
+              <a:rPr lang="pt-BR" altLang="zh-CN" dirty="0" smtClean="0"/>
+              <a:t>25-35 </a:t>
+            </a:r>
+            <a:r>
+              <a:rPr lang="pt-BR" altLang="zh-CN" dirty="0"/>
+              <a:t>fps on AMD Radeon RX Vega 8</a:t>
+            </a:r>
+          </a:p>
+          <a:p>
+            <a:pPr lvl="1"/>
             <a:endParaRPr lang="en-US" altLang="zh-CN" dirty="0" smtClean="0"/>
           </a:p>
           <a:p>
@@ -11554,482 +6242,6 @@
     <p:extLst>
       <p:ext uri="{BB962C8B-B14F-4D97-AF65-F5344CB8AC3E}">
         <p14:creationId xmlns:p14="http://schemas.microsoft.com/office/powerpoint/2010/main" val="1404232260"/>
-      </p:ext>
-    </p:extLst>
-  </p:cSld>
-  <p:clrMapOvr>
-    <a:masterClrMapping/>
-  </p:clrMapOvr>
-  <mc:AlternateContent xmlns:mc="http://schemas.openxmlformats.org/markup-compatibility/2006" xmlns:p14="http://schemas.microsoft.com/office/powerpoint/2010/main">
-    <mc:Choice Requires="p14">
-      <p:transition spd="med" p14:dur="700">
-        <p:fade/>
-      </p:transition>
-    </mc:Choice>
-    <mc:Fallback xmlns="">
-      <p:transition spd="med">
-        <p:fade/>
-      </p:transition>
-    </mc:Fallback>
-  </mc:AlternateContent>
-</p:sld>
-</file>
-
-<file path=ppt/slides/slide8.xml><?xml version="1.0" encoding="utf-8"?>
-<p:sld xmlns:a="http://schemas.openxmlformats.org/drawingml/2006/main" xmlns:r="http://schemas.openxmlformats.org/officeDocument/2006/relationships" xmlns:p="http://schemas.openxmlformats.org/presentationml/2006/main">
-  <p:cSld>
-    <p:spTree>
-      <p:nvGrpSpPr>
-        <p:cNvPr id="1" name=""/>
-        <p:cNvGrpSpPr/>
-        <p:nvPr/>
-      </p:nvGrpSpPr>
-      <p:grpSpPr>
-        <a:xfrm>
-          <a:off x="0" y="0"/>
-          <a:ext cx="0" cy="0"/>
-          <a:chOff x="0" y="0"/>
-          <a:chExt cx="0" cy="0"/>
-        </a:xfrm>
-      </p:grpSpPr>
-      <p:sp>
-        <p:nvSpPr>
-          <p:cNvPr id="2" name="标题 1"/>
-          <p:cNvSpPr>
-            <a:spLocks noGrp="1"/>
-          </p:cNvSpPr>
-          <p:nvPr>
-            <p:ph type="title"/>
-          </p:nvPr>
-        </p:nvSpPr>
-        <p:spPr/>
-        <p:txBody>
-          <a:bodyPr rtlCol="0"/>
-          <a:lstStyle/>
-          <a:p>
-            <a:pPr rtl="0"/>
-            <a:r>
-              <a:rPr lang="zh-CN" dirty="0"/>
-              <a:t>标题和包含图表的内容布局</a:t>
-            </a:r>
-          </a:p>
-        </p:txBody>
-      </p:sp>
-      <p:graphicFrame>
-        <p:nvGraphicFramePr>
-          <p:cNvPr id="6" name="内容占位符 5" descr="簇状柱形图表示&#10;4 种类别的 3 系列组合图表"/>
-          <p:cNvGraphicFramePr>
-            <a:graphicFrameLocks noGrp="1"/>
-          </p:cNvGraphicFramePr>
-          <p:nvPr>
-            <p:ph idx="1"/>
-            <p:extLst>
-              <p:ext uri="{D42A27DB-BD31-4B8C-83A1-F6EECF244321}">
-                <p14:modId xmlns:p14="http://schemas.microsoft.com/office/powerpoint/2010/main" val="266160330"/>
-              </p:ext>
-            </p:extLst>
-          </p:nvPr>
-        </p:nvGraphicFramePr>
-        <p:xfrm>
-          <a:off x="1295400" y="1828800"/>
-          <a:ext cx="9601200" cy="4114800"/>
-        </p:xfrm>
-        <a:graphic>
-          <a:graphicData uri="http://schemas.openxmlformats.org/drawingml/2006/chart">
-            <c:chart xmlns:c="http://schemas.openxmlformats.org/drawingml/2006/chart" xmlns:r="http://schemas.openxmlformats.org/officeDocument/2006/relationships" r:id="rId3"/>
-          </a:graphicData>
-        </a:graphic>
-      </p:graphicFrame>
-    </p:spTree>
-    <p:extLst>
-      <p:ext uri="{BB962C8B-B14F-4D97-AF65-F5344CB8AC3E}">
-        <p14:creationId xmlns:p14="http://schemas.microsoft.com/office/powerpoint/2010/main" val="579920876"/>
-      </p:ext>
-    </p:extLst>
-  </p:cSld>
-  <p:clrMapOvr>
-    <a:masterClrMapping/>
-  </p:clrMapOvr>
-  <mc:AlternateContent xmlns:mc="http://schemas.openxmlformats.org/markup-compatibility/2006" xmlns:p14="http://schemas.microsoft.com/office/powerpoint/2010/main">
-    <mc:Choice Requires="p14">
-      <p:transition spd="med" p14:dur="700">
-        <p:fade/>
-      </p:transition>
-    </mc:Choice>
-    <mc:Fallback xmlns="">
-      <p:transition spd="med">
-        <p:fade/>
-      </p:transition>
-    </mc:Fallback>
-  </mc:AlternateContent>
-</p:sld>
-</file>
-
-<file path=ppt/slides/slide9.xml><?xml version="1.0" encoding="utf-8"?>
-<p:sld xmlns:a="http://schemas.openxmlformats.org/drawingml/2006/main" xmlns:r="http://schemas.openxmlformats.org/officeDocument/2006/relationships" xmlns:p="http://schemas.openxmlformats.org/presentationml/2006/main">
-  <p:cSld>
-    <p:spTree>
-      <p:nvGrpSpPr>
-        <p:cNvPr id="1" name=""/>
-        <p:cNvGrpSpPr/>
-        <p:nvPr/>
-      </p:nvGrpSpPr>
-      <p:grpSpPr>
-        <a:xfrm>
-          <a:off x="0" y="0"/>
-          <a:ext cx="0" cy="0"/>
-          <a:chOff x="0" y="0"/>
-          <a:chExt cx="0" cy="0"/>
-        </a:xfrm>
-      </p:grpSpPr>
-      <p:sp>
-        <p:nvSpPr>
-          <p:cNvPr id="2" name="标题 1"/>
-          <p:cNvSpPr>
-            <a:spLocks noGrp="1"/>
-          </p:cNvSpPr>
-          <p:nvPr>
-            <p:ph type="title"/>
-          </p:nvPr>
-        </p:nvSpPr>
-        <p:spPr/>
-        <p:txBody>
-          <a:bodyPr rtlCol="0"/>
-          <a:lstStyle/>
-          <a:p>
-            <a:pPr rtl="0"/>
-            <a:r>
-              <a:rPr lang="zh-CN" altLang="en-US" dirty="0"/>
-              <a:t>包含表格的两栏内容布局</a:t>
-            </a:r>
-          </a:p>
-        </p:txBody>
-      </p:sp>
-      <p:sp>
-        <p:nvSpPr>
-          <p:cNvPr id="3" name="内容占位符 2"/>
-          <p:cNvSpPr>
-            <a:spLocks noGrp="1"/>
-          </p:cNvSpPr>
-          <p:nvPr>
-            <p:ph sz="half" idx="1"/>
-          </p:nvPr>
-        </p:nvSpPr>
-        <p:spPr/>
-        <p:txBody>
-          <a:bodyPr rtlCol="0"/>
-          <a:lstStyle/>
-          <a:p>
-            <a:pPr rtl="0"/>
-            <a:r>
-              <a:rPr lang="zh-CN" altLang="en-US" dirty="0"/>
-              <a:t>此处是第一个项目要点</a:t>
-            </a:r>
-          </a:p>
-          <a:p>
-            <a:pPr rtl="0"/>
-            <a:r>
-              <a:rPr lang="zh-CN" altLang="en-US" dirty="0"/>
-              <a:t>此处是第二个项目要点</a:t>
-            </a:r>
-          </a:p>
-          <a:p>
-            <a:pPr rtl="0"/>
-            <a:r>
-              <a:rPr lang="zh-CN" altLang="en-US" dirty="0"/>
-              <a:t>此处是第三个项目要点</a:t>
-            </a:r>
-          </a:p>
-        </p:txBody>
-      </p:sp>
-      <p:graphicFrame>
-        <p:nvGraphicFramePr>
-          <p:cNvPr id="5" name="内容占位符 4"/>
-          <p:cNvGraphicFramePr>
-            <a:graphicFrameLocks noGrp="1"/>
-          </p:cNvGraphicFramePr>
-          <p:nvPr>
-            <p:ph sz="half" idx="2"/>
-            <p:extLst>
-              <p:ext uri="{D42A27DB-BD31-4B8C-83A1-F6EECF244321}">
-                <p14:modId xmlns:p14="http://schemas.microsoft.com/office/powerpoint/2010/main" val="2460347668"/>
-              </p:ext>
-            </p:extLst>
-          </p:nvPr>
-        </p:nvGraphicFramePr>
-        <p:xfrm>
-          <a:off x="6172200" y="1825623"/>
-          <a:ext cx="4724400" cy="2147860"/>
-        </p:xfrm>
-        <a:graphic>
-          <a:graphicData uri="http://schemas.openxmlformats.org/drawingml/2006/table">
-            <a:tbl>
-              <a:tblPr firstRow="1" bandRow="1">
-                <a:tableStyleId>{B301B821-A1FF-4177-AEE7-76D212191A09}</a:tableStyleId>
-              </a:tblPr>
-              <a:tblGrid>
-                <a:gridCol w="1574800">
-                  <a:extLst>
-                    <a:ext uri="{9D8B030D-6E8A-4147-A177-3AD203B41FA5}">
-                      <a16:colId xmlns="" xmlns:a16="http://schemas.microsoft.com/office/drawing/2014/main" val="20000"/>
-                    </a:ext>
-                  </a:extLst>
-                </a:gridCol>
-                <a:gridCol w="1574800">
-                  <a:extLst>
-                    <a:ext uri="{9D8B030D-6E8A-4147-A177-3AD203B41FA5}">
-                      <a16:colId xmlns="" xmlns:a16="http://schemas.microsoft.com/office/drawing/2014/main" val="20001"/>
-                    </a:ext>
-                  </a:extLst>
-                </a:gridCol>
-                <a:gridCol w="1574800">
-                  <a:extLst>
-                    <a:ext uri="{9D8B030D-6E8A-4147-A177-3AD203B41FA5}">
-                      <a16:colId xmlns="" xmlns:a16="http://schemas.microsoft.com/office/drawing/2014/main" val="20002"/>
-                    </a:ext>
-                  </a:extLst>
-                </a:gridCol>
-              </a:tblGrid>
-              <a:tr h="536965">
-                <a:tc>
-                  <a:txBody>
-                    <a:bodyPr/>
-                    <a:lstStyle/>
-                    <a:p>
-                      <a:pPr rtl="0"/>
-                      <a:r>
-                        <a:rPr lang="zh-CN" dirty="0">
-                          <a:latin typeface="宋体" panose="02010600030101010101" pitchFamily="2" charset="-122"/>
-                          <a:ea typeface="宋体" panose="02010600030101010101" pitchFamily="2" charset="-122"/>
-                        </a:rPr>
-                        <a:t>类</a:t>
-                      </a:r>
-                    </a:p>
-                  </a:txBody>
-                  <a:tcPr anchor="ctr"/>
-                </a:tc>
-                <a:tc>
-                  <a:txBody>
-                    <a:bodyPr/>
-                    <a:lstStyle/>
-                    <a:p>
-                      <a:pPr algn="ctr" rtl="0"/>
-                      <a:r>
-                        <a:rPr lang="zh-CN" dirty="0">
-                          <a:latin typeface="宋体" panose="02010600030101010101" pitchFamily="2" charset="-122"/>
-                          <a:ea typeface="宋体" panose="02010600030101010101" pitchFamily="2" charset="-122"/>
-                        </a:rPr>
-                        <a:t>组 1</a:t>
-                      </a:r>
-                    </a:p>
-                  </a:txBody>
-                  <a:tcPr anchor="ctr"/>
-                </a:tc>
-                <a:tc>
-                  <a:txBody>
-                    <a:bodyPr/>
-                    <a:lstStyle/>
-                    <a:p>
-                      <a:pPr algn="ctr" rtl="0"/>
-                      <a:r>
-                        <a:rPr lang="zh-CN" dirty="0">
-                          <a:latin typeface="宋体" panose="02010600030101010101" pitchFamily="2" charset="-122"/>
-                          <a:ea typeface="宋体" panose="02010600030101010101" pitchFamily="2" charset="-122"/>
-                        </a:rPr>
-                        <a:t>组 2</a:t>
-                      </a:r>
-                    </a:p>
-                  </a:txBody>
-                  <a:tcPr anchor="ctr"/>
-                </a:tc>
-                <a:extLst>
-                  <a:ext uri="{0D108BD9-81ED-4DB2-BD59-A6C34878D82A}">
-                    <a16:rowId xmlns="" xmlns:a16="http://schemas.microsoft.com/office/drawing/2014/main" val="10000"/>
-                  </a:ext>
-                </a:extLst>
-              </a:tr>
-              <a:tr h="536965">
-                <a:tc>
-                  <a:txBody>
-                    <a:bodyPr/>
-                    <a:lstStyle/>
-                    <a:p>
-                      <a:pPr rtl="0"/>
-                      <a:r>
-                        <a:rPr lang="zh-CN" dirty="0">
-                          <a:latin typeface="宋体" panose="02010600030101010101" pitchFamily="2" charset="-122"/>
-                          <a:ea typeface="宋体" panose="02010600030101010101" pitchFamily="2" charset="-122"/>
-                        </a:rPr>
-                        <a:t>类 1</a:t>
-                      </a:r>
-                    </a:p>
-                  </a:txBody>
-                  <a:tcPr anchor="ctr"/>
-                </a:tc>
-                <a:tc>
-                  <a:txBody>
-                    <a:bodyPr/>
-                    <a:lstStyle/>
-                    <a:p>
-                      <a:pPr algn="ctr" rtl="0"/>
-                      <a:r>
-                        <a:rPr lang="zh-CN" dirty="0">
-                          <a:latin typeface="宋体" panose="02010600030101010101" pitchFamily="2" charset="-122"/>
-                          <a:ea typeface="宋体" panose="02010600030101010101" pitchFamily="2" charset="-122"/>
-                        </a:rPr>
-                        <a:t>82</a:t>
-                      </a:r>
-                    </a:p>
-                  </a:txBody>
-                  <a:tcPr anchor="ctr"/>
-                </a:tc>
-                <a:tc>
-                  <a:txBody>
-                    <a:bodyPr/>
-                    <a:lstStyle/>
-                    <a:p>
-                      <a:pPr algn="ctr" rtl="0"/>
-                      <a:r>
-                        <a:rPr lang="zh-CN" dirty="0">
-                          <a:latin typeface="宋体" panose="02010600030101010101" pitchFamily="2" charset="-122"/>
-                          <a:ea typeface="宋体" panose="02010600030101010101" pitchFamily="2" charset="-122"/>
-                        </a:rPr>
-                        <a:t>95</a:t>
-                      </a:r>
-                    </a:p>
-                  </a:txBody>
-                  <a:tcPr anchor="ctr"/>
-                </a:tc>
-                <a:extLst>
-                  <a:ext uri="{0D108BD9-81ED-4DB2-BD59-A6C34878D82A}">
-                    <a16:rowId xmlns="" xmlns:a16="http://schemas.microsoft.com/office/drawing/2014/main" val="10001"/>
-                  </a:ext>
-                </a:extLst>
-              </a:tr>
-              <a:tr h="536965">
-                <a:tc>
-                  <a:txBody>
-                    <a:bodyPr/>
-                    <a:lstStyle/>
-                    <a:p>
-                      <a:pPr rtl="0"/>
-                      <a:r>
-                        <a:rPr lang="zh-CN" dirty="0">
-                          <a:latin typeface="宋体" panose="02010600030101010101" pitchFamily="2" charset="-122"/>
-                          <a:ea typeface="宋体" panose="02010600030101010101" pitchFamily="2" charset="-122"/>
-                        </a:rPr>
-                        <a:t>类 2</a:t>
-                      </a:r>
-                    </a:p>
-                  </a:txBody>
-                  <a:tcPr anchor="ctr"/>
-                </a:tc>
-                <a:tc>
-                  <a:txBody>
-                    <a:bodyPr/>
-                    <a:lstStyle/>
-                    <a:p>
-                      <a:pPr algn="ctr" rtl="0"/>
-                      <a:r>
-                        <a:rPr lang="zh-CN" dirty="0">
-                          <a:latin typeface="宋体" panose="02010600030101010101" pitchFamily="2" charset="-122"/>
-                          <a:ea typeface="宋体" panose="02010600030101010101" pitchFamily="2" charset="-122"/>
-                        </a:rPr>
-                        <a:t>76</a:t>
-                      </a:r>
-                    </a:p>
-                  </a:txBody>
-                  <a:tcPr anchor="ctr"/>
-                </a:tc>
-                <a:tc>
-                  <a:txBody>
-                    <a:bodyPr/>
-                    <a:lstStyle/>
-                    <a:p>
-                      <a:pPr algn="ctr" rtl="0"/>
-                      <a:r>
-                        <a:rPr lang="zh-CN" dirty="0">
-                          <a:latin typeface="宋体" panose="02010600030101010101" pitchFamily="2" charset="-122"/>
-                          <a:ea typeface="宋体" panose="02010600030101010101" pitchFamily="2" charset="-122"/>
-                        </a:rPr>
-                        <a:t>88</a:t>
-                      </a:r>
-                    </a:p>
-                  </a:txBody>
-                  <a:tcPr anchor="ctr"/>
-                </a:tc>
-                <a:extLst>
-                  <a:ext uri="{0D108BD9-81ED-4DB2-BD59-A6C34878D82A}">
-                    <a16:rowId xmlns="" xmlns:a16="http://schemas.microsoft.com/office/drawing/2014/main" val="10002"/>
-                  </a:ext>
-                </a:extLst>
-              </a:tr>
-              <a:tr h="536965">
-                <a:tc>
-                  <a:txBody>
-                    <a:bodyPr/>
-                    <a:lstStyle/>
-                    <a:p>
-                      <a:pPr rtl="0"/>
-                      <a:r>
-                        <a:rPr lang="zh-CN" dirty="0">
-                          <a:latin typeface="宋体" panose="02010600030101010101" pitchFamily="2" charset="-122"/>
-                          <a:ea typeface="宋体" panose="02010600030101010101" pitchFamily="2" charset="-122"/>
-                        </a:rPr>
-                        <a:t>类 3</a:t>
-                      </a:r>
-                    </a:p>
-                  </a:txBody>
-                  <a:tcPr anchor="ctr"/>
-                </a:tc>
-                <a:tc>
-                  <a:txBody>
-                    <a:bodyPr/>
-                    <a:lstStyle/>
-                    <a:p>
-                      <a:pPr algn="ctr" rtl="0"/>
-                      <a:r>
-                        <a:rPr lang="zh-CN" dirty="0">
-                          <a:latin typeface="宋体" panose="02010600030101010101" pitchFamily="2" charset="-122"/>
-                          <a:ea typeface="宋体" panose="02010600030101010101" pitchFamily="2" charset="-122"/>
-                        </a:rPr>
-                        <a:t>84</a:t>
-                      </a:r>
-                    </a:p>
-                  </a:txBody>
-                  <a:tcPr anchor="ctr"/>
-                </a:tc>
-                <a:tc>
-                  <a:txBody>
-                    <a:bodyPr/>
-                    <a:lstStyle/>
-                    <a:p>
-                      <a:pPr algn="ctr" rtl="0"/>
-                      <a:r>
-                        <a:rPr lang="zh-CN" dirty="0">
-                          <a:latin typeface="宋体" panose="02010600030101010101" pitchFamily="2" charset="-122"/>
-                          <a:ea typeface="宋体" panose="02010600030101010101" pitchFamily="2" charset="-122"/>
-                        </a:rPr>
-                        <a:t>90</a:t>
-                      </a:r>
-                    </a:p>
-                  </a:txBody>
-                  <a:tcPr anchor="ctr"/>
-                </a:tc>
-                <a:extLst>
-                  <a:ext uri="{0D108BD9-81ED-4DB2-BD59-A6C34878D82A}">
-                    <a16:rowId xmlns="" xmlns:a16="http://schemas.microsoft.com/office/drawing/2014/main" val="10003"/>
-                  </a:ext>
-                </a:extLst>
-              </a:tr>
-            </a:tbl>
-          </a:graphicData>
-        </a:graphic>
-      </p:graphicFrame>
-    </p:spTree>
-    <p:extLst>
-      <p:ext uri="{BB962C8B-B14F-4D97-AF65-F5344CB8AC3E}">
-        <p14:creationId xmlns:p14="http://schemas.microsoft.com/office/powerpoint/2010/main" val="1181435729"/>
       </p:ext>
     </p:extLst>
   </p:cSld>
